--- a/analyse_textuelle.pptx
+++ b/analyse_textuelle.pptx
@@ -11,15 +11,17 @@
     <p:sldId id="261" r:id="rId5"/>
     <p:sldId id="259" r:id="rId6"/>
     <p:sldId id="260" r:id="rId7"/>
-    <p:sldId id="266" r:id="rId8"/>
-    <p:sldId id="265" r:id="rId9"/>
-    <p:sldId id="269" r:id="rId10"/>
-    <p:sldId id="271" r:id="rId11"/>
-    <p:sldId id="272" r:id="rId12"/>
-    <p:sldId id="268" r:id="rId13"/>
-    <p:sldId id="263" r:id="rId14"/>
-    <p:sldId id="262" r:id="rId15"/>
-    <p:sldId id="270" r:id="rId16"/>
+    <p:sldId id="274" r:id="rId8"/>
+    <p:sldId id="266" r:id="rId9"/>
+    <p:sldId id="265" r:id="rId10"/>
+    <p:sldId id="269" r:id="rId11"/>
+    <p:sldId id="271" r:id="rId12"/>
+    <p:sldId id="272" r:id="rId13"/>
+    <p:sldId id="268" r:id="rId14"/>
+    <p:sldId id="273" r:id="rId15"/>
+    <p:sldId id="263" r:id="rId16"/>
+    <p:sldId id="262" r:id="rId17"/>
+    <p:sldId id="270" r:id="rId18"/>
   </p:sldIdLst>
   <p:sldSz cx="12192000" cy="6858000"/>
   <p:notesSz cx="6858000" cy="9144000"/>
@@ -273,7 +275,7 @@
           <a:p>
             <a:fld id="{69FDBEE3-E06C-4447-8428-635A776DD80F}" type="datetimeFigureOut">
               <a:rPr lang="fr-FR" smtClean="0"/>
-              <a:t>18/04/2022</a:t>
+              <a:t>19/04/2022</a:t>
             </a:fld>
             <a:endParaRPr lang="fr-FR"/>
           </a:p>
@@ -471,7 +473,7 @@
           <a:p>
             <a:fld id="{69FDBEE3-E06C-4447-8428-635A776DD80F}" type="datetimeFigureOut">
               <a:rPr lang="fr-FR" smtClean="0"/>
-              <a:t>18/04/2022</a:t>
+              <a:t>19/04/2022</a:t>
             </a:fld>
             <a:endParaRPr lang="fr-FR"/>
           </a:p>
@@ -679,7 +681,7 @@
           <a:p>
             <a:fld id="{69FDBEE3-E06C-4447-8428-635A776DD80F}" type="datetimeFigureOut">
               <a:rPr lang="fr-FR" smtClean="0"/>
-              <a:t>18/04/2022</a:t>
+              <a:t>19/04/2022</a:t>
             </a:fld>
             <a:endParaRPr lang="fr-FR"/>
           </a:p>
@@ -877,7 +879,7 @@
           <a:p>
             <a:fld id="{69FDBEE3-E06C-4447-8428-635A776DD80F}" type="datetimeFigureOut">
               <a:rPr lang="fr-FR" smtClean="0"/>
-              <a:t>18/04/2022</a:t>
+              <a:t>19/04/2022</a:t>
             </a:fld>
             <a:endParaRPr lang="fr-FR"/>
           </a:p>
@@ -1152,7 +1154,7 @@
           <a:p>
             <a:fld id="{69FDBEE3-E06C-4447-8428-635A776DD80F}" type="datetimeFigureOut">
               <a:rPr lang="fr-FR" smtClean="0"/>
-              <a:t>18/04/2022</a:t>
+              <a:t>19/04/2022</a:t>
             </a:fld>
             <a:endParaRPr lang="fr-FR"/>
           </a:p>
@@ -1417,7 +1419,7 @@
           <a:p>
             <a:fld id="{69FDBEE3-E06C-4447-8428-635A776DD80F}" type="datetimeFigureOut">
               <a:rPr lang="fr-FR" smtClean="0"/>
-              <a:t>18/04/2022</a:t>
+              <a:t>19/04/2022</a:t>
             </a:fld>
             <a:endParaRPr lang="fr-FR"/>
           </a:p>
@@ -1829,7 +1831,7 @@
           <a:p>
             <a:fld id="{69FDBEE3-E06C-4447-8428-635A776DD80F}" type="datetimeFigureOut">
               <a:rPr lang="fr-FR" smtClean="0"/>
-              <a:t>18/04/2022</a:t>
+              <a:t>19/04/2022</a:t>
             </a:fld>
             <a:endParaRPr lang="fr-FR"/>
           </a:p>
@@ -1970,7 +1972,7 @@
           <a:p>
             <a:fld id="{69FDBEE3-E06C-4447-8428-635A776DD80F}" type="datetimeFigureOut">
               <a:rPr lang="fr-FR" smtClean="0"/>
-              <a:t>18/04/2022</a:t>
+              <a:t>19/04/2022</a:t>
             </a:fld>
             <a:endParaRPr lang="fr-FR"/>
           </a:p>
@@ -2083,7 +2085,7 @@
           <a:p>
             <a:fld id="{69FDBEE3-E06C-4447-8428-635A776DD80F}" type="datetimeFigureOut">
               <a:rPr lang="fr-FR" smtClean="0"/>
-              <a:t>18/04/2022</a:t>
+              <a:t>19/04/2022</a:t>
             </a:fld>
             <a:endParaRPr lang="fr-FR"/>
           </a:p>
@@ -2394,7 +2396,7 @@
           <a:p>
             <a:fld id="{69FDBEE3-E06C-4447-8428-635A776DD80F}" type="datetimeFigureOut">
               <a:rPr lang="fr-FR" smtClean="0"/>
-              <a:t>18/04/2022</a:t>
+              <a:t>19/04/2022</a:t>
             </a:fld>
             <a:endParaRPr lang="fr-FR"/>
           </a:p>
@@ -2682,7 +2684,7 @@
           <a:p>
             <a:fld id="{69FDBEE3-E06C-4447-8428-635A776DD80F}" type="datetimeFigureOut">
               <a:rPr lang="fr-FR" smtClean="0"/>
-              <a:t>18/04/2022</a:t>
+              <a:t>19/04/2022</a:t>
             </a:fld>
             <a:endParaRPr lang="fr-FR"/>
           </a:p>
@@ -2923,7 +2925,7 @@
           <a:p>
             <a:fld id="{69FDBEE3-E06C-4447-8428-635A776DD80F}" type="datetimeFigureOut">
               <a:rPr lang="fr-FR" smtClean="0"/>
-              <a:t>18/04/2022</a:t>
+              <a:t>19/04/2022</a:t>
             </a:fld>
             <a:endParaRPr lang="fr-FR"/>
           </a:p>
@@ -3637,6 +3639,345 @@
           <a:chExt cx="0" cy="0"/>
         </a:xfrm>
       </p:grpSpPr>
+      <p:pic>
+        <p:nvPicPr>
+          <p:cNvPr id="6" name="Image 5">
+            <a:extLst>
+              <a:ext uri="{FF2B5EF4-FFF2-40B4-BE49-F238E27FC236}">
+                <a16:creationId xmlns:a16="http://schemas.microsoft.com/office/drawing/2014/main" id="{D5CFB8B8-13B3-4571-B24C-E124537D5A47}"/>
+              </a:ext>
+            </a:extLst>
+          </p:cNvPr>
+          <p:cNvPicPr>
+            <a:picLocks noChangeAspect="1"/>
+          </p:cNvPicPr>
+          <p:nvPr/>
+        </p:nvPicPr>
+        <p:blipFill>
+          <a:blip r:embed="rId2"/>
+          <a:stretch>
+            <a:fillRect/>
+          </a:stretch>
+        </p:blipFill>
+        <p:spPr>
+          <a:xfrm>
+            <a:off x="121036" y="1530203"/>
+            <a:ext cx="6629413" cy="4090424"/>
+          </a:xfrm>
+          <a:prstGeom prst="rect">
+            <a:avLst/>
+          </a:prstGeom>
+        </p:spPr>
+      </p:pic>
+      <p:sp>
+        <p:nvSpPr>
+          <p:cNvPr id="4" name="Rectangle 3">
+            <a:extLst>
+              <a:ext uri="{FF2B5EF4-FFF2-40B4-BE49-F238E27FC236}">
+                <a16:creationId xmlns:a16="http://schemas.microsoft.com/office/drawing/2014/main" id="{D465CE8F-F5E5-0446-A0A1-D215251B2332}"/>
+              </a:ext>
+            </a:extLst>
+          </p:cNvPr>
+          <p:cNvSpPr/>
+          <p:nvPr/>
+        </p:nvSpPr>
+        <p:spPr>
+          <a:xfrm>
+            <a:off x="483306" y="720150"/>
+            <a:ext cx="6954148" cy="646331"/>
+          </a:xfrm>
+          <a:prstGeom prst="rect">
+            <a:avLst/>
+          </a:prstGeom>
+          <a:noFill/>
+        </p:spPr>
+        <p:txBody>
+          <a:bodyPr wrap="none" lIns="91440" tIns="45720" rIns="91440" bIns="45720">
+            <a:spAutoFit/>
+          </a:bodyPr>
+          <a:lstStyle/>
+          <a:p>
+            <a:pPr algn="ctr"/>
+            <a:r>
+              <a:rPr lang="fr-FR" sz="3600" b="0" cap="none" spc="0" dirty="0">
+                <a:ln w="0"/>
+                <a:solidFill>
+                  <a:schemeClr val="accent1"/>
+                </a:solidFill>
+                <a:effectLst>
+                  <a:outerShdw blurRad="38100" dist="25400" dir="5400000" algn="ctr" rotWithShape="0">
+                    <a:srgbClr val="6E747A">
+                      <a:alpha val="43000"/>
+                    </a:srgbClr>
+                  </a:outerShdw>
+                </a:effectLst>
+              </a:rPr>
+              <a:t>Focus sur Igor et </a:t>
+            </a:r>
+            <a:r>
+              <a:rPr lang="fr-FR" sz="3600" dirty="0" err="1">
+                <a:solidFill>
+                  <a:schemeClr val="accent1">
+                    <a:lumMod val="75000"/>
+                  </a:schemeClr>
+                </a:solidFill>
+              </a:rPr>
+              <a:t>Grichka</a:t>
+            </a:r>
+            <a:r>
+              <a:rPr lang="fr-FR" sz="3600" dirty="0">
+                <a:solidFill>
+                  <a:schemeClr val="accent1">
+                    <a:lumMod val="75000"/>
+                  </a:schemeClr>
+                </a:solidFill>
+              </a:rPr>
+              <a:t> </a:t>
+            </a:r>
+            <a:r>
+              <a:rPr lang="fr-FR" sz="3600" dirty="0" err="1">
+                <a:solidFill>
+                  <a:schemeClr val="accent1">
+                    <a:lumMod val="75000"/>
+                  </a:schemeClr>
+                </a:solidFill>
+              </a:rPr>
+              <a:t>Bogdanoff</a:t>
+            </a:r>
+            <a:r>
+              <a:rPr lang="fr-FR" sz="3600" b="0" cap="none" spc="0" dirty="0">
+                <a:ln w="0"/>
+                <a:solidFill>
+                  <a:schemeClr val="accent1">
+                    <a:lumMod val="75000"/>
+                  </a:schemeClr>
+                </a:solidFill>
+                <a:effectLst>
+                  <a:outerShdw blurRad="38100" dist="25400" dir="5400000" algn="ctr" rotWithShape="0">
+                    <a:srgbClr val="6E747A">
+                      <a:alpha val="43000"/>
+                    </a:srgbClr>
+                  </a:outerShdw>
+                </a:effectLst>
+              </a:rPr>
+              <a:t> </a:t>
+            </a:r>
+          </a:p>
+        </p:txBody>
+      </p:sp>
+      <p:sp>
+        <p:nvSpPr>
+          <p:cNvPr id="3" name="Rectangle 2">
+            <a:extLst>
+              <a:ext uri="{FF2B5EF4-FFF2-40B4-BE49-F238E27FC236}">
+                <a16:creationId xmlns:a16="http://schemas.microsoft.com/office/drawing/2014/main" id="{5A36C8C3-B35D-4164-A95A-F58911A3B436}"/>
+              </a:ext>
+            </a:extLst>
+          </p:cNvPr>
+          <p:cNvSpPr/>
+          <p:nvPr/>
+        </p:nvSpPr>
+        <p:spPr>
+          <a:xfrm>
+            <a:off x="265438" y="21524"/>
+            <a:ext cx="3521350" cy="923330"/>
+          </a:xfrm>
+          <a:prstGeom prst="rect">
+            <a:avLst/>
+          </a:prstGeom>
+          <a:noFill/>
+        </p:spPr>
+        <p:txBody>
+          <a:bodyPr wrap="none" lIns="91440" tIns="45720" rIns="91440" bIns="45720">
+            <a:spAutoFit/>
+          </a:bodyPr>
+          <a:lstStyle/>
+          <a:p>
+            <a:pPr algn="ctr"/>
+            <a:r>
+              <a:rPr lang="fr-FR" sz="5400" b="0" cap="none" spc="0" dirty="0">
+                <a:ln w="0"/>
+                <a:solidFill>
+                  <a:schemeClr val="accent1"/>
+                </a:solidFill>
+                <a:effectLst>
+                  <a:outerShdw blurRad="38100" dist="25400" dir="5400000" algn="ctr" rotWithShape="0">
+                    <a:srgbClr val="6E747A">
+                      <a:alpha val="43000"/>
+                    </a:srgbClr>
+                  </a:outerShdw>
+                </a:effectLst>
+              </a:rPr>
+              <a:t>RESULTATS :</a:t>
+            </a:r>
+          </a:p>
+        </p:txBody>
+      </p:sp>
+      <p:pic>
+        <p:nvPicPr>
+          <p:cNvPr id="5" name="Image 4" descr="Une image contenant personne, posant, groupe, gens&#10;&#10;Description générée automatiquement">
+            <a:extLst>
+              <a:ext uri="{FF2B5EF4-FFF2-40B4-BE49-F238E27FC236}">
+                <a16:creationId xmlns:a16="http://schemas.microsoft.com/office/drawing/2014/main" id="{D95A302E-F789-454B-9FB2-CBB02814A932}"/>
+              </a:ext>
+            </a:extLst>
+          </p:cNvPr>
+          <p:cNvPicPr>
+            <a:picLocks noChangeAspect="1"/>
+          </p:cNvPicPr>
+          <p:nvPr/>
+        </p:nvPicPr>
+        <p:blipFill>
+          <a:blip r:embed="rId3"/>
+          <a:stretch>
+            <a:fillRect/>
+          </a:stretch>
+        </p:blipFill>
+        <p:spPr>
+          <a:xfrm>
+            <a:off x="8756258" y="78787"/>
+            <a:ext cx="2298024" cy="1848690"/>
+          </a:xfrm>
+          <a:prstGeom prst="rect">
+            <a:avLst/>
+          </a:prstGeom>
+        </p:spPr>
+      </p:pic>
+      <p:sp>
+        <p:nvSpPr>
+          <p:cNvPr id="10" name="Espace réservé du contenu 2">
+            <a:extLst>
+              <a:ext uri="{FF2B5EF4-FFF2-40B4-BE49-F238E27FC236}">
+                <a16:creationId xmlns:a16="http://schemas.microsoft.com/office/drawing/2014/main" id="{B211AA95-EB79-4D85-82CB-504D64799D4E}"/>
+              </a:ext>
+            </a:extLst>
+          </p:cNvPr>
+          <p:cNvSpPr>
+            <a:spLocks noGrp="1"/>
+          </p:cNvSpPr>
+          <p:nvPr>
+            <p:ph idx="1"/>
+          </p:nvPr>
+        </p:nvSpPr>
+        <p:spPr>
+          <a:xfrm>
+            <a:off x="6840952" y="3848276"/>
+            <a:ext cx="5351048" cy="1425688"/>
+          </a:xfrm>
+        </p:spPr>
+        <p:txBody>
+          <a:bodyPr>
+            <a:normAutofit fontScale="92500"/>
+          </a:bodyPr>
+          <a:lstStyle/>
+          <a:p>
+            <a:r>
+              <a:rPr lang="fr-FR" dirty="0">
+                <a:sym typeface="Wingdings" pitchFamily="2" charset="2"/>
+              </a:rPr>
+              <a:t>Proportion de mots positifs + élevée</a:t>
+            </a:r>
+          </a:p>
+          <a:p>
+            <a:r>
+              <a:rPr lang="fr-FR" dirty="0">
+                <a:sym typeface="Wingdings" pitchFamily="2" charset="2"/>
+              </a:rPr>
+              <a:t>Proportion de mots négatifs - élevée</a:t>
+            </a:r>
+          </a:p>
+          <a:p>
+            <a:endParaRPr lang="fr-FR" dirty="0">
+              <a:sym typeface="Wingdings" pitchFamily="2" charset="2"/>
+            </a:endParaRPr>
+          </a:p>
+        </p:txBody>
+      </p:sp>
+      <p:cxnSp>
+        <p:nvCxnSpPr>
+          <p:cNvPr id="11" name="Connecteur droit avec flèche 10">
+            <a:extLst>
+              <a:ext uri="{FF2B5EF4-FFF2-40B4-BE49-F238E27FC236}">
+                <a16:creationId xmlns:a16="http://schemas.microsoft.com/office/drawing/2014/main" id="{5CC61CD0-59A1-48E5-B523-A84E62DBC533}"/>
+              </a:ext>
+            </a:extLst>
+          </p:cNvPr>
+          <p:cNvCxnSpPr>
+            <a:cxnSpLocks/>
+          </p:cNvCxnSpPr>
+          <p:nvPr/>
+        </p:nvCxnSpPr>
+        <p:spPr>
+          <a:xfrm>
+            <a:off x="6840952" y="3197280"/>
+            <a:ext cx="815993" cy="506502"/>
+          </a:xfrm>
+          <a:prstGeom prst="straightConnector1">
+            <a:avLst/>
+          </a:prstGeom>
+          <a:ln w="104775">
+            <a:tailEnd type="triangle"/>
+          </a:ln>
+          <a:effectLst>
+            <a:outerShdw blurRad="50800" dist="38100" algn="l" rotWithShape="0">
+              <a:prstClr val="black">
+                <a:alpha val="40000"/>
+              </a:prstClr>
+            </a:outerShdw>
+          </a:effectLst>
+          <a:scene3d>
+            <a:camera prst="isometricOffAxis1Right"/>
+            <a:lightRig rig="threePt" dir="t"/>
+          </a:scene3d>
+          <a:sp3d>
+            <a:bevelT/>
+          </a:sp3d>
+        </p:spPr>
+        <p:style>
+          <a:lnRef idx="3">
+            <a:schemeClr val="accent2"/>
+          </a:lnRef>
+          <a:fillRef idx="0">
+            <a:schemeClr val="accent2"/>
+          </a:fillRef>
+          <a:effectRef idx="2">
+            <a:schemeClr val="accent2"/>
+          </a:effectRef>
+          <a:fontRef idx="minor">
+            <a:schemeClr val="tx1"/>
+          </a:fontRef>
+        </p:style>
+      </p:cxnSp>
+    </p:spTree>
+    <p:extLst>
+      <p:ext uri="{BB962C8B-B14F-4D97-AF65-F5344CB8AC3E}">
+        <p14:creationId xmlns:p14="http://schemas.microsoft.com/office/powerpoint/2010/main" val="3560205630"/>
+      </p:ext>
+    </p:extLst>
+  </p:cSld>
+  <p:clrMapOvr>
+    <a:masterClrMapping/>
+  </p:clrMapOvr>
+</p:sld>
+</file>
+
+<file path=ppt/slides/slide11.xml><?xml version="1.0" encoding="utf-8"?>
+<p:sld xmlns:a="http://schemas.openxmlformats.org/drawingml/2006/main" xmlns:r="http://schemas.openxmlformats.org/officeDocument/2006/relationships" xmlns:p="http://schemas.openxmlformats.org/presentationml/2006/main">
+  <p:cSld>
+    <p:spTree>
+      <p:nvGrpSpPr>
+        <p:cNvPr id="1" name=""/>
+        <p:cNvGrpSpPr/>
+        <p:nvPr/>
+      </p:nvGrpSpPr>
+      <p:grpSpPr>
+        <a:xfrm>
+          <a:off x="0" y="0"/>
+          <a:ext cx="0" cy="0"/>
+          <a:chOff x="0" y="0"/>
+          <a:chExt cx="0" cy="0"/>
+        </a:xfrm>
+      </p:grpSpPr>
       <p:sp>
         <p:nvSpPr>
           <p:cNvPr id="4" name="Rectangle 3">
@@ -3854,7 +4195,7 @@
 </p:sld>
 </file>
 
-<file path=ppt/slides/slide11.xml><?xml version="1.0" encoding="utf-8"?>
+<file path=ppt/slides/slide12.xml><?xml version="1.0" encoding="utf-8"?>
 <p:sld xmlns:a="http://schemas.openxmlformats.org/drawingml/2006/main" xmlns:r="http://schemas.openxmlformats.org/officeDocument/2006/relationships" xmlns:p="http://schemas.openxmlformats.org/presentationml/2006/main">
   <p:cSld>
     <p:spTree>
@@ -4088,7 +4429,7 @@
 </p:sld>
 </file>
 
-<file path=ppt/slides/slide12.xml><?xml version="1.0" encoding="utf-8"?>
+<file path=ppt/slides/slide13.xml><?xml version="1.0" encoding="utf-8"?>
 <p:sld xmlns:a="http://schemas.openxmlformats.org/drawingml/2006/main" xmlns:r="http://schemas.openxmlformats.org/officeDocument/2006/relationships" xmlns:p="http://schemas.openxmlformats.org/presentationml/2006/main">
   <p:cSld>
     <p:spTree>
@@ -4668,7 +5009,518 @@
 </p:sld>
 </file>
 
-<file path=ppt/slides/slide13.xml><?xml version="1.0" encoding="utf-8"?>
+<file path=ppt/slides/slide14.xml><?xml version="1.0" encoding="utf-8"?>
+<p:sld xmlns:a="http://schemas.openxmlformats.org/drawingml/2006/main" xmlns:r="http://schemas.openxmlformats.org/officeDocument/2006/relationships" xmlns:p="http://schemas.openxmlformats.org/presentationml/2006/main">
+  <p:cSld>
+    <p:spTree>
+      <p:nvGrpSpPr>
+        <p:cNvPr id="1" name=""/>
+        <p:cNvGrpSpPr/>
+        <p:nvPr/>
+      </p:nvGrpSpPr>
+      <p:grpSpPr>
+        <a:xfrm>
+          <a:off x="0" y="0"/>
+          <a:ext cx="0" cy="0"/>
+          <a:chOff x="0" y="0"/>
+          <a:chExt cx="0" cy="0"/>
+        </a:xfrm>
+      </p:grpSpPr>
+      <p:pic>
+        <p:nvPicPr>
+          <p:cNvPr id="5" name="Image 4">
+            <a:extLst>
+              <a:ext uri="{FF2B5EF4-FFF2-40B4-BE49-F238E27FC236}">
+                <a16:creationId xmlns:a16="http://schemas.microsoft.com/office/drawing/2014/main" id="{D7FE1768-D536-40FB-AE2D-0170C256B484}"/>
+              </a:ext>
+            </a:extLst>
+          </p:cNvPr>
+          <p:cNvPicPr>
+            <a:picLocks noChangeAspect="1"/>
+          </p:cNvPicPr>
+          <p:nvPr/>
+        </p:nvPicPr>
+        <p:blipFill>
+          <a:blip r:embed="rId2"/>
+          <a:stretch>
+            <a:fillRect/>
+          </a:stretch>
+        </p:blipFill>
+        <p:spPr>
+          <a:xfrm>
+            <a:off x="1765426" y="888009"/>
+            <a:ext cx="9433711" cy="3502616"/>
+          </a:xfrm>
+          <a:prstGeom prst="rect">
+            <a:avLst/>
+          </a:prstGeom>
+        </p:spPr>
+      </p:pic>
+      <p:sp>
+        <p:nvSpPr>
+          <p:cNvPr id="4" name="Rectangle 3">
+            <a:extLst>
+              <a:ext uri="{FF2B5EF4-FFF2-40B4-BE49-F238E27FC236}">
+                <a16:creationId xmlns:a16="http://schemas.microsoft.com/office/drawing/2014/main" id="{D465CE8F-F5E5-0446-A0A1-D215251B2332}"/>
+              </a:ext>
+            </a:extLst>
+          </p:cNvPr>
+          <p:cNvSpPr/>
+          <p:nvPr/>
+        </p:nvSpPr>
+        <p:spPr>
+          <a:xfrm>
+            <a:off x="882217" y="633704"/>
+            <a:ext cx="3513911" cy="523220"/>
+          </a:xfrm>
+          <a:prstGeom prst="rect">
+            <a:avLst/>
+          </a:prstGeom>
+          <a:noFill/>
+        </p:spPr>
+        <p:txBody>
+          <a:bodyPr wrap="none" lIns="91440" tIns="45720" rIns="91440" bIns="45720">
+            <a:spAutoFit/>
+          </a:bodyPr>
+          <a:lstStyle/>
+          <a:p>
+            <a:pPr algn="ctr"/>
+            <a:r>
+              <a:rPr lang="fr-FR" sz="2800" b="0" cap="none" spc="0" dirty="0">
+                <a:ln w="0"/>
+                <a:solidFill>
+                  <a:schemeClr val="accent1"/>
+                </a:solidFill>
+                <a:effectLst>
+                  <a:outerShdw blurRad="38100" dist="25400" dir="5400000" algn="ctr" rotWithShape="0">
+                    <a:srgbClr val="6E747A">
+                      <a:alpha val="43000"/>
+                    </a:srgbClr>
+                  </a:outerShdw>
+                </a:effectLst>
+              </a:rPr>
+              <a:t>Focus sur </a:t>
+            </a:r>
+            <a:r>
+              <a:rPr lang="fr-FR" sz="2800" dirty="0">
+                <a:ln w="0"/>
+                <a:solidFill>
+                  <a:schemeClr val="accent1"/>
+                </a:solidFill>
+                <a:effectLst>
+                  <a:outerShdw blurRad="38100" dist="25400" dir="5400000" algn="ctr" rotWithShape="0">
+                    <a:srgbClr val="6E747A">
+                      <a:alpha val="43000"/>
+                    </a:srgbClr>
+                  </a:outerShdw>
+                </a:effectLst>
+              </a:rPr>
+              <a:t>les Eoliennes</a:t>
+            </a:r>
+            <a:endParaRPr lang="fr-FR" sz="2800" b="0" cap="none" spc="0" dirty="0">
+              <a:ln w="0"/>
+              <a:solidFill>
+                <a:schemeClr val="accent1">
+                  <a:lumMod val="75000"/>
+                </a:schemeClr>
+              </a:solidFill>
+              <a:effectLst>
+                <a:outerShdw blurRad="38100" dist="25400" dir="5400000" algn="ctr" rotWithShape="0">
+                  <a:srgbClr val="6E747A">
+                    <a:alpha val="43000"/>
+                  </a:srgbClr>
+                </a:outerShdw>
+              </a:effectLst>
+            </a:endParaRPr>
+          </a:p>
+        </p:txBody>
+      </p:sp>
+      <p:sp>
+        <p:nvSpPr>
+          <p:cNvPr id="3" name="Rectangle 2">
+            <a:extLst>
+              <a:ext uri="{FF2B5EF4-FFF2-40B4-BE49-F238E27FC236}">
+                <a16:creationId xmlns:a16="http://schemas.microsoft.com/office/drawing/2014/main" id="{5A36C8C3-B35D-4164-A95A-F58911A3B436}"/>
+              </a:ext>
+            </a:extLst>
+          </p:cNvPr>
+          <p:cNvSpPr/>
+          <p:nvPr/>
+        </p:nvSpPr>
+        <p:spPr>
+          <a:xfrm>
+            <a:off x="265438" y="21524"/>
+            <a:ext cx="3429107" cy="707886"/>
+          </a:xfrm>
+          <a:prstGeom prst="rect">
+            <a:avLst/>
+          </a:prstGeom>
+          <a:noFill/>
+        </p:spPr>
+        <p:txBody>
+          <a:bodyPr wrap="square" lIns="91440" tIns="45720" rIns="91440" bIns="45720">
+            <a:spAutoFit/>
+          </a:bodyPr>
+          <a:lstStyle/>
+          <a:p>
+            <a:pPr algn="ctr"/>
+            <a:r>
+              <a:rPr lang="fr-FR" sz="4000" b="0" cap="none" spc="0" dirty="0">
+                <a:ln w="0"/>
+                <a:solidFill>
+                  <a:schemeClr val="accent1"/>
+                </a:solidFill>
+                <a:effectLst>
+                  <a:outerShdw blurRad="38100" dist="25400" dir="5400000" algn="ctr" rotWithShape="0">
+                    <a:srgbClr val="6E747A">
+                      <a:alpha val="43000"/>
+                    </a:srgbClr>
+                  </a:outerShdw>
+                </a:effectLst>
+              </a:rPr>
+              <a:t>RESULTATS :</a:t>
+            </a:r>
+          </a:p>
+        </p:txBody>
+      </p:sp>
+      <p:cxnSp>
+        <p:nvCxnSpPr>
+          <p:cNvPr id="9" name="Connecteur droit avec flèche 8">
+            <a:extLst>
+              <a:ext uri="{FF2B5EF4-FFF2-40B4-BE49-F238E27FC236}">
+                <a16:creationId xmlns:a16="http://schemas.microsoft.com/office/drawing/2014/main" id="{5971FF35-7A94-483D-825E-0E647BCD3103}"/>
+              </a:ext>
+            </a:extLst>
+          </p:cNvPr>
+          <p:cNvCxnSpPr>
+            <a:cxnSpLocks/>
+          </p:cNvCxnSpPr>
+          <p:nvPr/>
+        </p:nvCxnSpPr>
+        <p:spPr>
+          <a:xfrm>
+            <a:off x="7245261" y="3907145"/>
+            <a:ext cx="475011" cy="744949"/>
+          </a:xfrm>
+          <a:prstGeom prst="straightConnector1">
+            <a:avLst/>
+          </a:prstGeom>
+          <a:ln w="104775">
+            <a:tailEnd type="triangle"/>
+          </a:ln>
+          <a:effectLst>
+            <a:outerShdw blurRad="50800" dist="38100" algn="l" rotWithShape="0">
+              <a:prstClr val="black">
+                <a:alpha val="40000"/>
+              </a:prstClr>
+            </a:outerShdw>
+          </a:effectLst>
+          <a:scene3d>
+            <a:camera prst="isometricOffAxis1Right"/>
+            <a:lightRig rig="threePt" dir="t"/>
+          </a:scene3d>
+          <a:sp3d>
+            <a:bevelT/>
+          </a:sp3d>
+        </p:spPr>
+        <p:style>
+          <a:lnRef idx="3">
+            <a:schemeClr val="accent2"/>
+          </a:lnRef>
+          <a:fillRef idx="0">
+            <a:schemeClr val="accent2"/>
+          </a:fillRef>
+          <a:effectRef idx="2">
+            <a:schemeClr val="accent2"/>
+          </a:effectRef>
+          <a:fontRef idx="minor">
+            <a:schemeClr val="tx1"/>
+          </a:fontRef>
+        </p:style>
+      </p:cxnSp>
+      <p:cxnSp>
+        <p:nvCxnSpPr>
+          <p:cNvPr id="11" name="Connecteur droit avec flèche 10">
+            <a:extLst>
+              <a:ext uri="{FF2B5EF4-FFF2-40B4-BE49-F238E27FC236}">
+                <a16:creationId xmlns:a16="http://schemas.microsoft.com/office/drawing/2014/main" id="{5CC61CD0-59A1-48E5-B523-A84E62DBC533}"/>
+              </a:ext>
+            </a:extLst>
+          </p:cNvPr>
+          <p:cNvCxnSpPr>
+            <a:cxnSpLocks/>
+          </p:cNvCxnSpPr>
+          <p:nvPr/>
+        </p:nvCxnSpPr>
+        <p:spPr>
+          <a:xfrm flipH="1">
+            <a:off x="4396128" y="4046879"/>
+            <a:ext cx="455937" cy="534877"/>
+          </a:xfrm>
+          <a:prstGeom prst="straightConnector1">
+            <a:avLst/>
+          </a:prstGeom>
+          <a:ln w="104775">
+            <a:tailEnd type="triangle"/>
+          </a:ln>
+          <a:effectLst>
+            <a:outerShdw blurRad="50800" dist="38100" algn="l" rotWithShape="0">
+              <a:prstClr val="black">
+                <a:alpha val="40000"/>
+              </a:prstClr>
+            </a:outerShdw>
+          </a:effectLst>
+          <a:scene3d>
+            <a:camera prst="isometricOffAxis1Right"/>
+            <a:lightRig rig="threePt" dir="t"/>
+          </a:scene3d>
+          <a:sp3d>
+            <a:bevelT/>
+          </a:sp3d>
+        </p:spPr>
+        <p:style>
+          <a:lnRef idx="3">
+            <a:schemeClr val="accent2"/>
+          </a:lnRef>
+          <a:fillRef idx="0">
+            <a:schemeClr val="accent2"/>
+          </a:fillRef>
+          <a:effectRef idx="2">
+            <a:schemeClr val="accent2"/>
+          </a:effectRef>
+          <a:fontRef idx="minor">
+            <a:schemeClr val="tx1"/>
+          </a:fontRef>
+        </p:style>
+      </p:cxnSp>
+      <p:sp>
+        <p:nvSpPr>
+          <p:cNvPr id="12" name="Espace réservé du contenu 2">
+            <a:extLst>
+              <a:ext uri="{FF2B5EF4-FFF2-40B4-BE49-F238E27FC236}">
+                <a16:creationId xmlns:a16="http://schemas.microsoft.com/office/drawing/2014/main" id="{240644A0-432A-4A18-A5A7-9AE9496C4500}"/>
+              </a:ext>
+            </a:extLst>
+          </p:cNvPr>
+          <p:cNvSpPr txBox="1">
+            <a:spLocks/>
+          </p:cNvSpPr>
+          <p:nvPr/>
+        </p:nvSpPr>
+        <p:spPr>
+          <a:xfrm>
+            <a:off x="3045499" y="4913564"/>
+            <a:ext cx="5351048" cy="1425688"/>
+          </a:xfrm>
+          <a:prstGeom prst="rect">
+            <a:avLst/>
+          </a:prstGeom>
+        </p:spPr>
+        <p:txBody>
+          <a:bodyPr vert="horz" lIns="91440" tIns="45720" rIns="91440" bIns="45720" rtlCol="0">
+            <a:normAutofit/>
+          </a:bodyPr>
+          <a:lstStyle>
+            <a:lvl1pPr marL="228600" indent="-228600" algn="l" defTabSz="914400" rtl="0" eaLnBrk="1" latinLnBrk="0" hangingPunct="1">
+              <a:lnSpc>
+                <a:spcPct val="90000"/>
+              </a:lnSpc>
+              <a:spcBef>
+                <a:spcPts val="1000"/>
+              </a:spcBef>
+              <a:buFont typeface="Arial" panose="020B0604020202020204" pitchFamily="34" charset="0"/>
+              <a:buChar char="•"/>
+              <a:defRPr sz="2800" kern="1200">
+                <a:solidFill>
+                  <a:schemeClr val="tx1"/>
+                </a:solidFill>
+                <a:latin typeface="+mn-lt"/>
+                <a:ea typeface="+mn-ea"/>
+                <a:cs typeface="+mn-cs"/>
+              </a:defRPr>
+            </a:lvl1pPr>
+            <a:lvl2pPr marL="685800" indent="-228600" algn="l" defTabSz="914400" rtl="0" eaLnBrk="1" latinLnBrk="0" hangingPunct="1">
+              <a:lnSpc>
+                <a:spcPct val="90000"/>
+              </a:lnSpc>
+              <a:spcBef>
+                <a:spcPts val="500"/>
+              </a:spcBef>
+              <a:buFont typeface="Arial" panose="020B0604020202020204" pitchFamily="34" charset="0"/>
+              <a:buChar char="•"/>
+              <a:defRPr sz="2400" kern="1200">
+                <a:solidFill>
+                  <a:schemeClr val="tx1"/>
+                </a:solidFill>
+                <a:latin typeface="+mn-lt"/>
+                <a:ea typeface="+mn-ea"/>
+                <a:cs typeface="+mn-cs"/>
+              </a:defRPr>
+            </a:lvl2pPr>
+            <a:lvl3pPr marL="1143000" indent="-228600" algn="l" defTabSz="914400" rtl="0" eaLnBrk="1" latinLnBrk="0" hangingPunct="1">
+              <a:lnSpc>
+                <a:spcPct val="90000"/>
+              </a:lnSpc>
+              <a:spcBef>
+                <a:spcPts val="500"/>
+              </a:spcBef>
+              <a:buFont typeface="Arial" panose="020B0604020202020204" pitchFamily="34" charset="0"/>
+              <a:buChar char="•"/>
+              <a:defRPr sz="2000" kern="1200">
+                <a:solidFill>
+                  <a:schemeClr val="tx1"/>
+                </a:solidFill>
+                <a:latin typeface="+mn-lt"/>
+                <a:ea typeface="+mn-ea"/>
+                <a:cs typeface="+mn-cs"/>
+              </a:defRPr>
+            </a:lvl3pPr>
+            <a:lvl4pPr marL="1600200" indent="-228600" algn="l" defTabSz="914400" rtl="0" eaLnBrk="1" latinLnBrk="0" hangingPunct="1">
+              <a:lnSpc>
+                <a:spcPct val="90000"/>
+              </a:lnSpc>
+              <a:spcBef>
+                <a:spcPts val="500"/>
+              </a:spcBef>
+              <a:buFont typeface="Arial" panose="020B0604020202020204" pitchFamily="34" charset="0"/>
+              <a:buChar char="•"/>
+              <a:defRPr sz="1800" kern="1200">
+                <a:solidFill>
+                  <a:schemeClr val="tx1"/>
+                </a:solidFill>
+                <a:latin typeface="+mn-lt"/>
+                <a:ea typeface="+mn-ea"/>
+                <a:cs typeface="+mn-cs"/>
+              </a:defRPr>
+            </a:lvl4pPr>
+            <a:lvl5pPr marL="2057400" indent="-228600" algn="l" defTabSz="914400" rtl="0" eaLnBrk="1" latinLnBrk="0" hangingPunct="1">
+              <a:lnSpc>
+                <a:spcPct val="90000"/>
+              </a:lnSpc>
+              <a:spcBef>
+                <a:spcPts val="500"/>
+              </a:spcBef>
+              <a:buFont typeface="Arial" panose="020B0604020202020204" pitchFamily="34" charset="0"/>
+              <a:buChar char="•"/>
+              <a:defRPr sz="1800" kern="1200">
+                <a:solidFill>
+                  <a:schemeClr val="tx1"/>
+                </a:solidFill>
+                <a:latin typeface="+mn-lt"/>
+                <a:ea typeface="+mn-ea"/>
+                <a:cs typeface="+mn-cs"/>
+              </a:defRPr>
+            </a:lvl5pPr>
+            <a:lvl6pPr marL="2514600" indent="-228600" algn="l" defTabSz="914400" rtl="0" eaLnBrk="1" latinLnBrk="0" hangingPunct="1">
+              <a:lnSpc>
+                <a:spcPct val="90000"/>
+              </a:lnSpc>
+              <a:spcBef>
+                <a:spcPts val="500"/>
+              </a:spcBef>
+              <a:buFont typeface="Arial" panose="020B0604020202020204" pitchFamily="34" charset="0"/>
+              <a:buChar char="•"/>
+              <a:defRPr sz="1800" kern="1200">
+                <a:solidFill>
+                  <a:schemeClr val="tx1"/>
+                </a:solidFill>
+                <a:latin typeface="+mn-lt"/>
+                <a:ea typeface="+mn-ea"/>
+                <a:cs typeface="+mn-cs"/>
+              </a:defRPr>
+            </a:lvl6pPr>
+            <a:lvl7pPr marL="2971800" indent="-228600" algn="l" defTabSz="914400" rtl="0" eaLnBrk="1" latinLnBrk="0" hangingPunct="1">
+              <a:lnSpc>
+                <a:spcPct val="90000"/>
+              </a:lnSpc>
+              <a:spcBef>
+                <a:spcPts val="500"/>
+              </a:spcBef>
+              <a:buFont typeface="Arial" panose="020B0604020202020204" pitchFamily="34" charset="0"/>
+              <a:buChar char="•"/>
+              <a:defRPr sz="1800" kern="1200">
+                <a:solidFill>
+                  <a:schemeClr val="tx1"/>
+                </a:solidFill>
+                <a:latin typeface="+mn-lt"/>
+                <a:ea typeface="+mn-ea"/>
+                <a:cs typeface="+mn-cs"/>
+              </a:defRPr>
+            </a:lvl7pPr>
+            <a:lvl8pPr marL="3429000" indent="-228600" algn="l" defTabSz="914400" rtl="0" eaLnBrk="1" latinLnBrk="0" hangingPunct="1">
+              <a:lnSpc>
+                <a:spcPct val="90000"/>
+              </a:lnSpc>
+              <a:spcBef>
+                <a:spcPts val="500"/>
+              </a:spcBef>
+              <a:buFont typeface="Arial" panose="020B0604020202020204" pitchFamily="34" charset="0"/>
+              <a:buChar char="•"/>
+              <a:defRPr sz="1800" kern="1200">
+                <a:solidFill>
+                  <a:schemeClr val="tx1"/>
+                </a:solidFill>
+                <a:latin typeface="+mn-lt"/>
+                <a:ea typeface="+mn-ea"/>
+                <a:cs typeface="+mn-cs"/>
+              </a:defRPr>
+            </a:lvl8pPr>
+            <a:lvl9pPr marL="3886200" indent="-228600" algn="l" defTabSz="914400" rtl="0" eaLnBrk="1" latinLnBrk="0" hangingPunct="1">
+              <a:lnSpc>
+                <a:spcPct val="90000"/>
+              </a:lnSpc>
+              <a:spcBef>
+                <a:spcPts val="500"/>
+              </a:spcBef>
+              <a:buFont typeface="Arial" panose="020B0604020202020204" pitchFamily="34" charset="0"/>
+              <a:buChar char="•"/>
+              <a:defRPr sz="1800" kern="1200">
+                <a:solidFill>
+                  <a:schemeClr val="tx1"/>
+                </a:solidFill>
+                <a:latin typeface="+mn-lt"/>
+                <a:ea typeface="+mn-ea"/>
+                <a:cs typeface="+mn-cs"/>
+              </a:defRPr>
+            </a:lvl9pPr>
+          </a:lstStyle>
+          <a:p>
+            <a:r>
+              <a:rPr lang="fr-FR" dirty="0">
+                <a:sym typeface="Wingdings" pitchFamily="2" charset="2"/>
+              </a:rPr>
+              <a:t>Nombre de mots positifs + élevé</a:t>
+            </a:r>
+          </a:p>
+          <a:p>
+            <a:r>
+              <a:rPr lang="fr-FR" dirty="0">
+                <a:sym typeface="Wingdings" pitchFamily="2" charset="2"/>
+              </a:rPr>
+              <a:t>Nombre de mots négatifs - élevé</a:t>
+            </a:r>
+          </a:p>
+          <a:p>
+            <a:endParaRPr lang="fr-FR" dirty="0">
+              <a:sym typeface="Wingdings" pitchFamily="2" charset="2"/>
+            </a:endParaRPr>
+          </a:p>
+        </p:txBody>
+      </p:sp>
+    </p:spTree>
+    <p:extLst>
+      <p:ext uri="{BB962C8B-B14F-4D97-AF65-F5344CB8AC3E}">
+        <p14:creationId xmlns:p14="http://schemas.microsoft.com/office/powerpoint/2010/main" val="2355339490"/>
+      </p:ext>
+    </p:extLst>
+  </p:cSld>
+  <p:clrMapOvr>
+    <a:masterClrMapping/>
+  </p:clrMapOvr>
+</p:sld>
+</file>
+
+<file path=ppt/slides/slide15.xml><?xml version="1.0" encoding="utf-8"?>
 <p:sld xmlns:a="http://schemas.openxmlformats.org/drawingml/2006/main" xmlns:r="http://schemas.openxmlformats.org/officeDocument/2006/relationships" xmlns:p="http://schemas.openxmlformats.org/presentationml/2006/main">
   <p:cSld>
     <p:spTree>
@@ -5198,7 +6050,7 @@
 </p:sld>
 </file>
 
-<file path=ppt/slides/slide14.xml><?xml version="1.0" encoding="utf-8"?>
+<file path=ppt/slides/slide16.xml><?xml version="1.0" encoding="utf-8"?>
 <p:sld xmlns:a="http://schemas.openxmlformats.org/drawingml/2006/main" xmlns:r="http://schemas.openxmlformats.org/officeDocument/2006/relationships" xmlns:p="http://schemas.openxmlformats.org/presentationml/2006/main">
   <p:cSld>
     <p:spTree>
@@ -5412,7 +6264,7 @@
 </p:sld>
 </file>
 
-<file path=ppt/slides/slide15.xml><?xml version="1.0" encoding="utf-8"?>
+<file path=ppt/slides/slide17.xml><?xml version="1.0" encoding="utf-8"?>
 <p:sld xmlns:a="http://schemas.openxmlformats.org/drawingml/2006/main" xmlns:r="http://schemas.openxmlformats.org/officeDocument/2006/relationships" xmlns:p="http://schemas.openxmlformats.org/presentationml/2006/main">
   <p:cSld>
     <p:spTree>
@@ -7356,98 +8208,43 @@
             <p:ph idx="1"/>
           </p:nvPr>
         </p:nvSpPr>
-        <p:spPr/>
+        <p:spPr>
+          <a:xfrm>
+            <a:off x="979285" y="837534"/>
+            <a:ext cx="3507463" cy="487024"/>
+          </a:xfrm>
+        </p:spPr>
         <p:txBody>
           <a:bodyPr/>
           <a:lstStyle/>
           <a:p>
-            <a:r>
-              <a:rPr lang="fr-FR" dirty="0"/>
-              <a:t>Constitution du </a:t>
-            </a:r>
-            <a:r>
-              <a:rPr lang="fr-FR" dirty="0" err="1"/>
-              <a:t>dataset</a:t>
-            </a:r>
-            <a:r>
-              <a:rPr lang="fr-FR" dirty="0"/>
-              <a:t> </a:t>
-            </a:r>
-            <a:endParaRPr lang="fr-FR" dirty="0">
-              <a:sym typeface="Wingdings" pitchFamily="2" charset="2"/>
-            </a:endParaRPr>
-          </a:p>
-          <a:p>
-            <a:r>
-              <a:rPr lang="fr-FR" dirty="0"/>
-              <a:t>Extraction des conversations dans un fichier </a:t>
-            </a:r>
-            <a:r>
-              <a:rPr lang="fr-FR" dirty="0" err="1"/>
-              <a:t>json</a:t>
-            </a:r>
-            <a:r>
-              <a:rPr lang="fr-FR" dirty="0"/>
-              <a:t> ou </a:t>
-            </a:r>
-            <a:r>
-              <a:rPr lang="fr-FR" dirty="0" err="1"/>
-              <a:t>excel</a:t>
-            </a:r>
-            <a:r>
-              <a:rPr lang="fr-FR" dirty="0"/>
-              <a:t> (un </a:t>
-            </a:r>
-            <a:r>
-              <a:rPr lang="fr-FR" dirty="0" err="1"/>
-              <a:t>dataset</a:t>
-            </a:r>
-            <a:r>
-              <a:rPr lang="fr-FR" dirty="0"/>
-              <a:t> pour chaque thématique )</a:t>
-            </a:r>
-          </a:p>
-          <a:p>
-            <a:r>
-              <a:rPr lang="fr-FR" dirty="0" err="1"/>
-              <a:t>P</a:t>
-            </a:r>
-            <a:r>
-              <a:rPr lang="fr-FR" dirty="0" err="1">
+            <a:pPr marL="0" indent="0">
+              <a:buNone/>
+            </a:pPr>
+            <a:r>
+              <a:rPr lang="fr-FR" sz="2400" dirty="0" err="1">
                 <a:sym typeface="Wingdings" pitchFamily="2" charset="2"/>
               </a:rPr>
-              <a:t>ré-traitement</a:t>
-            </a:r>
-            <a:r>
-              <a:rPr lang="fr-FR" dirty="0">
+              <a:t>Parser</a:t>
+            </a:r>
+            <a:r>
+              <a:rPr lang="fr-FR" sz="2400" dirty="0">
                 <a:sym typeface="Wingdings" pitchFamily="2" charset="2"/>
               </a:rPr>
-              <a:t> des données</a:t>
-            </a:r>
-          </a:p>
-          <a:p>
-            <a:r>
-              <a:rPr lang="fr-FR" dirty="0" err="1">
+              <a:t> (</a:t>
+            </a:r>
+            <a:r>
+              <a:rPr lang="fr-FR" sz="2400" dirty="0" err="1">
                 <a:sym typeface="Wingdings" pitchFamily="2" charset="2"/>
               </a:rPr>
-              <a:t>Token</a:t>
-            </a:r>
-            <a:endParaRPr lang="fr-FR" dirty="0">
-              <a:sym typeface="Wingdings" pitchFamily="2" charset="2"/>
-            </a:endParaRPr>
-          </a:p>
-          <a:p>
-            <a:r>
-              <a:rPr lang="fr-FR" dirty="0">
+              <a:t>BeautifulSoup</a:t>
+            </a:r>
+            <a:r>
+              <a:rPr lang="fr-FR" sz="2400" dirty="0">
                 <a:sym typeface="Wingdings" pitchFamily="2" charset="2"/>
               </a:rPr>
-              <a:t>Lexique</a:t>
-            </a:r>
-          </a:p>
-          <a:p>
-            <a:endParaRPr lang="fr-FR" dirty="0">
-              <a:sym typeface="Wingdings" pitchFamily="2" charset="2"/>
-            </a:endParaRPr>
+              <a:t>)</a:t>
+            </a:r>
           </a:p>
           <a:p>
             <a:endParaRPr lang="fr-FR" dirty="0"/>
@@ -7468,8 +8265,8 @@
         </p:nvSpPr>
         <p:spPr>
           <a:xfrm>
-            <a:off x="838200" y="681037"/>
-            <a:ext cx="5534913" cy="923330"/>
+            <a:off x="391199" y="0"/>
+            <a:ext cx="4545795" cy="769441"/>
           </a:xfrm>
           <a:prstGeom prst="rect">
             <a:avLst/>
@@ -7484,7 +8281,7 @@
           <a:p>
             <a:pPr algn="ctr"/>
             <a:r>
-              <a:rPr lang="fr-FR" sz="5400" b="0" cap="none" spc="0" dirty="0">
+              <a:rPr lang="fr-FR" sz="4400" b="0" cap="none" spc="0" dirty="0">
                 <a:ln w="0"/>
                 <a:solidFill>
                   <a:schemeClr val="accent1"/>
@@ -7502,6 +8299,3575 @@
           </a:p>
         </p:txBody>
       </p:sp>
+      <p:cxnSp>
+        <p:nvCxnSpPr>
+          <p:cNvPr id="5" name="Connecteur droit avec flèche 4">
+            <a:extLst>
+              <a:ext uri="{FF2B5EF4-FFF2-40B4-BE49-F238E27FC236}">
+                <a16:creationId xmlns:a16="http://schemas.microsoft.com/office/drawing/2014/main" id="{B327F742-7455-4697-8BDA-E9AF2CB955DF}"/>
+              </a:ext>
+            </a:extLst>
+          </p:cNvPr>
+          <p:cNvCxnSpPr>
+            <a:cxnSpLocks/>
+          </p:cNvCxnSpPr>
+          <p:nvPr/>
+        </p:nvCxnSpPr>
+        <p:spPr>
+          <a:xfrm flipV="1">
+            <a:off x="2018923" y="1483736"/>
+            <a:ext cx="1257298" cy="425310"/>
+          </a:xfrm>
+          <a:prstGeom prst="straightConnector1">
+            <a:avLst/>
+          </a:prstGeom>
+          <a:ln w="104775">
+            <a:tailEnd type="triangle"/>
+          </a:ln>
+          <a:effectLst>
+            <a:outerShdw blurRad="50800" dist="38100" algn="l" rotWithShape="0">
+              <a:prstClr val="black">
+                <a:alpha val="40000"/>
+              </a:prstClr>
+            </a:outerShdw>
+          </a:effectLst>
+          <a:scene3d>
+            <a:camera prst="isometricOffAxis1Right"/>
+            <a:lightRig rig="threePt" dir="t"/>
+          </a:scene3d>
+          <a:sp3d>
+            <a:bevelT/>
+          </a:sp3d>
+        </p:spPr>
+        <p:style>
+          <a:lnRef idx="3">
+            <a:schemeClr val="accent2"/>
+          </a:lnRef>
+          <a:fillRef idx="0">
+            <a:schemeClr val="accent2"/>
+          </a:fillRef>
+          <a:effectRef idx="2">
+            <a:schemeClr val="accent2"/>
+          </a:effectRef>
+          <a:fontRef idx="minor">
+            <a:schemeClr val="tx1"/>
+          </a:fontRef>
+        </p:style>
+      </p:cxnSp>
+      <p:sp>
+        <p:nvSpPr>
+          <p:cNvPr id="6" name="Espace réservé du contenu 2">
+            <a:extLst>
+              <a:ext uri="{FF2B5EF4-FFF2-40B4-BE49-F238E27FC236}">
+                <a16:creationId xmlns:a16="http://schemas.microsoft.com/office/drawing/2014/main" id="{9906E231-4E04-40DF-820E-E9E6A8BF8124}"/>
+              </a:ext>
+            </a:extLst>
+          </p:cNvPr>
+          <p:cNvSpPr txBox="1">
+            <a:spLocks/>
+          </p:cNvSpPr>
+          <p:nvPr/>
+        </p:nvSpPr>
+        <p:spPr>
+          <a:xfrm>
+            <a:off x="0" y="1524325"/>
+            <a:ext cx="2196221" cy="769441"/>
+          </a:xfrm>
+          <a:prstGeom prst="rect">
+            <a:avLst/>
+          </a:prstGeom>
+        </p:spPr>
+        <p:txBody>
+          <a:bodyPr vert="horz" lIns="91440" tIns="45720" rIns="91440" bIns="45720" rtlCol="0">
+            <a:normAutofit/>
+          </a:bodyPr>
+          <a:lstStyle>
+            <a:lvl1pPr marL="228600" indent="-228600" algn="l" defTabSz="914400" rtl="0" eaLnBrk="1" latinLnBrk="0" hangingPunct="1">
+              <a:lnSpc>
+                <a:spcPct val="90000"/>
+              </a:lnSpc>
+              <a:spcBef>
+                <a:spcPts val="1000"/>
+              </a:spcBef>
+              <a:buFont typeface="Arial" panose="020B0604020202020204" pitchFamily="34" charset="0"/>
+              <a:buChar char="•"/>
+              <a:defRPr sz="2800" kern="1200">
+                <a:solidFill>
+                  <a:schemeClr val="tx1"/>
+                </a:solidFill>
+                <a:latin typeface="+mn-lt"/>
+                <a:ea typeface="+mn-ea"/>
+                <a:cs typeface="+mn-cs"/>
+              </a:defRPr>
+            </a:lvl1pPr>
+            <a:lvl2pPr marL="685800" indent="-228600" algn="l" defTabSz="914400" rtl="0" eaLnBrk="1" latinLnBrk="0" hangingPunct="1">
+              <a:lnSpc>
+                <a:spcPct val="90000"/>
+              </a:lnSpc>
+              <a:spcBef>
+                <a:spcPts val="500"/>
+              </a:spcBef>
+              <a:buFont typeface="Arial" panose="020B0604020202020204" pitchFamily="34" charset="0"/>
+              <a:buChar char="•"/>
+              <a:defRPr sz="2400" kern="1200">
+                <a:solidFill>
+                  <a:schemeClr val="tx1"/>
+                </a:solidFill>
+                <a:latin typeface="+mn-lt"/>
+                <a:ea typeface="+mn-ea"/>
+                <a:cs typeface="+mn-cs"/>
+              </a:defRPr>
+            </a:lvl2pPr>
+            <a:lvl3pPr marL="1143000" indent="-228600" algn="l" defTabSz="914400" rtl="0" eaLnBrk="1" latinLnBrk="0" hangingPunct="1">
+              <a:lnSpc>
+                <a:spcPct val="90000"/>
+              </a:lnSpc>
+              <a:spcBef>
+                <a:spcPts val="500"/>
+              </a:spcBef>
+              <a:buFont typeface="Arial" panose="020B0604020202020204" pitchFamily="34" charset="0"/>
+              <a:buChar char="•"/>
+              <a:defRPr sz="2000" kern="1200">
+                <a:solidFill>
+                  <a:schemeClr val="tx1"/>
+                </a:solidFill>
+                <a:latin typeface="+mn-lt"/>
+                <a:ea typeface="+mn-ea"/>
+                <a:cs typeface="+mn-cs"/>
+              </a:defRPr>
+            </a:lvl3pPr>
+            <a:lvl4pPr marL="1600200" indent="-228600" algn="l" defTabSz="914400" rtl="0" eaLnBrk="1" latinLnBrk="0" hangingPunct="1">
+              <a:lnSpc>
+                <a:spcPct val="90000"/>
+              </a:lnSpc>
+              <a:spcBef>
+                <a:spcPts val="500"/>
+              </a:spcBef>
+              <a:buFont typeface="Arial" panose="020B0604020202020204" pitchFamily="34" charset="0"/>
+              <a:buChar char="•"/>
+              <a:defRPr sz="1800" kern="1200">
+                <a:solidFill>
+                  <a:schemeClr val="tx1"/>
+                </a:solidFill>
+                <a:latin typeface="+mn-lt"/>
+                <a:ea typeface="+mn-ea"/>
+                <a:cs typeface="+mn-cs"/>
+              </a:defRPr>
+            </a:lvl4pPr>
+            <a:lvl5pPr marL="2057400" indent="-228600" algn="l" defTabSz="914400" rtl="0" eaLnBrk="1" latinLnBrk="0" hangingPunct="1">
+              <a:lnSpc>
+                <a:spcPct val="90000"/>
+              </a:lnSpc>
+              <a:spcBef>
+                <a:spcPts val="500"/>
+              </a:spcBef>
+              <a:buFont typeface="Arial" panose="020B0604020202020204" pitchFamily="34" charset="0"/>
+              <a:buChar char="•"/>
+              <a:defRPr sz="1800" kern="1200">
+                <a:solidFill>
+                  <a:schemeClr val="tx1"/>
+                </a:solidFill>
+                <a:latin typeface="+mn-lt"/>
+                <a:ea typeface="+mn-ea"/>
+                <a:cs typeface="+mn-cs"/>
+              </a:defRPr>
+            </a:lvl5pPr>
+            <a:lvl6pPr marL="2514600" indent="-228600" algn="l" defTabSz="914400" rtl="0" eaLnBrk="1" latinLnBrk="0" hangingPunct="1">
+              <a:lnSpc>
+                <a:spcPct val="90000"/>
+              </a:lnSpc>
+              <a:spcBef>
+                <a:spcPts val="500"/>
+              </a:spcBef>
+              <a:buFont typeface="Arial" panose="020B0604020202020204" pitchFamily="34" charset="0"/>
+              <a:buChar char="•"/>
+              <a:defRPr sz="1800" kern="1200">
+                <a:solidFill>
+                  <a:schemeClr val="tx1"/>
+                </a:solidFill>
+                <a:latin typeface="+mn-lt"/>
+                <a:ea typeface="+mn-ea"/>
+                <a:cs typeface="+mn-cs"/>
+              </a:defRPr>
+            </a:lvl6pPr>
+            <a:lvl7pPr marL="2971800" indent="-228600" algn="l" defTabSz="914400" rtl="0" eaLnBrk="1" latinLnBrk="0" hangingPunct="1">
+              <a:lnSpc>
+                <a:spcPct val="90000"/>
+              </a:lnSpc>
+              <a:spcBef>
+                <a:spcPts val="500"/>
+              </a:spcBef>
+              <a:buFont typeface="Arial" panose="020B0604020202020204" pitchFamily="34" charset="0"/>
+              <a:buChar char="•"/>
+              <a:defRPr sz="1800" kern="1200">
+                <a:solidFill>
+                  <a:schemeClr val="tx1"/>
+                </a:solidFill>
+                <a:latin typeface="+mn-lt"/>
+                <a:ea typeface="+mn-ea"/>
+                <a:cs typeface="+mn-cs"/>
+              </a:defRPr>
+            </a:lvl7pPr>
+            <a:lvl8pPr marL="3429000" indent="-228600" algn="l" defTabSz="914400" rtl="0" eaLnBrk="1" latinLnBrk="0" hangingPunct="1">
+              <a:lnSpc>
+                <a:spcPct val="90000"/>
+              </a:lnSpc>
+              <a:spcBef>
+                <a:spcPts val="500"/>
+              </a:spcBef>
+              <a:buFont typeface="Arial" panose="020B0604020202020204" pitchFamily="34" charset="0"/>
+              <a:buChar char="•"/>
+              <a:defRPr sz="1800" kern="1200">
+                <a:solidFill>
+                  <a:schemeClr val="tx1"/>
+                </a:solidFill>
+                <a:latin typeface="+mn-lt"/>
+                <a:ea typeface="+mn-ea"/>
+                <a:cs typeface="+mn-cs"/>
+              </a:defRPr>
+            </a:lvl8pPr>
+            <a:lvl9pPr marL="3886200" indent="-228600" algn="l" defTabSz="914400" rtl="0" eaLnBrk="1" latinLnBrk="0" hangingPunct="1">
+              <a:lnSpc>
+                <a:spcPct val="90000"/>
+              </a:lnSpc>
+              <a:spcBef>
+                <a:spcPts val="500"/>
+              </a:spcBef>
+              <a:buFont typeface="Arial" panose="020B0604020202020204" pitchFamily="34" charset="0"/>
+              <a:buChar char="•"/>
+              <a:defRPr sz="1800" kern="1200">
+                <a:solidFill>
+                  <a:schemeClr val="tx1"/>
+                </a:solidFill>
+                <a:latin typeface="+mn-lt"/>
+                <a:ea typeface="+mn-ea"/>
+                <a:cs typeface="+mn-cs"/>
+              </a:defRPr>
+            </a:lvl9pPr>
+          </a:lstStyle>
+          <a:p>
+            <a:pPr marL="0" indent="0">
+              <a:buNone/>
+            </a:pPr>
+            <a:r>
+              <a:rPr lang="fr-FR" sz="2400" dirty="0">
+                <a:sym typeface="Wingdings" pitchFamily="2" charset="2"/>
+              </a:rPr>
+              <a:t>Données Corpus (XML)</a:t>
+            </a:r>
+          </a:p>
+        </p:txBody>
+      </p:sp>
+      <p:cxnSp>
+        <p:nvCxnSpPr>
+          <p:cNvPr id="7" name="Connecteur droit avec flèche 6">
+            <a:extLst>
+              <a:ext uri="{FF2B5EF4-FFF2-40B4-BE49-F238E27FC236}">
+                <a16:creationId xmlns:a16="http://schemas.microsoft.com/office/drawing/2014/main" id="{EA6DAA1E-09F3-4C1F-B788-34AD0B8F682D}"/>
+              </a:ext>
+            </a:extLst>
+          </p:cNvPr>
+          <p:cNvCxnSpPr>
+            <a:cxnSpLocks/>
+          </p:cNvCxnSpPr>
+          <p:nvPr/>
+        </p:nvCxnSpPr>
+        <p:spPr>
+          <a:xfrm>
+            <a:off x="5136709" y="1838359"/>
+            <a:ext cx="536416" cy="796414"/>
+          </a:xfrm>
+          <a:prstGeom prst="straightConnector1">
+            <a:avLst/>
+          </a:prstGeom>
+          <a:ln w="104775">
+            <a:tailEnd type="triangle"/>
+          </a:ln>
+          <a:effectLst>
+            <a:outerShdw blurRad="50800" dist="38100" algn="l" rotWithShape="0">
+              <a:prstClr val="black">
+                <a:alpha val="40000"/>
+              </a:prstClr>
+            </a:outerShdw>
+          </a:effectLst>
+          <a:scene3d>
+            <a:camera prst="isometricOffAxis1Right"/>
+            <a:lightRig rig="threePt" dir="t"/>
+          </a:scene3d>
+          <a:sp3d>
+            <a:bevelT/>
+          </a:sp3d>
+        </p:spPr>
+        <p:style>
+          <a:lnRef idx="3">
+            <a:schemeClr val="accent2"/>
+          </a:lnRef>
+          <a:fillRef idx="0">
+            <a:schemeClr val="accent2"/>
+          </a:fillRef>
+          <a:effectRef idx="2">
+            <a:schemeClr val="accent2"/>
+          </a:effectRef>
+          <a:fontRef idx="minor">
+            <a:schemeClr val="tx1"/>
+          </a:fontRef>
+        </p:style>
+      </p:cxnSp>
+      <p:sp>
+        <p:nvSpPr>
+          <p:cNvPr id="8" name="Espace réservé du contenu 2">
+            <a:extLst>
+              <a:ext uri="{FF2B5EF4-FFF2-40B4-BE49-F238E27FC236}">
+                <a16:creationId xmlns:a16="http://schemas.microsoft.com/office/drawing/2014/main" id="{979B0CBC-9346-4683-9C22-BAB9E7FE86E1}"/>
+              </a:ext>
+            </a:extLst>
+          </p:cNvPr>
+          <p:cNvSpPr txBox="1">
+            <a:spLocks/>
+          </p:cNvSpPr>
+          <p:nvPr/>
+        </p:nvSpPr>
+        <p:spPr>
+          <a:xfrm>
+            <a:off x="3452007" y="1255395"/>
+            <a:ext cx="2196221" cy="769441"/>
+          </a:xfrm>
+          <a:prstGeom prst="rect">
+            <a:avLst/>
+          </a:prstGeom>
+        </p:spPr>
+        <p:txBody>
+          <a:bodyPr vert="horz" lIns="91440" tIns="45720" rIns="91440" bIns="45720" rtlCol="0">
+            <a:normAutofit fontScale="92500"/>
+          </a:bodyPr>
+          <a:lstStyle>
+            <a:lvl1pPr marL="228600" indent="-228600" algn="l" defTabSz="914400" rtl="0" eaLnBrk="1" latinLnBrk="0" hangingPunct="1">
+              <a:lnSpc>
+                <a:spcPct val="90000"/>
+              </a:lnSpc>
+              <a:spcBef>
+                <a:spcPts val="1000"/>
+              </a:spcBef>
+              <a:buFont typeface="Arial" panose="020B0604020202020204" pitchFamily="34" charset="0"/>
+              <a:buChar char="•"/>
+              <a:defRPr sz="2800" kern="1200">
+                <a:solidFill>
+                  <a:schemeClr val="tx1"/>
+                </a:solidFill>
+                <a:latin typeface="+mn-lt"/>
+                <a:ea typeface="+mn-ea"/>
+                <a:cs typeface="+mn-cs"/>
+              </a:defRPr>
+            </a:lvl1pPr>
+            <a:lvl2pPr marL="685800" indent="-228600" algn="l" defTabSz="914400" rtl="0" eaLnBrk="1" latinLnBrk="0" hangingPunct="1">
+              <a:lnSpc>
+                <a:spcPct val="90000"/>
+              </a:lnSpc>
+              <a:spcBef>
+                <a:spcPts val="500"/>
+              </a:spcBef>
+              <a:buFont typeface="Arial" panose="020B0604020202020204" pitchFamily="34" charset="0"/>
+              <a:buChar char="•"/>
+              <a:defRPr sz="2400" kern="1200">
+                <a:solidFill>
+                  <a:schemeClr val="tx1"/>
+                </a:solidFill>
+                <a:latin typeface="+mn-lt"/>
+                <a:ea typeface="+mn-ea"/>
+                <a:cs typeface="+mn-cs"/>
+              </a:defRPr>
+            </a:lvl2pPr>
+            <a:lvl3pPr marL="1143000" indent="-228600" algn="l" defTabSz="914400" rtl="0" eaLnBrk="1" latinLnBrk="0" hangingPunct="1">
+              <a:lnSpc>
+                <a:spcPct val="90000"/>
+              </a:lnSpc>
+              <a:spcBef>
+                <a:spcPts val="500"/>
+              </a:spcBef>
+              <a:buFont typeface="Arial" panose="020B0604020202020204" pitchFamily="34" charset="0"/>
+              <a:buChar char="•"/>
+              <a:defRPr sz="2000" kern="1200">
+                <a:solidFill>
+                  <a:schemeClr val="tx1"/>
+                </a:solidFill>
+                <a:latin typeface="+mn-lt"/>
+                <a:ea typeface="+mn-ea"/>
+                <a:cs typeface="+mn-cs"/>
+              </a:defRPr>
+            </a:lvl3pPr>
+            <a:lvl4pPr marL="1600200" indent="-228600" algn="l" defTabSz="914400" rtl="0" eaLnBrk="1" latinLnBrk="0" hangingPunct="1">
+              <a:lnSpc>
+                <a:spcPct val="90000"/>
+              </a:lnSpc>
+              <a:spcBef>
+                <a:spcPts val="500"/>
+              </a:spcBef>
+              <a:buFont typeface="Arial" panose="020B0604020202020204" pitchFamily="34" charset="0"/>
+              <a:buChar char="•"/>
+              <a:defRPr sz="1800" kern="1200">
+                <a:solidFill>
+                  <a:schemeClr val="tx1"/>
+                </a:solidFill>
+                <a:latin typeface="+mn-lt"/>
+                <a:ea typeface="+mn-ea"/>
+                <a:cs typeface="+mn-cs"/>
+              </a:defRPr>
+            </a:lvl4pPr>
+            <a:lvl5pPr marL="2057400" indent="-228600" algn="l" defTabSz="914400" rtl="0" eaLnBrk="1" latinLnBrk="0" hangingPunct="1">
+              <a:lnSpc>
+                <a:spcPct val="90000"/>
+              </a:lnSpc>
+              <a:spcBef>
+                <a:spcPts val="500"/>
+              </a:spcBef>
+              <a:buFont typeface="Arial" panose="020B0604020202020204" pitchFamily="34" charset="0"/>
+              <a:buChar char="•"/>
+              <a:defRPr sz="1800" kern="1200">
+                <a:solidFill>
+                  <a:schemeClr val="tx1"/>
+                </a:solidFill>
+                <a:latin typeface="+mn-lt"/>
+                <a:ea typeface="+mn-ea"/>
+                <a:cs typeface="+mn-cs"/>
+              </a:defRPr>
+            </a:lvl5pPr>
+            <a:lvl6pPr marL="2514600" indent="-228600" algn="l" defTabSz="914400" rtl="0" eaLnBrk="1" latinLnBrk="0" hangingPunct="1">
+              <a:lnSpc>
+                <a:spcPct val="90000"/>
+              </a:lnSpc>
+              <a:spcBef>
+                <a:spcPts val="500"/>
+              </a:spcBef>
+              <a:buFont typeface="Arial" panose="020B0604020202020204" pitchFamily="34" charset="0"/>
+              <a:buChar char="•"/>
+              <a:defRPr sz="1800" kern="1200">
+                <a:solidFill>
+                  <a:schemeClr val="tx1"/>
+                </a:solidFill>
+                <a:latin typeface="+mn-lt"/>
+                <a:ea typeface="+mn-ea"/>
+                <a:cs typeface="+mn-cs"/>
+              </a:defRPr>
+            </a:lvl6pPr>
+            <a:lvl7pPr marL="2971800" indent="-228600" algn="l" defTabSz="914400" rtl="0" eaLnBrk="1" latinLnBrk="0" hangingPunct="1">
+              <a:lnSpc>
+                <a:spcPct val="90000"/>
+              </a:lnSpc>
+              <a:spcBef>
+                <a:spcPts val="500"/>
+              </a:spcBef>
+              <a:buFont typeface="Arial" panose="020B0604020202020204" pitchFamily="34" charset="0"/>
+              <a:buChar char="•"/>
+              <a:defRPr sz="1800" kern="1200">
+                <a:solidFill>
+                  <a:schemeClr val="tx1"/>
+                </a:solidFill>
+                <a:latin typeface="+mn-lt"/>
+                <a:ea typeface="+mn-ea"/>
+                <a:cs typeface="+mn-cs"/>
+              </a:defRPr>
+            </a:lvl7pPr>
+            <a:lvl8pPr marL="3429000" indent="-228600" algn="l" defTabSz="914400" rtl="0" eaLnBrk="1" latinLnBrk="0" hangingPunct="1">
+              <a:lnSpc>
+                <a:spcPct val="90000"/>
+              </a:lnSpc>
+              <a:spcBef>
+                <a:spcPts val="500"/>
+              </a:spcBef>
+              <a:buFont typeface="Arial" panose="020B0604020202020204" pitchFamily="34" charset="0"/>
+              <a:buChar char="•"/>
+              <a:defRPr sz="1800" kern="1200">
+                <a:solidFill>
+                  <a:schemeClr val="tx1"/>
+                </a:solidFill>
+                <a:latin typeface="+mn-lt"/>
+                <a:ea typeface="+mn-ea"/>
+                <a:cs typeface="+mn-cs"/>
+              </a:defRPr>
+            </a:lvl8pPr>
+            <a:lvl9pPr marL="3886200" indent="-228600" algn="l" defTabSz="914400" rtl="0" eaLnBrk="1" latinLnBrk="0" hangingPunct="1">
+              <a:lnSpc>
+                <a:spcPct val="90000"/>
+              </a:lnSpc>
+              <a:spcBef>
+                <a:spcPts val="500"/>
+              </a:spcBef>
+              <a:buFont typeface="Arial" panose="020B0604020202020204" pitchFamily="34" charset="0"/>
+              <a:buChar char="•"/>
+              <a:defRPr sz="1800" kern="1200">
+                <a:solidFill>
+                  <a:schemeClr val="tx1"/>
+                </a:solidFill>
+                <a:latin typeface="+mn-lt"/>
+                <a:ea typeface="+mn-ea"/>
+                <a:cs typeface="+mn-cs"/>
+              </a:defRPr>
+            </a:lvl9pPr>
+          </a:lstStyle>
+          <a:p>
+            <a:pPr marL="0" indent="0">
+              <a:buNone/>
+            </a:pPr>
+            <a:r>
+              <a:rPr lang="fr-FR" sz="2400" dirty="0">
+                <a:sym typeface="Wingdings" pitchFamily="2" charset="2"/>
+              </a:rPr>
+              <a:t>Base de données (csv/</a:t>
+            </a:r>
+            <a:r>
+              <a:rPr lang="fr-FR" sz="2400" dirty="0" err="1">
+                <a:sym typeface="Wingdings" pitchFamily="2" charset="2"/>
+              </a:rPr>
+              <a:t>xls</a:t>
+            </a:r>
+            <a:r>
+              <a:rPr lang="fr-FR" sz="2400" dirty="0">
+                <a:sym typeface="Wingdings" pitchFamily="2" charset="2"/>
+              </a:rPr>
+              <a:t>)</a:t>
+            </a:r>
+          </a:p>
+        </p:txBody>
+      </p:sp>
+      <p:sp>
+        <p:nvSpPr>
+          <p:cNvPr id="9" name="Espace réservé du contenu 2">
+            <a:extLst>
+              <a:ext uri="{FF2B5EF4-FFF2-40B4-BE49-F238E27FC236}">
+                <a16:creationId xmlns:a16="http://schemas.microsoft.com/office/drawing/2014/main" id="{F17CE029-609E-4D21-A32A-C8B8AF5BCFE6}"/>
+              </a:ext>
+            </a:extLst>
+          </p:cNvPr>
+          <p:cNvSpPr txBox="1">
+            <a:spLocks/>
+          </p:cNvSpPr>
+          <p:nvPr/>
+        </p:nvSpPr>
+        <p:spPr>
+          <a:xfrm>
+            <a:off x="5239303" y="1791897"/>
+            <a:ext cx="3507463" cy="487024"/>
+          </a:xfrm>
+          <a:prstGeom prst="rect">
+            <a:avLst/>
+          </a:prstGeom>
+        </p:spPr>
+        <p:txBody>
+          <a:bodyPr vert="horz" lIns="91440" tIns="45720" rIns="91440" bIns="45720" rtlCol="0">
+            <a:normAutofit fontScale="70000" lnSpcReduction="20000"/>
+          </a:bodyPr>
+          <a:lstStyle>
+            <a:lvl1pPr marL="228600" indent="-228600" algn="l" defTabSz="914400" rtl="0" eaLnBrk="1" latinLnBrk="0" hangingPunct="1">
+              <a:lnSpc>
+                <a:spcPct val="90000"/>
+              </a:lnSpc>
+              <a:spcBef>
+                <a:spcPts val="1000"/>
+              </a:spcBef>
+              <a:buFont typeface="Arial" panose="020B0604020202020204" pitchFamily="34" charset="0"/>
+              <a:buChar char="•"/>
+              <a:defRPr sz="2800" kern="1200">
+                <a:solidFill>
+                  <a:schemeClr val="tx1"/>
+                </a:solidFill>
+                <a:latin typeface="+mn-lt"/>
+                <a:ea typeface="+mn-ea"/>
+                <a:cs typeface="+mn-cs"/>
+              </a:defRPr>
+            </a:lvl1pPr>
+            <a:lvl2pPr marL="685800" indent="-228600" algn="l" defTabSz="914400" rtl="0" eaLnBrk="1" latinLnBrk="0" hangingPunct="1">
+              <a:lnSpc>
+                <a:spcPct val="90000"/>
+              </a:lnSpc>
+              <a:spcBef>
+                <a:spcPts val="500"/>
+              </a:spcBef>
+              <a:buFont typeface="Arial" panose="020B0604020202020204" pitchFamily="34" charset="0"/>
+              <a:buChar char="•"/>
+              <a:defRPr sz="2400" kern="1200">
+                <a:solidFill>
+                  <a:schemeClr val="tx1"/>
+                </a:solidFill>
+                <a:latin typeface="+mn-lt"/>
+                <a:ea typeface="+mn-ea"/>
+                <a:cs typeface="+mn-cs"/>
+              </a:defRPr>
+            </a:lvl2pPr>
+            <a:lvl3pPr marL="1143000" indent="-228600" algn="l" defTabSz="914400" rtl="0" eaLnBrk="1" latinLnBrk="0" hangingPunct="1">
+              <a:lnSpc>
+                <a:spcPct val="90000"/>
+              </a:lnSpc>
+              <a:spcBef>
+                <a:spcPts val="500"/>
+              </a:spcBef>
+              <a:buFont typeface="Arial" panose="020B0604020202020204" pitchFamily="34" charset="0"/>
+              <a:buChar char="•"/>
+              <a:defRPr sz="2000" kern="1200">
+                <a:solidFill>
+                  <a:schemeClr val="tx1"/>
+                </a:solidFill>
+                <a:latin typeface="+mn-lt"/>
+                <a:ea typeface="+mn-ea"/>
+                <a:cs typeface="+mn-cs"/>
+              </a:defRPr>
+            </a:lvl3pPr>
+            <a:lvl4pPr marL="1600200" indent="-228600" algn="l" defTabSz="914400" rtl="0" eaLnBrk="1" latinLnBrk="0" hangingPunct="1">
+              <a:lnSpc>
+                <a:spcPct val="90000"/>
+              </a:lnSpc>
+              <a:spcBef>
+                <a:spcPts val="500"/>
+              </a:spcBef>
+              <a:buFont typeface="Arial" panose="020B0604020202020204" pitchFamily="34" charset="0"/>
+              <a:buChar char="•"/>
+              <a:defRPr sz="1800" kern="1200">
+                <a:solidFill>
+                  <a:schemeClr val="tx1"/>
+                </a:solidFill>
+                <a:latin typeface="+mn-lt"/>
+                <a:ea typeface="+mn-ea"/>
+                <a:cs typeface="+mn-cs"/>
+              </a:defRPr>
+            </a:lvl4pPr>
+            <a:lvl5pPr marL="2057400" indent="-228600" algn="l" defTabSz="914400" rtl="0" eaLnBrk="1" latinLnBrk="0" hangingPunct="1">
+              <a:lnSpc>
+                <a:spcPct val="90000"/>
+              </a:lnSpc>
+              <a:spcBef>
+                <a:spcPts val="500"/>
+              </a:spcBef>
+              <a:buFont typeface="Arial" panose="020B0604020202020204" pitchFamily="34" charset="0"/>
+              <a:buChar char="•"/>
+              <a:defRPr sz="1800" kern="1200">
+                <a:solidFill>
+                  <a:schemeClr val="tx1"/>
+                </a:solidFill>
+                <a:latin typeface="+mn-lt"/>
+                <a:ea typeface="+mn-ea"/>
+                <a:cs typeface="+mn-cs"/>
+              </a:defRPr>
+            </a:lvl5pPr>
+            <a:lvl6pPr marL="2514600" indent="-228600" algn="l" defTabSz="914400" rtl="0" eaLnBrk="1" latinLnBrk="0" hangingPunct="1">
+              <a:lnSpc>
+                <a:spcPct val="90000"/>
+              </a:lnSpc>
+              <a:spcBef>
+                <a:spcPts val="500"/>
+              </a:spcBef>
+              <a:buFont typeface="Arial" panose="020B0604020202020204" pitchFamily="34" charset="0"/>
+              <a:buChar char="•"/>
+              <a:defRPr sz="1800" kern="1200">
+                <a:solidFill>
+                  <a:schemeClr val="tx1"/>
+                </a:solidFill>
+                <a:latin typeface="+mn-lt"/>
+                <a:ea typeface="+mn-ea"/>
+                <a:cs typeface="+mn-cs"/>
+              </a:defRPr>
+            </a:lvl6pPr>
+            <a:lvl7pPr marL="2971800" indent="-228600" algn="l" defTabSz="914400" rtl="0" eaLnBrk="1" latinLnBrk="0" hangingPunct="1">
+              <a:lnSpc>
+                <a:spcPct val="90000"/>
+              </a:lnSpc>
+              <a:spcBef>
+                <a:spcPts val="500"/>
+              </a:spcBef>
+              <a:buFont typeface="Arial" panose="020B0604020202020204" pitchFamily="34" charset="0"/>
+              <a:buChar char="•"/>
+              <a:defRPr sz="1800" kern="1200">
+                <a:solidFill>
+                  <a:schemeClr val="tx1"/>
+                </a:solidFill>
+                <a:latin typeface="+mn-lt"/>
+                <a:ea typeface="+mn-ea"/>
+                <a:cs typeface="+mn-cs"/>
+              </a:defRPr>
+            </a:lvl7pPr>
+            <a:lvl8pPr marL="3429000" indent="-228600" algn="l" defTabSz="914400" rtl="0" eaLnBrk="1" latinLnBrk="0" hangingPunct="1">
+              <a:lnSpc>
+                <a:spcPct val="90000"/>
+              </a:lnSpc>
+              <a:spcBef>
+                <a:spcPts val="500"/>
+              </a:spcBef>
+              <a:buFont typeface="Arial" panose="020B0604020202020204" pitchFamily="34" charset="0"/>
+              <a:buChar char="•"/>
+              <a:defRPr sz="1800" kern="1200">
+                <a:solidFill>
+                  <a:schemeClr val="tx1"/>
+                </a:solidFill>
+                <a:latin typeface="+mn-lt"/>
+                <a:ea typeface="+mn-ea"/>
+                <a:cs typeface="+mn-cs"/>
+              </a:defRPr>
+            </a:lvl8pPr>
+            <a:lvl9pPr marL="3886200" indent="-228600" algn="l" defTabSz="914400" rtl="0" eaLnBrk="1" latinLnBrk="0" hangingPunct="1">
+              <a:lnSpc>
+                <a:spcPct val="90000"/>
+              </a:lnSpc>
+              <a:spcBef>
+                <a:spcPts val="500"/>
+              </a:spcBef>
+              <a:buFont typeface="Arial" panose="020B0604020202020204" pitchFamily="34" charset="0"/>
+              <a:buChar char="•"/>
+              <a:defRPr sz="1800" kern="1200">
+                <a:solidFill>
+                  <a:schemeClr val="tx1"/>
+                </a:solidFill>
+                <a:latin typeface="+mn-lt"/>
+                <a:ea typeface="+mn-ea"/>
+                <a:cs typeface="+mn-cs"/>
+              </a:defRPr>
+            </a:lvl9pPr>
+          </a:lstStyle>
+          <a:p>
+            <a:pPr marL="0" indent="0">
+              <a:buFont typeface="Arial" panose="020B0604020202020204" pitchFamily="34" charset="0"/>
+              <a:buNone/>
+            </a:pPr>
+            <a:r>
+              <a:rPr lang="fr-FR" sz="2400" dirty="0">
+                <a:sym typeface="Wingdings" pitchFamily="2" charset="2"/>
+              </a:rPr>
+              <a:t>Nettoyage des données (R/</a:t>
+            </a:r>
+            <a:r>
+              <a:rPr lang="fr-FR" sz="2400" dirty="0" err="1">
+                <a:sym typeface="Wingdings" pitchFamily="2" charset="2"/>
+              </a:rPr>
+              <a:t>Jupyter</a:t>
+            </a:r>
+            <a:r>
+              <a:rPr lang="fr-FR" sz="2400" dirty="0">
+                <a:sym typeface="Wingdings" pitchFamily="2" charset="2"/>
+              </a:rPr>
+              <a:t>)</a:t>
+            </a:r>
+          </a:p>
+          <a:p>
+            <a:endParaRPr lang="fr-FR" dirty="0"/>
+          </a:p>
+        </p:txBody>
+      </p:sp>
+      <p:sp>
+        <p:nvSpPr>
+          <p:cNvPr id="11" name="Espace réservé du contenu 2">
+            <a:extLst>
+              <a:ext uri="{FF2B5EF4-FFF2-40B4-BE49-F238E27FC236}">
+                <a16:creationId xmlns:a16="http://schemas.microsoft.com/office/drawing/2014/main" id="{60E58D96-5017-4973-ADA4-F26242A48A07}"/>
+              </a:ext>
+            </a:extLst>
+          </p:cNvPr>
+          <p:cNvSpPr txBox="1">
+            <a:spLocks/>
+          </p:cNvSpPr>
+          <p:nvPr/>
+        </p:nvSpPr>
+        <p:spPr>
+          <a:xfrm>
+            <a:off x="5252137" y="2639281"/>
+            <a:ext cx="2196221" cy="769441"/>
+          </a:xfrm>
+          <a:prstGeom prst="rect">
+            <a:avLst/>
+          </a:prstGeom>
+        </p:spPr>
+        <p:txBody>
+          <a:bodyPr vert="horz" lIns="91440" tIns="45720" rIns="91440" bIns="45720" rtlCol="0">
+            <a:normAutofit fontScale="92500"/>
+          </a:bodyPr>
+          <a:lstStyle>
+            <a:lvl1pPr marL="228600" indent="-228600" algn="l" defTabSz="914400" rtl="0" eaLnBrk="1" latinLnBrk="0" hangingPunct="1">
+              <a:lnSpc>
+                <a:spcPct val="90000"/>
+              </a:lnSpc>
+              <a:spcBef>
+                <a:spcPts val="1000"/>
+              </a:spcBef>
+              <a:buFont typeface="Arial" panose="020B0604020202020204" pitchFamily="34" charset="0"/>
+              <a:buChar char="•"/>
+              <a:defRPr sz="2800" kern="1200">
+                <a:solidFill>
+                  <a:schemeClr val="tx1"/>
+                </a:solidFill>
+                <a:latin typeface="+mn-lt"/>
+                <a:ea typeface="+mn-ea"/>
+                <a:cs typeface="+mn-cs"/>
+              </a:defRPr>
+            </a:lvl1pPr>
+            <a:lvl2pPr marL="685800" indent="-228600" algn="l" defTabSz="914400" rtl="0" eaLnBrk="1" latinLnBrk="0" hangingPunct="1">
+              <a:lnSpc>
+                <a:spcPct val="90000"/>
+              </a:lnSpc>
+              <a:spcBef>
+                <a:spcPts val="500"/>
+              </a:spcBef>
+              <a:buFont typeface="Arial" panose="020B0604020202020204" pitchFamily="34" charset="0"/>
+              <a:buChar char="•"/>
+              <a:defRPr sz="2400" kern="1200">
+                <a:solidFill>
+                  <a:schemeClr val="tx1"/>
+                </a:solidFill>
+                <a:latin typeface="+mn-lt"/>
+                <a:ea typeface="+mn-ea"/>
+                <a:cs typeface="+mn-cs"/>
+              </a:defRPr>
+            </a:lvl2pPr>
+            <a:lvl3pPr marL="1143000" indent="-228600" algn="l" defTabSz="914400" rtl="0" eaLnBrk="1" latinLnBrk="0" hangingPunct="1">
+              <a:lnSpc>
+                <a:spcPct val="90000"/>
+              </a:lnSpc>
+              <a:spcBef>
+                <a:spcPts val="500"/>
+              </a:spcBef>
+              <a:buFont typeface="Arial" panose="020B0604020202020204" pitchFamily="34" charset="0"/>
+              <a:buChar char="•"/>
+              <a:defRPr sz="2000" kern="1200">
+                <a:solidFill>
+                  <a:schemeClr val="tx1"/>
+                </a:solidFill>
+                <a:latin typeface="+mn-lt"/>
+                <a:ea typeface="+mn-ea"/>
+                <a:cs typeface="+mn-cs"/>
+              </a:defRPr>
+            </a:lvl3pPr>
+            <a:lvl4pPr marL="1600200" indent="-228600" algn="l" defTabSz="914400" rtl="0" eaLnBrk="1" latinLnBrk="0" hangingPunct="1">
+              <a:lnSpc>
+                <a:spcPct val="90000"/>
+              </a:lnSpc>
+              <a:spcBef>
+                <a:spcPts val="500"/>
+              </a:spcBef>
+              <a:buFont typeface="Arial" panose="020B0604020202020204" pitchFamily="34" charset="0"/>
+              <a:buChar char="•"/>
+              <a:defRPr sz="1800" kern="1200">
+                <a:solidFill>
+                  <a:schemeClr val="tx1"/>
+                </a:solidFill>
+                <a:latin typeface="+mn-lt"/>
+                <a:ea typeface="+mn-ea"/>
+                <a:cs typeface="+mn-cs"/>
+              </a:defRPr>
+            </a:lvl4pPr>
+            <a:lvl5pPr marL="2057400" indent="-228600" algn="l" defTabSz="914400" rtl="0" eaLnBrk="1" latinLnBrk="0" hangingPunct="1">
+              <a:lnSpc>
+                <a:spcPct val="90000"/>
+              </a:lnSpc>
+              <a:spcBef>
+                <a:spcPts val="500"/>
+              </a:spcBef>
+              <a:buFont typeface="Arial" panose="020B0604020202020204" pitchFamily="34" charset="0"/>
+              <a:buChar char="•"/>
+              <a:defRPr sz="1800" kern="1200">
+                <a:solidFill>
+                  <a:schemeClr val="tx1"/>
+                </a:solidFill>
+                <a:latin typeface="+mn-lt"/>
+                <a:ea typeface="+mn-ea"/>
+                <a:cs typeface="+mn-cs"/>
+              </a:defRPr>
+            </a:lvl5pPr>
+            <a:lvl6pPr marL="2514600" indent="-228600" algn="l" defTabSz="914400" rtl="0" eaLnBrk="1" latinLnBrk="0" hangingPunct="1">
+              <a:lnSpc>
+                <a:spcPct val="90000"/>
+              </a:lnSpc>
+              <a:spcBef>
+                <a:spcPts val="500"/>
+              </a:spcBef>
+              <a:buFont typeface="Arial" panose="020B0604020202020204" pitchFamily="34" charset="0"/>
+              <a:buChar char="•"/>
+              <a:defRPr sz="1800" kern="1200">
+                <a:solidFill>
+                  <a:schemeClr val="tx1"/>
+                </a:solidFill>
+                <a:latin typeface="+mn-lt"/>
+                <a:ea typeface="+mn-ea"/>
+                <a:cs typeface="+mn-cs"/>
+              </a:defRPr>
+            </a:lvl6pPr>
+            <a:lvl7pPr marL="2971800" indent="-228600" algn="l" defTabSz="914400" rtl="0" eaLnBrk="1" latinLnBrk="0" hangingPunct="1">
+              <a:lnSpc>
+                <a:spcPct val="90000"/>
+              </a:lnSpc>
+              <a:spcBef>
+                <a:spcPts val="500"/>
+              </a:spcBef>
+              <a:buFont typeface="Arial" panose="020B0604020202020204" pitchFamily="34" charset="0"/>
+              <a:buChar char="•"/>
+              <a:defRPr sz="1800" kern="1200">
+                <a:solidFill>
+                  <a:schemeClr val="tx1"/>
+                </a:solidFill>
+                <a:latin typeface="+mn-lt"/>
+                <a:ea typeface="+mn-ea"/>
+                <a:cs typeface="+mn-cs"/>
+              </a:defRPr>
+            </a:lvl7pPr>
+            <a:lvl8pPr marL="3429000" indent="-228600" algn="l" defTabSz="914400" rtl="0" eaLnBrk="1" latinLnBrk="0" hangingPunct="1">
+              <a:lnSpc>
+                <a:spcPct val="90000"/>
+              </a:lnSpc>
+              <a:spcBef>
+                <a:spcPts val="500"/>
+              </a:spcBef>
+              <a:buFont typeface="Arial" panose="020B0604020202020204" pitchFamily="34" charset="0"/>
+              <a:buChar char="•"/>
+              <a:defRPr sz="1800" kern="1200">
+                <a:solidFill>
+                  <a:schemeClr val="tx1"/>
+                </a:solidFill>
+                <a:latin typeface="+mn-lt"/>
+                <a:ea typeface="+mn-ea"/>
+                <a:cs typeface="+mn-cs"/>
+              </a:defRPr>
+            </a:lvl8pPr>
+            <a:lvl9pPr marL="3886200" indent="-228600" algn="l" defTabSz="914400" rtl="0" eaLnBrk="1" latinLnBrk="0" hangingPunct="1">
+              <a:lnSpc>
+                <a:spcPct val="90000"/>
+              </a:lnSpc>
+              <a:spcBef>
+                <a:spcPts val="500"/>
+              </a:spcBef>
+              <a:buFont typeface="Arial" panose="020B0604020202020204" pitchFamily="34" charset="0"/>
+              <a:buChar char="•"/>
+              <a:defRPr sz="1800" kern="1200">
+                <a:solidFill>
+                  <a:schemeClr val="tx1"/>
+                </a:solidFill>
+                <a:latin typeface="+mn-lt"/>
+                <a:ea typeface="+mn-ea"/>
+                <a:cs typeface="+mn-cs"/>
+              </a:defRPr>
+            </a:lvl9pPr>
+          </a:lstStyle>
+          <a:p>
+            <a:pPr marL="0" indent="0">
+              <a:buNone/>
+            </a:pPr>
+            <a:r>
+              <a:rPr lang="fr-FR" sz="2400" dirty="0">
+                <a:sym typeface="Wingdings" pitchFamily="2" charset="2"/>
+              </a:rPr>
+              <a:t>Base de données (csv/</a:t>
+            </a:r>
+            <a:r>
+              <a:rPr lang="fr-FR" sz="2400" dirty="0" err="1">
+                <a:sym typeface="Wingdings" pitchFamily="2" charset="2"/>
+              </a:rPr>
+              <a:t>xls</a:t>
+            </a:r>
+            <a:r>
+              <a:rPr lang="fr-FR" sz="2400" dirty="0">
+                <a:sym typeface="Wingdings" pitchFamily="2" charset="2"/>
+              </a:rPr>
+              <a:t>) propre</a:t>
+            </a:r>
+          </a:p>
+        </p:txBody>
+      </p:sp>
+      <p:cxnSp>
+        <p:nvCxnSpPr>
+          <p:cNvPr id="12" name="Connecteur droit avec flèche 11">
+            <a:extLst>
+              <a:ext uri="{FF2B5EF4-FFF2-40B4-BE49-F238E27FC236}">
+                <a16:creationId xmlns:a16="http://schemas.microsoft.com/office/drawing/2014/main" id="{8B1DC0AC-6A62-4BA8-97B8-D131B3FE9386}"/>
+              </a:ext>
+            </a:extLst>
+          </p:cNvPr>
+          <p:cNvCxnSpPr>
+            <a:cxnSpLocks/>
+          </p:cNvCxnSpPr>
+          <p:nvPr/>
+        </p:nvCxnSpPr>
+        <p:spPr>
+          <a:xfrm flipH="1">
+            <a:off x="4805315" y="3449279"/>
+            <a:ext cx="662788" cy="281662"/>
+          </a:xfrm>
+          <a:prstGeom prst="straightConnector1">
+            <a:avLst/>
+          </a:prstGeom>
+          <a:ln w="104775">
+            <a:tailEnd type="triangle"/>
+          </a:ln>
+          <a:effectLst>
+            <a:outerShdw blurRad="50800" dist="38100" algn="l" rotWithShape="0">
+              <a:prstClr val="black">
+                <a:alpha val="40000"/>
+              </a:prstClr>
+            </a:outerShdw>
+          </a:effectLst>
+          <a:scene3d>
+            <a:camera prst="isometricOffAxis1Right"/>
+            <a:lightRig rig="threePt" dir="t"/>
+          </a:scene3d>
+          <a:sp3d>
+            <a:bevelT/>
+          </a:sp3d>
+        </p:spPr>
+        <p:style>
+          <a:lnRef idx="3">
+            <a:schemeClr val="accent2"/>
+          </a:lnRef>
+          <a:fillRef idx="0">
+            <a:schemeClr val="accent2"/>
+          </a:fillRef>
+          <a:effectRef idx="2">
+            <a:schemeClr val="accent2"/>
+          </a:effectRef>
+          <a:fontRef idx="minor">
+            <a:schemeClr val="tx1"/>
+          </a:fontRef>
+        </p:style>
+      </p:cxnSp>
+      <p:cxnSp>
+        <p:nvCxnSpPr>
+          <p:cNvPr id="14" name="Connecteur droit avec flèche 13">
+            <a:extLst>
+              <a:ext uri="{FF2B5EF4-FFF2-40B4-BE49-F238E27FC236}">
+                <a16:creationId xmlns:a16="http://schemas.microsoft.com/office/drawing/2014/main" id="{98AB54A9-4BBC-4215-B515-84C3708B1794}"/>
+              </a:ext>
+            </a:extLst>
+          </p:cNvPr>
+          <p:cNvCxnSpPr>
+            <a:cxnSpLocks/>
+          </p:cNvCxnSpPr>
+          <p:nvPr/>
+        </p:nvCxnSpPr>
+        <p:spPr>
+          <a:xfrm flipV="1">
+            <a:off x="8219529" y="3241445"/>
+            <a:ext cx="1354393" cy="39534"/>
+          </a:xfrm>
+          <a:prstGeom prst="straightConnector1">
+            <a:avLst/>
+          </a:prstGeom>
+          <a:ln w="104775">
+            <a:tailEnd type="triangle"/>
+          </a:ln>
+          <a:effectLst>
+            <a:outerShdw blurRad="50800" dist="38100" algn="l" rotWithShape="0">
+              <a:prstClr val="black">
+                <a:alpha val="40000"/>
+              </a:prstClr>
+            </a:outerShdw>
+          </a:effectLst>
+          <a:scene3d>
+            <a:camera prst="isometricOffAxis1Right"/>
+            <a:lightRig rig="threePt" dir="t"/>
+          </a:scene3d>
+          <a:sp3d>
+            <a:bevelT/>
+          </a:sp3d>
+        </p:spPr>
+        <p:style>
+          <a:lnRef idx="3">
+            <a:schemeClr val="accent2"/>
+          </a:lnRef>
+          <a:fillRef idx="0">
+            <a:schemeClr val="accent2"/>
+          </a:fillRef>
+          <a:effectRef idx="2">
+            <a:schemeClr val="accent2"/>
+          </a:effectRef>
+          <a:fontRef idx="minor">
+            <a:schemeClr val="tx1"/>
+          </a:fontRef>
+        </p:style>
+      </p:cxnSp>
+      <p:sp>
+        <p:nvSpPr>
+          <p:cNvPr id="16" name="Espace réservé du contenu 2">
+            <a:extLst>
+              <a:ext uri="{FF2B5EF4-FFF2-40B4-BE49-F238E27FC236}">
+                <a16:creationId xmlns:a16="http://schemas.microsoft.com/office/drawing/2014/main" id="{82362617-563D-4B76-88E2-9FD42765BFE2}"/>
+              </a:ext>
+            </a:extLst>
+          </p:cNvPr>
+          <p:cNvSpPr txBox="1">
+            <a:spLocks/>
+          </p:cNvSpPr>
+          <p:nvPr/>
+        </p:nvSpPr>
+        <p:spPr>
+          <a:xfrm>
+            <a:off x="9818575" y="2834566"/>
+            <a:ext cx="2196221" cy="769441"/>
+          </a:xfrm>
+          <a:prstGeom prst="rect">
+            <a:avLst/>
+          </a:prstGeom>
+        </p:spPr>
+        <p:txBody>
+          <a:bodyPr vert="horz" lIns="91440" tIns="45720" rIns="91440" bIns="45720" rtlCol="0">
+            <a:normAutofit/>
+          </a:bodyPr>
+          <a:lstStyle>
+            <a:lvl1pPr marL="228600" indent="-228600" algn="l" defTabSz="914400" rtl="0" eaLnBrk="1" latinLnBrk="0" hangingPunct="1">
+              <a:lnSpc>
+                <a:spcPct val="90000"/>
+              </a:lnSpc>
+              <a:spcBef>
+                <a:spcPts val="1000"/>
+              </a:spcBef>
+              <a:buFont typeface="Arial" panose="020B0604020202020204" pitchFamily="34" charset="0"/>
+              <a:buChar char="•"/>
+              <a:defRPr sz="2800" kern="1200">
+                <a:solidFill>
+                  <a:schemeClr val="tx1"/>
+                </a:solidFill>
+                <a:latin typeface="+mn-lt"/>
+                <a:ea typeface="+mn-ea"/>
+                <a:cs typeface="+mn-cs"/>
+              </a:defRPr>
+            </a:lvl1pPr>
+            <a:lvl2pPr marL="685800" indent="-228600" algn="l" defTabSz="914400" rtl="0" eaLnBrk="1" latinLnBrk="0" hangingPunct="1">
+              <a:lnSpc>
+                <a:spcPct val="90000"/>
+              </a:lnSpc>
+              <a:spcBef>
+                <a:spcPts val="500"/>
+              </a:spcBef>
+              <a:buFont typeface="Arial" panose="020B0604020202020204" pitchFamily="34" charset="0"/>
+              <a:buChar char="•"/>
+              <a:defRPr sz="2400" kern="1200">
+                <a:solidFill>
+                  <a:schemeClr val="tx1"/>
+                </a:solidFill>
+                <a:latin typeface="+mn-lt"/>
+                <a:ea typeface="+mn-ea"/>
+                <a:cs typeface="+mn-cs"/>
+              </a:defRPr>
+            </a:lvl2pPr>
+            <a:lvl3pPr marL="1143000" indent="-228600" algn="l" defTabSz="914400" rtl="0" eaLnBrk="1" latinLnBrk="0" hangingPunct="1">
+              <a:lnSpc>
+                <a:spcPct val="90000"/>
+              </a:lnSpc>
+              <a:spcBef>
+                <a:spcPts val="500"/>
+              </a:spcBef>
+              <a:buFont typeface="Arial" panose="020B0604020202020204" pitchFamily="34" charset="0"/>
+              <a:buChar char="•"/>
+              <a:defRPr sz="2000" kern="1200">
+                <a:solidFill>
+                  <a:schemeClr val="tx1"/>
+                </a:solidFill>
+                <a:latin typeface="+mn-lt"/>
+                <a:ea typeface="+mn-ea"/>
+                <a:cs typeface="+mn-cs"/>
+              </a:defRPr>
+            </a:lvl3pPr>
+            <a:lvl4pPr marL="1600200" indent="-228600" algn="l" defTabSz="914400" rtl="0" eaLnBrk="1" latinLnBrk="0" hangingPunct="1">
+              <a:lnSpc>
+                <a:spcPct val="90000"/>
+              </a:lnSpc>
+              <a:spcBef>
+                <a:spcPts val="500"/>
+              </a:spcBef>
+              <a:buFont typeface="Arial" panose="020B0604020202020204" pitchFamily="34" charset="0"/>
+              <a:buChar char="•"/>
+              <a:defRPr sz="1800" kern="1200">
+                <a:solidFill>
+                  <a:schemeClr val="tx1"/>
+                </a:solidFill>
+                <a:latin typeface="+mn-lt"/>
+                <a:ea typeface="+mn-ea"/>
+                <a:cs typeface="+mn-cs"/>
+              </a:defRPr>
+            </a:lvl4pPr>
+            <a:lvl5pPr marL="2057400" indent="-228600" algn="l" defTabSz="914400" rtl="0" eaLnBrk="1" latinLnBrk="0" hangingPunct="1">
+              <a:lnSpc>
+                <a:spcPct val="90000"/>
+              </a:lnSpc>
+              <a:spcBef>
+                <a:spcPts val="500"/>
+              </a:spcBef>
+              <a:buFont typeface="Arial" panose="020B0604020202020204" pitchFamily="34" charset="0"/>
+              <a:buChar char="•"/>
+              <a:defRPr sz="1800" kern="1200">
+                <a:solidFill>
+                  <a:schemeClr val="tx1"/>
+                </a:solidFill>
+                <a:latin typeface="+mn-lt"/>
+                <a:ea typeface="+mn-ea"/>
+                <a:cs typeface="+mn-cs"/>
+              </a:defRPr>
+            </a:lvl5pPr>
+            <a:lvl6pPr marL="2514600" indent="-228600" algn="l" defTabSz="914400" rtl="0" eaLnBrk="1" latinLnBrk="0" hangingPunct="1">
+              <a:lnSpc>
+                <a:spcPct val="90000"/>
+              </a:lnSpc>
+              <a:spcBef>
+                <a:spcPts val="500"/>
+              </a:spcBef>
+              <a:buFont typeface="Arial" panose="020B0604020202020204" pitchFamily="34" charset="0"/>
+              <a:buChar char="•"/>
+              <a:defRPr sz="1800" kern="1200">
+                <a:solidFill>
+                  <a:schemeClr val="tx1"/>
+                </a:solidFill>
+                <a:latin typeface="+mn-lt"/>
+                <a:ea typeface="+mn-ea"/>
+                <a:cs typeface="+mn-cs"/>
+              </a:defRPr>
+            </a:lvl6pPr>
+            <a:lvl7pPr marL="2971800" indent="-228600" algn="l" defTabSz="914400" rtl="0" eaLnBrk="1" latinLnBrk="0" hangingPunct="1">
+              <a:lnSpc>
+                <a:spcPct val="90000"/>
+              </a:lnSpc>
+              <a:spcBef>
+                <a:spcPts val="500"/>
+              </a:spcBef>
+              <a:buFont typeface="Arial" panose="020B0604020202020204" pitchFamily="34" charset="0"/>
+              <a:buChar char="•"/>
+              <a:defRPr sz="1800" kern="1200">
+                <a:solidFill>
+                  <a:schemeClr val="tx1"/>
+                </a:solidFill>
+                <a:latin typeface="+mn-lt"/>
+                <a:ea typeface="+mn-ea"/>
+                <a:cs typeface="+mn-cs"/>
+              </a:defRPr>
+            </a:lvl7pPr>
+            <a:lvl8pPr marL="3429000" indent="-228600" algn="l" defTabSz="914400" rtl="0" eaLnBrk="1" latinLnBrk="0" hangingPunct="1">
+              <a:lnSpc>
+                <a:spcPct val="90000"/>
+              </a:lnSpc>
+              <a:spcBef>
+                <a:spcPts val="500"/>
+              </a:spcBef>
+              <a:buFont typeface="Arial" panose="020B0604020202020204" pitchFamily="34" charset="0"/>
+              <a:buChar char="•"/>
+              <a:defRPr sz="1800" kern="1200">
+                <a:solidFill>
+                  <a:schemeClr val="tx1"/>
+                </a:solidFill>
+                <a:latin typeface="+mn-lt"/>
+                <a:ea typeface="+mn-ea"/>
+                <a:cs typeface="+mn-cs"/>
+              </a:defRPr>
+            </a:lvl8pPr>
+            <a:lvl9pPr marL="3886200" indent="-228600" algn="l" defTabSz="914400" rtl="0" eaLnBrk="1" latinLnBrk="0" hangingPunct="1">
+              <a:lnSpc>
+                <a:spcPct val="90000"/>
+              </a:lnSpc>
+              <a:spcBef>
+                <a:spcPts val="500"/>
+              </a:spcBef>
+              <a:buFont typeface="Arial" panose="020B0604020202020204" pitchFamily="34" charset="0"/>
+              <a:buChar char="•"/>
+              <a:defRPr sz="1800" kern="1200">
+                <a:solidFill>
+                  <a:schemeClr val="tx1"/>
+                </a:solidFill>
+                <a:latin typeface="+mn-lt"/>
+                <a:ea typeface="+mn-ea"/>
+                <a:cs typeface="+mn-cs"/>
+              </a:defRPr>
+            </a:lvl9pPr>
+          </a:lstStyle>
+          <a:p>
+            <a:pPr marL="0" indent="0">
+              <a:buNone/>
+            </a:pPr>
+            <a:r>
+              <a:rPr lang="fr-FR" sz="2400" dirty="0">
+                <a:sym typeface="Wingdings" pitchFamily="2" charset="2"/>
+              </a:rPr>
+              <a:t>Nuage de mots</a:t>
+            </a:r>
+          </a:p>
+        </p:txBody>
+      </p:sp>
+      <p:sp>
+        <p:nvSpPr>
+          <p:cNvPr id="17" name="Espace réservé du contenu 2">
+            <a:extLst>
+              <a:ext uri="{FF2B5EF4-FFF2-40B4-BE49-F238E27FC236}">
+                <a16:creationId xmlns:a16="http://schemas.microsoft.com/office/drawing/2014/main" id="{27C5F189-17EB-42B6-AF6C-0FC53B57C8BC}"/>
+              </a:ext>
+            </a:extLst>
+          </p:cNvPr>
+          <p:cNvSpPr txBox="1">
+            <a:spLocks/>
+          </p:cNvSpPr>
+          <p:nvPr/>
+        </p:nvSpPr>
+        <p:spPr>
+          <a:xfrm>
+            <a:off x="7883113" y="2520523"/>
+            <a:ext cx="1762668" cy="487024"/>
+          </a:xfrm>
+          <a:prstGeom prst="rect">
+            <a:avLst/>
+          </a:prstGeom>
+        </p:spPr>
+        <p:txBody>
+          <a:bodyPr vert="horz" lIns="91440" tIns="45720" rIns="91440" bIns="45720" rtlCol="0">
+            <a:normAutofit/>
+          </a:bodyPr>
+          <a:lstStyle>
+            <a:lvl1pPr marL="228600" indent="-228600" algn="l" defTabSz="914400" rtl="0" eaLnBrk="1" latinLnBrk="0" hangingPunct="1">
+              <a:lnSpc>
+                <a:spcPct val="90000"/>
+              </a:lnSpc>
+              <a:spcBef>
+                <a:spcPts val="1000"/>
+              </a:spcBef>
+              <a:buFont typeface="Arial" panose="020B0604020202020204" pitchFamily="34" charset="0"/>
+              <a:buChar char="•"/>
+              <a:defRPr sz="2800" kern="1200">
+                <a:solidFill>
+                  <a:schemeClr val="tx1"/>
+                </a:solidFill>
+                <a:latin typeface="+mn-lt"/>
+                <a:ea typeface="+mn-ea"/>
+                <a:cs typeface="+mn-cs"/>
+              </a:defRPr>
+            </a:lvl1pPr>
+            <a:lvl2pPr marL="685800" indent="-228600" algn="l" defTabSz="914400" rtl="0" eaLnBrk="1" latinLnBrk="0" hangingPunct="1">
+              <a:lnSpc>
+                <a:spcPct val="90000"/>
+              </a:lnSpc>
+              <a:spcBef>
+                <a:spcPts val="500"/>
+              </a:spcBef>
+              <a:buFont typeface="Arial" panose="020B0604020202020204" pitchFamily="34" charset="0"/>
+              <a:buChar char="•"/>
+              <a:defRPr sz="2400" kern="1200">
+                <a:solidFill>
+                  <a:schemeClr val="tx1"/>
+                </a:solidFill>
+                <a:latin typeface="+mn-lt"/>
+                <a:ea typeface="+mn-ea"/>
+                <a:cs typeface="+mn-cs"/>
+              </a:defRPr>
+            </a:lvl2pPr>
+            <a:lvl3pPr marL="1143000" indent="-228600" algn="l" defTabSz="914400" rtl="0" eaLnBrk="1" latinLnBrk="0" hangingPunct="1">
+              <a:lnSpc>
+                <a:spcPct val="90000"/>
+              </a:lnSpc>
+              <a:spcBef>
+                <a:spcPts val="500"/>
+              </a:spcBef>
+              <a:buFont typeface="Arial" panose="020B0604020202020204" pitchFamily="34" charset="0"/>
+              <a:buChar char="•"/>
+              <a:defRPr sz="2000" kern="1200">
+                <a:solidFill>
+                  <a:schemeClr val="tx1"/>
+                </a:solidFill>
+                <a:latin typeface="+mn-lt"/>
+                <a:ea typeface="+mn-ea"/>
+                <a:cs typeface="+mn-cs"/>
+              </a:defRPr>
+            </a:lvl3pPr>
+            <a:lvl4pPr marL="1600200" indent="-228600" algn="l" defTabSz="914400" rtl="0" eaLnBrk="1" latinLnBrk="0" hangingPunct="1">
+              <a:lnSpc>
+                <a:spcPct val="90000"/>
+              </a:lnSpc>
+              <a:spcBef>
+                <a:spcPts val="500"/>
+              </a:spcBef>
+              <a:buFont typeface="Arial" panose="020B0604020202020204" pitchFamily="34" charset="0"/>
+              <a:buChar char="•"/>
+              <a:defRPr sz="1800" kern="1200">
+                <a:solidFill>
+                  <a:schemeClr val="tx1"/>
+                </a:solidFill>
+                <a:latin typeface="+mn-lt"/>
+                <a:ea typeface="+mn-ea"/>
+                <a:cs typeface="+mn-cs"/>
+              </a:defRPr>
+            </a:lvl4pPr>
+            <a:lvl5pPr marL="2057400" indent="-228600" algn="l" defTabSz="914400" rtl="0" eaLnBrk="1" latinLnBrk="0" hangingPunct="1">
+              <a:lnSpc>
+                <a:spcPct val="90000"/>
+              </a:lnSpc>
+              <a:spcBef>
+                <a:spcPts val="500"/>
+              </a:spcBef>
+              <a:buFont typeface="Arial" panose="020B0604020202020204" pitchFamily="34" charset="0"/>
+              <a:buChar char="•"/>
+              <a:defRPr sz="1800" kern="1200">
+                <a:solidFill>
+                  <a:schemeClr val="tx1"/>
+                </a:solidFill>
+                <a:latin typeface="+mn-lt"/>
+                <a:ea typeface="+mn-ea"/>
+                <a:cs typeface="+mn-cs"/>
+              </a:defRPr>
+            </a:lvl5pPr>
+            <a:lvl6pPr marL="2514600" indent="-228600" algn="l" defTabSz="914400" rtl="0" eaLnBrk="1" latinLnBrk="0" hangingPunct="1">
+              <a:lnSpc>
+                <a:spcPct val="90000"/>
+              </a:lnSpc>
+              <a:spcBef>
+                <a:spcPts val="500"/>
+              </a:spcBef>
+              <a:buFont typeface="Arial" panose="020B0604020202020204" pitchFamily="34" charset="0"/>
+              <a:buChar char="•"/>
+              <a:defRPr sz="1800" kern="1200">
+                <a:solidFill>
+                  <a:schemeClr val="tx1"/>
+                </a:solidFill>
+                <a:latin typeface="+mn-lt"/>
+                <a:ea typeface="+mn-ea"/>
+                <a:cs typeface="+mn-cs"/>
+              </a:defRPr>
+            </a:lvl6pPr>
+            <a:lvl7pPr marL="2971800" indent="-228600" algn="l" defTabSz="914400" rtl="0" eaLnBrk="1" latinLnBrk="0" hangingPunct="1">
+              <a:lnSpc>
+                <a:spcPct val="90000"/>
+              </a:lnSpc>
+              <a:spcBef>
+                <a:spcPts val="500"/>
+              </a:spcBef>
+              <a:buFont typeface="Arial" panose="020B0604020202020204" pitchFamily="34" charset="0"/>
+              <a:buChar char="•"/>
+              <a:defRPr sz="1800" kern="1200">
+                <a:solidFill>
+                  <a:schemeClr val="tx1"/>
+                </a:solidFill>
+                <a:latin typeface="+mn-lt"/>
+                <a:ea typeface="+mn-ea"/>
+                <a:cs typeface="+mn-cs"/>
+              </a:defRPr>
+            </a:lvl7pPr>
+            <a:lvl8pPr marL="3429000" indent="-228600" algn="l" defTabSz="914400" rtl="0" eaLnBrk="1" latinLnBrk="0" hangingPunct="1">
+              <a:lnSpc>
+                <a:spcPct val="90000"/>
+              </a:lnSpc>
+              <a:spcBef>
+                <a:spcPts val="500"/>
+              </a:spcBef>
+              <a:buFont typeface="Arial" panose="020B0604020202020204" pitchFamily="34" charset="0"/>
+              <a:buChar char="•"/>
+              <a:defRPr sz="1800" kern="1200">
+                <a:solidFill>
+                  <a:schemeClr val="tx1"/>
+                </a:solidFill>
+                <a:latin typeface="+mn-lt"/>
+                <a:ea typeface="+mn-ea"/>
+                <a:cs typeface="+mn-cs"/>
+              </a:defRPr>
+            </a:lvl8pPr>
+            <a:lvl9pPr marL="3886200" indent="-228600" algn="l" defTabSz="914400" rtl="0" eaLnBrk="1" latinLnBrk="0" hangingPunct="1">
+              <a:lnSpc>
+                <a:spcPct val="90000"/>
+              </a:lnSpc>
+              <a:spcBef>
+                <a:spcPts val="500"/>
+              </a:spcBef>
+              <a:buFont typeface="Arial" panose="020B0604020202020204" pitchFamily="34" charset="0"/>
+              <a:buChar char="•"/>
+              <a:defRPr sz="1800" kern="1200">
+                <a:solidFill>
+                  <a:schemeClr val="tx1"/>
+                </a:solidFill>
+                <a:latin typeface="+mn-lt"/>
+                <a:ea typeface="+mn-ea"/>
+                <a:cs typeface="+mn-cs"/>
+              </a:defRPr>
+            </a:lvl9pPr>
+          </a:lstStyle>
+          <a:p>
+            <a:pPr marL="0" indent="0">
+              <a:buFont typeface="Arial" panose="020B0604020202020204" pitchFamily="34" charset="0"/>
+              <a:buNone/>
+            </a:pPr>
+            <a:r>
+              <a:rPr lang="fr-FR" sz="1600" dirty="0" err="1">
+                <a:sym typeface="Wingdings" pitchFamily="2" charset="2"/>
+              </a:rPr>
+              <a:t>Stopwords</a:t>
+            </a:r>
+            <a:r>
+              <a:rPr lang="fr-FR" sz="1600" dirty="0">
+                <a:sym typeface="Wingdings" pitchFamily="2" charset="2"/>
+              </a:rPr>
+              <a:t> retirés</a:t>
+            </a:r>
+          </a:p>
+        </p:txBody>
+      </p:sp>
+      <p:sp>
+        <p:nvSpPr>
+          <p:cNvPr id="21" name="Espace réservé du contenu 2">
+            <a:extLst>
+              <a:ext uri="{FF2B5EF4-FFF2-40B4-BE49-F238E27FC236}">
+                <a16:creationId xmlns:a16="http://schemas.microsoft.com/office/drawing/2014/main" id="{9EB1C9DA-4D73-4764-9653-FF863F55DF67}"/>
+              </a:ext>
+            </a:extLst>
+          </p:cNvPr>
+          <p:cNvSpPr txBox="1">
+            <a:spLocks/>
+          </p:cNvSpPr>
+          <p:nvPr/>
+        </p:nvSpPr>
+        <p:spPr>
+          <a:xfrm>
+            <a:off x="5136709" y="3573262"/>
+            <a:ext cx="1510236" cy="487024"/>
+          </a:xfrm>
+          <a:prstGeom prst="rect">
+            <a:avLst/>
+          </a:prstGeom>
+        </p:spPr>
+        <p:txBody>
+          <a:bodyPr vert="horz" lIns="91440" tIns="45720" rIns="91440" bIns="45720" rtlCol="0">
+            <a:normAutofit fontScale="55000" lnSpcReduction="20000"/>
+          </a:bodyPr>
+          <a:lstStyle>
+            <a:lvl1pPr marL="228600" indent="-228600" algn="l" defTabSz="914400" rtl="0" eaLnBrk="1" latinLnBrk="0" hangingPunct="1">
+              <a:lnSpc>
+                <a:spcPct val="90000"/>
+              </a:lnSpc>
+              <a:spcBef>
+                <a:spcPts val="1000"/>
+              </a:spcBef>
+              <a:buFont typeface="Arial" panose="020B0604020202020204" pitchFamily="34" charset="0"/>
+              <a:buChar char="•"/>
+              <a:defRPr sz="2800" kern="1200">
+                <a:solidFill>
+                  <a:schemeClr val="tx1"/>
+                </a:solidFill>
+                <a:latin typeface="+mn-lt"/>
+                <a:ea typeface="+mn-ea"/>
+                <a:cs typeface="+mn-cs"/>
+              </a:defRPr>
+            </a:lvl1pPr>
+            <a:lvl2pPr marL="685800" indent="-228600" algn="l" defTabSz="914400" rtl="0" eaLnBrk="1" latinLnBrk="0" hangingPunct="1">
+              <a:lnSpc>
+                <a:spcPct val="90000"/>
+              </a:lnSpc>
+              <a:spcBef>
+                <a:spcPts val="500"/>
+              </a:spcBef>
+              <a:buFont typeface="Arial" panose="020B0604020202020204" pitchFamily="34" charset="0"/>
+              <a:buChar char="•"/>
+              <a:defRPr sz="2400" kern="1200">
+                <a:solidFill>
+                  <a:schemeClr val="tx1"/>
+                </a:solidFill>
+                <a:latin typeface="+mn-lt"/>
+                <a:ea typeface="+mn-ea"/>
+                <a:cs typeface="+mn-cs"/>
+              </a:defRPr>
+            </a:lvl2pPr>
+            <a:lvl3pPr marL="1143000" indent="-228600" algn="l" defTabSz="914400" rtl="0" eaLnBrk="1" latinLnBrk="0" hangingPunct="1">
+              <a:lnSpc>
+                <a:spcPct val="90000"/>
+              </a:lnSpc>
+              <a:spcBef>
+                <a:spcPts val="500"/>
+              </a:spcBef>
+              <a:buFont typeface="Arial" panose="020B0604020202020204" pitchFamily="34" charset="0"/>
+              <a:buChar char="•"/>
+              <a:defRPr sz="2000" kern="1200">
+                <a:solidFill>
+                  <a:schemeClr val="tx1"/>
+                </a:solidFill>
+                <a:latin typeface="+mn-lt"/>
+                <a:ea typeface="+mn-ea"/>
+                <a:cs typeface="+mn-cs"/>
+              </a:defRPr>
+            </a:lvl3pPr>
+            <a:lvl4pPr marL="1600200" indent="-228600" algn="l" defTabSz="914400" rtl="0" eaLnBrk="1" latinLnBrk="0" hangingPunct="1">
+              <a:lnSpc>
+                <a:spcPct val="90000"/>
+              </a:lnSpc>
+              <a:spcBef>
+                <a:spcPts val="500"/>
+              </a:spcBef>
+              <a:buFont typeface="Arial" panose="020B0604020202020204" pitchFamily="34" charset="0"/>
+              <a:buChar char="•"/>
+              <a:defRPr sz="1800" kern="1200">
+                <a:solidFill>
+                  <a:schemeClr val="tx1"/>
+                </a:solidFill>
+                <a:latin typeface="+mn-lt"/>
+                <a:ea typeface="+mn-ea"/>
+                <a:cs typeface="+mn-cs"/>
+              </a:defRPr>
+            </a:lvl4pPr>
+            <a:lvl5pPr marL="2057400" indent="-228600" algn="l" defTabSz="914400" rtl="0" eaLnBrk="1" latinLnBrk="0" hangingPunct="1">
+              <a:lnSpc>
+                <a:spcPct val="90000"/>
+              </a:lnSpc>
+              <a:spcBef>
+                <a:spcPts val="500"/>
+              </a:spcBef>
+              <a:buFont typeface="Arial" panose="020B0604020202020204" pitchFamily="34" charset="0"/>
+              <a:buChar char="•"/>
+              <a:defRPr sz="1800" kern="1200">
+                <a:solidFill>
+                  <a:schemeClr val="tx1"/>
+                </a:solidFill>
+                <a:latin typeface="+mn-lt"/>
+                <a:ea typeface="+mn-ea"/>
+                <a:cs typeface="+mn-cs"/>
+              </a:defRPr>
+            </a:lvl5pPr>
+            <a:lvl6pPr marL="2514600" indent="-228600" algn="l" defTabSz="914400" rtl="0" eaLnBrk="1" latinLnBrk="0" hangingPunct="1">
+              <a:lnSpc>
+                <a:spcPct val="90000"/>
+              </a:lnSpc>
+              <a:spcBef>
+                <a:spcPts val="500"/>
+              </a:spcBef>
+              <a:buFont typeface="Arial" panose="020B0604020202020204" pitchFamily="34" charset="0"/>
+              <a:buChar char="•"/>
+              <a:defRPr sz="1800" kern="1200">
+                <a:solidFill>
+                  <a:schemeClr val="tx1"/>
+                </a:solidFill>
+                <a:latin typeface="+mn-lt"/>
+                <a:ea typeface="+mn-ea"/>
+                <a:cs typeface="+mn-cs"/>
+              </a:defRPr>
+            </a:lvl6pPr>
+            <a:lvl7pPr marL="2971800" indent="-228600" algn="l" defTabSz="914400" rtl="0" eaLnBrk="1" latinLnBrk="0" hangingPunct="1">
+              <a:lnSpc>
+                <a:spcPct val="90000"/>
+              </a:lnSpc>
+              <a:spcBef>
+                <a:spcPts val="500"/>
+              </a:spcBef>
+              <a:buFont typeface="Arial" panose="020B0604020202020204" pitchFamily="34" charset="0"/>
+              <a:buChar char="•"/>
+              <a:defRPr sz="1800" kern="1200">
+                <a:solidFill>
+                  <a:schemeClr val="tx1"/>
+                </a:solidFill>
+                <a:latin typeface="+mn-lt"/>
+                <a:ea typeface="+mn-ea"/>
+                <a:cs typeface="+mn-cs"/>
+              </a:defRPr>
+            </a:lvl7pPr>
+            <a:lvl8pPr marL="3429000" indent="-228600" algn="l" defTabSz="914400" rtl="0" eaLnBrk="1" latinLnBrk="0" hangingPunct="1">
+              <a:lnSpc>
+                <a:spcPct val="90000"/>
+              </a:lnSpc>
+              <a:spcBef>
+                <a:spcPts val="500"/>
+              </a:spcBef>
+              <a:buFont typeface="Arial" panose="020B0604020202020204" pitchFamily="34" charset="0"/>
+              <a:buChar char="•"/>
+              <a:defRPr sz="1800" kern="1200">
+                <a:solidFill>
+                  <a:schemeClr val="tx1"/>
+                </a:solidFill>
+                <a:latin typeface="+mn-lt"/>
+                <a:ea typeface="+mn-ea"/>
+                <a:cs typeface="+mn-cs"/>
+              </a:defRPr>
+            </a:lvl8pPr>
+            <a:lvl9pPr marL="3886200" indent="-228600" algn="l" defTabSz="914400" rtl="0" eaLnBrk="1" latinLnBrk="0" hangingPunct="1">
+              <a:lnSpc>
+                <a:spcPct val="90000"/>
+              </a:lnSpc>
+              <a:spcBef>
+                <a:spcPts val="500"/>
+              </a:spcBef>
+              <a:buFont typeface="Arial" panose="020B0604020202020204" pitchFamily="34" charset="0"/>
+              <a:buChar char="•"/>
+              <a:defRPr sz="1800" kern="1200">
+                <a:solidFill>
+                  <a:schemeClr val="tx1"/>
+                </a:solidFill>
+                <a:latin typeface="+mn-lt"/>
+                <a:ea typeface="+mn-ea"/>
+                <a:cs typeface="+mn-cs"/>
+              </a:defRPr>
+            </a:lvl9pPr>
+          </a:lstStyle>
+          <a:p>
+            <a:pPr marL="0" indent="0">
+              <a:buFont typeface="Arial" panose="020B0604020202020204" pitchFamily="34" charset="0"/>
+              <a:buNone/>
+            </a:pPr>
+            <a:r>
+              <a:rPr lang="fr-FR" sz="2400" dirty="0">
+                <a:sym typeface="Wingdings" pitchFamily="2" charset="2"/>
+              </a:rPr>
+              <a:t>Lexique de polarité (FEEL) téléchargé</a:t>
+            </a:r>
+          </a:p>
+        </p:txBody>
+      </p:sp>
+      <p:sp>
+        <p:nvSpPr>
+          <p:cNvPr id="22" name="Espace réservé du contenu 2">
+            <a:extLst>
+              <a:ext uri="{FF2B5EF4-FFF2-40B4-BE49-F238E27FC236}">
+                <a16:creationId xmlns:a16="http://schemas.microsoft.com/office/drawing/2014/main" id="{9BBABB6E-7D14-4860-82AB-0095D6252E14}"/>
+              </a:ext>
+            </a:extLst>
+          </p:cNvPr>
+          <p:cNvSpPr txBox="1">
+            <a:spLocks/>
+          </p:cNvSpPr>
+          <p:nvPr/>
+        </p:nvSpPr>
+        <p:spPr>
+          <a:xfrm>
+            <a:off x="3625013" y="3705269"/>
+            <a:ext cx="1740153" cy="517959"/>
+          </a:xfrm>
+          <a:prstGeom prst="rect">
+            <a:avLst/>
+          </a:prstGeom>
+        </p:spPr>
+        <p:txBody>
+          <a:bodyPr vert="horz" lIns="91440" tIns="45720" rIns="91440" bIns="45720" rtlCol="0">
+            <a:normAutofit fontScale="77500" lnSpcReduction="20000"/>
+          </a:bodyPr>
+          <a:lstStyle>
+            <a:lvl1pPr marL="228600" indent="-228600" algn="l" defTabSz="914400" rtl="0" eaLnBrk="1" latinLnBrk="0" hangingPunct="1">
+              <a:lnSpc>
+                <a:spcPct val="90000"/>
+              </a:lnSpc>
+              <a:spcBef>
+                <a:spcPts val="1000"/>
+              </a:spcBef>
+              <a:buFont typeface="Arial" panose="020B0604020202020204" pitchFamily="34" charset="0"/>
+              <a:buChar char="•"/>
+              <a:defRPr sz="2800" kern="1200">
+                <a:solidFill>
+                  <a:schemeClr val="tx1"/>
+                </a:solidFill>
+                <a:latin typeface="+mn-lt"/>
+                <a:ea typeface="+mn-ea"/>
+                <a:cs typeface="+mn-cs"/>
+              </a:defRPr>
+            </a:lvl1pPr>
+            <a:lvl2pPr marL="685800" indent="-228600" algn="l" defTabSz="914400" rtl="0" eaLnBrk="1" latinLnBrk="0" hangingPunct="1">
+              <a:lnSpc>
+                <a:spcPct val="90000"/>
+              </a:lnSpc>
+              <a:spcBef>
+                <a:spcPts val="500"/>
+              </a:spcBef>
+              <a:buFont typeface="Arial" panose="020B0604020202020204" pitchFamily="34" charset="0"/>
+              <a:buChar char="•"/>
+              <a:defRPr sz="2400" kern="1200">
+                <a:solidFill>
+                  <a:schemeClr val="tx1"/>
+                </a:solidFill>
+                <a:latin typeface="+mn-lt"/>
+                <a:ea typeface="+mn-ea"/>
+                <a:cs typeface="+mn-cs"/>
+              </a:defRPr>
+            </a:lvl2pPr>
+            <a:lvl3pPr marL="1143000" indent="-228600" algn="l" defTabSz="914400" rtl="0" eaLnBrk="1" latinLnBrk="0" hangingPunct="1">
+              <a:lnSpc>
+                <a:spcPct val="90000"/>
+              </a:lnSpc>
+              <a:spcBef>
+                <a:spcPts val="500"/>
+              </a:spcBef>
+              <a:buFont typeface="Arial" panose="020B0604020202020204" pitchFamily="34" charset="0"/>
+              <a:buChar char="•"/>
+              <a:defRPr sz="2000" kern="1200">
+                <a:solidFill>
+                  <a:schemeClr val="tx1"/>
+                </a:solidFill>
+                <a:latin typeface="+mn-lt"/>
+                <a:ea typeface="+mn-ea"/>
+                <a:cs typeface="+mn-cs"/>
+              </a:defRPr>
+            </a:lvl3pPr>
+            <a:lvl4pPr marL="1600200" indent="-228600" algn="l" defTabSz="914400" rtl="0" eaLnBrk="1" latinLnBrk="0" hangingPunct="1">
+              <a:lnSpc>
+                <a:spcPct val="90000"/>
+              </a:lnSpc>
+              <a:spcBef>
+                <a:spcPts val="500"/>
+              </a:spcBef>
+              <a:buFont typeface="Arial" panose="020B0604020202020204" pitchFamily="34" charset="0"/>
+              <a:buChar char="•"/>
+              <a:defRPr sz="1800" kern="1200">
+                <a:solidFill>
+                  <a:schemeClr val="tx1"/>
+                </a:solidFill>
+                <a:latin typeface="+mn-lt"/>
+                <a:ea typeface="+mn-ea"/>
+                <a:cs typeface="+mn-cs"/>
+              </a:defRPr>
+            </a:lvl4pPr>
+            <a:lvl5pPr marL="2057400" indent="-228600" algn="l" defTabSz="914400" rtl="0" eaLnBrk="1" latinLnBrk="0" hangingPunct="1">
+              <a:lnSpc>
+                <a:spcPct val="90000"/>
+              </a:lnSpc>
+              <a:spcBef>
+                <a:spcPts val="500"/>
+              </a:spcBef>
+              <a:buFont typeface="Arial" panose="020B0604020202020204" pitchFamily="34" charset="0"/>
+              <a:buChar char="•"/>
+              <a:defRPr sz="1800" kern="1200">
+                <a:solidFill>
+                  <a:schemeClr val="tx1"/>
+                </a:solidFill>
+                <a:latin typeface="+mn-lt"/>
+                <a:ea typeface="+mn-ea"/>
+                <a:cs typeface="+mn-cs"/>
+              </a:defRPr>
+            </a:lvl5pPr>
+            <a:lvl6pPr marL="2514600" indent="-228600" algn="l" defTabSz="914400" rtl="0" eaLnBrk="1" latinLnBrk="0" hangingPunct="1">
+              <a:lnSpc>
+                <a:spcPct val="90000"/>
+              </a:lnSpc>
+              <a:spcBef>
+                <a:spcPts val="500"/>
+              </a:spcBef>
+              <a:buFont typeface="Arial" panose="020B0604020202020204" pitchFamily="34" charset="0"/>
+              <a:buChar char="•"/>
+              <a:defRPr sz="1800" kern="1200">
+                <a:solidFill>
+                  <a:schemeClr val="tx1"/>
+                </a:solidFill>
+                <a:latin typeface="+mn-lt"/>
+                <a:ea typeface="+mn-ea"/>
+                <a:cs typeface="+mn-cs"/>
+              </a:defRPr>
+            </a:lvl6pPr>
+            <a:lvl7pPr marL="2971800" indent="-228600" algn="l" defTabSz="914400" rtl="0" eaLnBrk="1" latinLnBrk="0" hangingPunct="1">
+              <a:lnSpc>
+                <a:spcPct val="90000"/>
+              </a:lnSpc>
+              <a:spcBef>
+                <a:spcPts val="500"/>
+              </a:spcBef>
+              <a:buFont typeface="Arial" panose="020B0604020202020204" pitchFamily="34" charset="0"/>
+              <a:buChar char="•"/>
+              <a:defRPr sz="1800" kern="1200">
+                <a:solidFill>
+                  <a:schemeClr val="tx1"/>
+                </a:solidFill>
+                <a:latin typeface="+mn-lt"/>
+                <a:ea typeface="+mn-ea"/>
+                <a:cs typeface="+mn-cs"/>
+              </a:defRPr>
+            </a:lvl7pPr>
+            <a:lvl8pPr marL="3429000" indent="-228600" algn="l" defTabSz="914400" rtl="0" eaLnBrk="1" latinLnBrk="0" hangingPunct="1">
+              <a:lnSpc>
+                <a:spcPct val="90000"/>
+              </a:lnSpc>
+              <a:spcBef>
+                <a:spcPts val="500"/>
+              </a:spcBef>
+              <a:buFont typeface="Arial" panose="020B0604020202020204" pitchFamily="34" charset="0"/>
+              <a:buChar char="•"/>
+              <a:defRPr sz="1800" kern="1200">
+                <a:solidFill>
+                  <a:schemeClr val="tx1"/>
+                </a:solidFill>
+                <a:latin typeface="+mn-lt"/>
+                <a:ea typeface="+mn-ea"/>
+                <a:cs typeface="+mn-cs"/>
+              </a:defRPr>
+            </a:lvl8pPr>
+            <a:lvl9pPr marL="3886200" indent="-228600" algn="l" defTabSz="914400" rtl="0" eaLnBrk="1" latinLnBrk="0" hangingPunct="1">
+              <a:lnSpc>
+                <a:spcPct val="90000"/>
+              </a:lnSpc>
+              <a:spcBef>
+                <a:spcPts val="500"/>
+              </a:spcBef>
+              <a:buFont typeface="Arial" panose="020B0604020202020204" pitchFamily="34" charset="0"/>
+              <a:buChar char="•"/>
+              <a:defRPr sz="1800" kern="1200">
+                <a:solidFill>
+                  <a:schemeClr val="tx1"/>
+                </a:solidFill>
+                <a:latin typeface="+mn-lt"/>
+                <a:ea typeface="+mn-ea"/>
+                <a:cs typeface="+mn-cs"/>
+              </a:defRPr>
+            </a:lvl9pPr>
+          </a:lstStyle>
+          <a:p>
+            <a:pPr marL="0" indent="0">
+              <a:buNone/>
+            </a:pPr>
+            <a:r>
+              <a:rPr lang="fr-FR" sz="2400" dirty="0">
+                <a:sym typeface="Wingdings" pitchFamily="2" charset="2"/>
+              </a:rPr>
+              <a:t>Tokenisation : post -&gt; phrase</a:t>
+            </a:r>
+          </a:p>
+        </p:txBody>
+      </p:sp>
+      <p:cxnSp>
+        <p:nvCxnSpPr>
+          <p:cNvPr id="23" name="Connecteur droit avec flèche 22">
+            <a:extLst>
+              <a:ext uri="{FF2B5EF4-FFF2-40B4-BE49-F238E27FC236}">
+                <a16:creationId xmlns:a16="http://schemas.microsoft.com/office/drawing/2014/main" id="{850E4478-A8CD-468B-867D-4756EC77CD07}"/>
+              </a:ext>
+            </a:extLst>
+          </p:cNvPr>
+          <p:cNvCxnSpPr>
+            <a:cxnSpLocks/>
+          </p:cNvCxnSpPr>
+          <p:nvPr/>
+        </p:nvCxnSpPr>
+        <p:spPr>
+          <a:xfrm>
+            <a:off x="7994688" y="3730941"/>
+            <a:ext cx="1502397" cy="524188"/>
+          </a:xfrm>
+          <a:prstGeom prst="straightConnector1">
+            <a:avLst/>
+          </a:prstGeom>
+          <a:ln w="104775">
+            <a:tailEnd type="triangle"/>
+          </a:ln>
+          <a:effectLst>
+            <a:outerShdw blurRad="50800" dist="38100" algn="l" rotWithShape="0">
+              <a:prstClr val="black">
+                <a:alpha val="40000"/>
+              </a:prstClr>
+            </a:outerShdw>
+          </a:effectLst>
+          <a:scene3d>
+            <a:camera prst="isometricOffAxis1Right"/>
+            <a:lightRig rig="threePt" dir="t"/>
+          </a:scene3d>
+          <a:sp3d>
+            <a:bevelT/>
+          </a:sp3d>
+        </p:spPr>
+        <p:style>
+          <a:lnRef idx="3">
+            <a:schemeClr val="accent2"/>
+          </a:lnRef>
+          <a:fillRef idx="0">
+            <a:schemeClr val="accent2"/>
+          </a:fillRef>
+          <a:effectRef idx="2">
+            <a:schemeClr val="accent2"/>
+          </a:effectRef>
+          <a:fontRef idx="minor">
+            <a:schemeClr val="tx1"/>
+          </a:fontRef>
+        </p:style>
+      </p:cxnSp>
+      <p:sp>
+        <p:nvSpPr>
+          <p:cNvPr id="25" name="Espace réservé du contenu 2">
+            <a:extLst>
+              <a:ext uri="{FF2B5EF4-FFF2-40B4-BE49-F238E27FC236}">
+                <a16:creationId xmlns:a16="http://schemas.microsoft.com/office/drawing/2014/main" id="{2E5BB4CE-F177-45D8-A137-2A92AE6732CC}"/>
+              </a:ext>
+            </a:extLst>
+          </p:cNvPr>
+          <p:cNvSpPr txBox="1">
+            <a:spLocks/>
+          </p:cNvSpPr>
+          <p:nvPr/>
+        </p:nvSpPr>
+        <p:spPr>
+          <a:xfrm>
+            <a:off x="9728040" y="3935848"/>
+            <a:ext cx="2196221" cy="769441"/>
+          </a:xfrm>
+          <a:prstGeom prst="rect">
+            <a:avLst/>
+          </a:prstGeom>
+        </p:spPr>
+        <p:txBody>
+          <a:bodyPr vert="horz" lIns="91440" tIns="45720" rIns="91440" bIns="45720" rtlCol="0">
+            <a:normAutofit/>
+          </a:bodyPr>
+          <a:lstStyle>
+            <a:lvl1pPr marL="228600" indent="-228600" algn="l" defTabSz="914400" rtl="0" eaLnBrk="1" latinLnBrk="0" hangingPunct="1">
+              <a:lnSpc>
+                <a:spcPct val="90000"/>
+              </a:lnSpc>
+              <a:spcBef>
+                <a:spcPts val="1000"/>
+              </a:spcBef>
+              <a:buFont typeface="Arial" panose="020B0604020202020204" pitchFamily="34" charset="0"/>
+              <a:buChar char="•"/>
+              <a:defRPr sz="2800" kern="1200">
+                <a:solidFill>
+                  <a:schemeClr val="tx1"/>
+                </a:solidFill>
+                <a:latin typeface="+mn-lt"/>
+                <a:ea typeface="+mn-ea"/>
+                <a:cs typeface="+mn-cs"/>
+              </a:defRPr>
+            </a:lvl1pPr>
+            <a:lvl2pPr marL="685800" indent="-228600" algn="l" defTabSz="914400" rtl="0" eaLnBrk="1" latinLnBrk="0" hangingPunct="1">
+              <a:lnSpc>
+                <a:spcPct val="90000"/>
+              </a:lnSpc>
+              <a:spcBef>
+                <a:spcPts val="500"/>
+              </a:spcBef>
+              <a:buFont typeface="Arial" panose="020B0604020202020204" pitchFamily="34" charset="0"/>
+              <a:buChar char="•"/>
+              <a:defRPr sz="2400" kern="1200">
+                <a:solidFill>
+                  <a:schemeClr val="tx1"/>
+                </a:solidFill>
+                <a:latin typeface="+mn-lt"/>
+                <a:ea typeface="+mn-ea"/>
+                <a:cs typeface="+mn-cs"/>
+              </a:defRPr>
+            </a:lvl2pPr>
+            <a:lvl3pPr marL="1143000" indent="-228600" algn="l" defTabSz="914400" rtl="0" eaLnBrk="1" latinLnBrk="0" hangingPunct="1">
+              <a:lnSpc>
+                <a:spcPct val="90000"/>
+              </a:lnSpc>
+              <a:spcBef>
+                <a:spcPts val="500"/>
+              </a:spcBef>
+              <a:buFont typeface="Arial" panose="020B0604020202020204" pitchFamily="34" charset="0"/>
+              <a:buChar char="•"/>
+              <a:defRPr sz="2000" kern="1200">
+                <a:solidFill>
+                  <a:schemeClr val="tx1"/>
+                </a:solidFill>
+                <a:latin typeface="+mn-lt"/>
+                <a:ea typeface="+mn-ea"/>
+                <a:cs typeface="+mn-cs"/>
+              </a:defRPr>
+            </a:lvl3pPr>
+            <a:lvl4pPr marL="1600200" indent="-228600" algn="l" defTabSz="914400" rtl="0" eaLnBrk="1" latinLnBrk="0" hangingPunct="1">
+              <a:lnSpc>
+                <a:spcPct val="90000"/>
+              </a:lnSpc>
+              <a:spcBef>
+                <a:spcPts val="500"/>
+              </a:spcBef>
+              <a:buFont typeface="Arial" panose="020B0604020202020204" pitchFamily="34" charset="0"/>
+              <a:buChar char="•"/>
+              <a:defRPr sz="1800" kern="1200">
+                <a:solidFill>
+                  <a:schemeClr val="tx1"/>
+                </a:solidFill>
+                <a:latin typeface="+mn-lt"/>
+                <a:ea typeface="+mn-ea"/>
+                <a:cs typeface="+mn-cs"/>
+              </a:defRPr>
+            </a:lvl4pPr>
+            <a:lvl5pPr marL="2057400" indent="-228600" algn="l" defTabSz="914400" rtl="0" eaLnBrk="1" latinLnBrk="0" hangingPunct="1">
+              <a:lnSpc>
+                <a:spcPct val="90000"/>
+              </a:lnSpc>
+              <a:spcBef>
+                <a:spcPts val="500"/>
+              </a:spcBef>
+              <a:buFont typeface="Arial" panose="020B0604020202020204" pitchFamily="34" charset="0"/>
+              <a:buChar char="•"/>
+              <a:defRPr sz="1800" kern="1200">
+                <a:solidFill>
+                  <a:schemeClr val="tx1"/>
+                </a:solidFill>
+                <a:latin typeface="+mn-lt"/>
+                <a:ea typeface="+mn-ea"/>
+                <a:cs typeface="+mn-cs"/>
+              </a:defRPr>
+            </a:lvl5pPr>
+            <a:lvl6pPr marL="2514600" indent="-228600" algn="l" defTabSz="914400" rtl="0" eaLnBrk="1" latinLnBrk="0" hangingPunct="1">
+              <a:lnSpc>
+                <a:spcPct val="90000"/>
+              </a:lnSpc>
+              <a:spcBef>
+                <a:spcPts val="500"/>
+              </a:spcBef>
+              <a:buFont typeface="Arial" panose="020B0604020202020204" pitchFamily="34" charset="0"/>
+              <a:buChar char="•"/>
+              <a:defRPr sz="1800" kern="1200">
+                <a:solidFill>
+                  <a:schemeClr val="tx1"/>
+                </a:solidFill>
+                <a:latin typeface="+mn-lt"/>
+                <a:ea typeface="+mn-ea"/>
+                <a:cs typeface="+mn-cs"/>
+              </a:defRPr>
+            </a:lvl6pPr>
+            <a:lvl7pPr marL="2971800" indent="-228600" algn="l" defTabSz="914400" rtl="0" eaLnBrk="1" latinLnBrk="0" hangingPunct="1">
+              <a:lnSpc>
+                <a:spcPct val="90000"/>
+              </a:lnSpc>
+              <a:spcBef>
+                <a:spcPts val="500"/>
+              </a:spcBef>
+              <a:buFont typeface="Arial" panose="020B0604020202020204" pitchFamily="34" charset="0"/>
+              <a:buChar char="•"/>
+              <a:defRPr sz="1800" kern="1200">
+                <a:solidFill>
+                  <a:schemeClr val="tx1"/>
+                </a:solidFill>
+                <a:latin typeface="+mn-lt"/>
+                <a:ea typeface="+mn-ea"/>
+                <a:cs typeface="+mn-cs"/>
+              </a:defRPr>
+            </a:lvl7pPr>
+            <a:lvl8pPr marL="3429000" indent="-228600" algn="l" defTabSz="914400" rtl="0" eaLnBrk="1" latinLnBrk="0" hangingPunct="1">
+              <a:lnSpc>
+                <a:spcPct val="90000"/>
+              </a:lnSpc>
+              <a:spcBef>
+                <a:spcPts val="500"/>
+              </a:spcBef>
+              <a:buFont typeface="Arial" panose="020B0604020202020204" pitchFamily="34" charset="0"/>
+              <a:buChar char="•"/>
+              <a:defRPr sz="1800" kern="1200">
+                <a:solidFill>
+                  <a:schemeClr val="tx1"/>
+                </a:solidFill>
+                <a:latin typeface="+mn-lt"/>
+                <a:ea typeface="+mn-ea"/>
+                <a:cs typeface="+mn-cs"/>
+              </a:defRPr>
+            </a:lvl8pPr>
+            <a:lvl9pPr marL="3886200" indent="-228600" algn="l" defTabSz="914400" rtl="0" eaLnBrk="1" latinLnBrk="0" hangingPunct="1">
+              <a:lnSpc>
+                <a:spcPct val="90000"/>
+              </a:lnSpc>
+              <a:spcBef>
+                <a:spcPts val="500"/>
+              </a:spcBef>
+              <a:buFont typeface="Arial" panose="020B0604020202020204" pitchFamily="34" charset="0"/>
+              <a:buChar char="•"/>
+              <a:defRPr sz="1800" kern="1200">
+                <a:solidFill>
+                  <a:schemeClr val="tx1"/>
+                </a:solidFill>
+                <a:latin typeface="+mn-lt"/>
+                <a:ea typeface="+mn-ea"/>
+                <a:cs typeface="+mn-cs"/>
+              </a:defRPr>
+            </a:lvl9pPr>
+          </a:lstStyle>
+          <a:p>
+            <a:pPr marL="0" indent="0">
+              <a:buNone/>
+            </a:pPr>
+            <a:r>
+              <a:rPr lang="fr-FR" sz="2400" dirty="0">
+                <a:sym typeface="Wingdings" pitchFamily="2" charset="2"/>
+              </a:rPr>
+              <a:t>Occurrence de mots</a:t>
+            </a:r>
+          </a:p>
+        </p:txBody>
+      </p:sp>
+      <p:sp>
+        <p:nvSpPr>
+          <p:cNvPr id="26" name="Espace réservé du contenu 2">
+            <a:extLst>
+              <a:ext uri="{FF2B5EF4-FFF2-40B4-BE49-F238E27FC236}">
+                <a16:creationId xmlns:a16="http://schemas.microsoft.com/office/drawing/2014/main" id="{EB77BD6B-96D5-4AC3-B86D-EA6C68E2E6D9}"/>
+              </a:ext>
+            </a:extLst>
+          </p:cNvPr>
+          <p:cNvSpPr txBox="1">
+            <a:spLocks/>
+          </p:cNvSpPr>
+          <p:nvPr/>
+        </p:nvSpPr>
+        <p:spPr>
+          <a:xfrm>
+            <a:off x="7994688" y="5217653"/>
+            <a:ext cx="1354393" cy="487024"/>
+          </a:xfrm>
+          <a:prstGeom prst="rect">
+            <a:avLst/>
+          </a:prstGeom>
+        </p:spPr>
+        <p:txBody>
+          <a:bodyPr vert="horz" lIns="91440" tIns="45720" rIns="91440" bIns="45720" rtlCol="0">
+            <a:normAutofit lnSpcReduction="10000"/>
+          </a:bodyPr>
+          <a:lstStyle>
+            <a:lvl1pPr marL="228600" indent="-228600" algn="l" defTabSz="914400" rtl="0" eaLnBrk="1" latinLnBrk="0" hangingPunct="1">
+              <a:lnSpc>
+                <a:spcPct val="90000"/>
+              </a:lnSpc>
+              <a:spcBef>
+                <a:spcPts val="1000"/>
+              </a:spcBef>
+              <a:buFont typeface="Arial" panose="020B0604020202020204" pitchFamily="34" charset="0"/>
+              <a:buChar char="•"/>
+              <a:defRPr sz="2800" kern="1200">
+                <a:solidFill>
+                  <a:schemeClr val="tx1"/>
+                </a:solidFill>
+                <a:latin typeface="+mn-lt"/>
+                <a:ea typeface="+mn-ea"/>
+                <a:cs typeface="+mn-cs"/>
+              </a:defRPr>
+            </a:lvl1pPr>
+            <a:lvl2pPr marL="685800" indent="-228600" algn="l" defTabSz="914400" rtl="0" eaLnBrk="1" latinLnBrk="0" hangingPunct="1">
+              <a:lnSpc>
+                <a:spcPct val="90000"/>
+              </a:lnSpc>
+              <a:spcBef>
+                <a:spcPts val="500"/>
+              </a:spcBef>
+              <a:buFont typeface="Arial" panose="020B0604020202020204" pitchFamily="34" charset="0"/>
+              <a:buChar char="•"/>
+              <a:defRPr sz="2400" kern="1200">
+                <a:solidFill>
+                  <a:schemeClr val="tx1"/>
+                </a:solidFill>
+                <a:latin typeface="+mn-lt"/>
+                <a:ea typeface="+mn-ea"/>
+                <a:cs typeface="+mn-cs"/>
+              </a:defRPr>
+            </a:lvl2pPr>
+            <a:lvl3pPr marL="1143000" indent="-228600" algn="l" defTabSz="914400" rtl="0" eaLnBrk="1" latinLnBrk="0" hangingPunct="1">
+              <a:lnSpc>
+                <a:spcPct val="90000"/>
+              </a:lnSpc>
+              <a:spcBef>
+                <a:spcPts val="500"/>
+              </a:spcBef>
+              <a:buFont typeface="Arial" panose="020B0604020202020204" pitchFamily="34" charset="0"/>
+              <a:buChar char="•"/>
+              <a:defRPr sz="2000" kern="1200">
+                <a:solidFill>
+                  <a:schemeClr val="tx1"/>
+                </a:solidFill>
+                <a:latin typeface="+mn-lt"/>
+                <a:ea typeface="+mn-ea"/>
+                <a:cs typeface="+mn-cs"/>
+              </a:defRPr>
+            </a:lvl3pPr>
+            <a:lvl4pPr marL="1600200" indent="-228600" algn="l" defTabSz="914400" rtl="0" eaLnBrk="1" latinLnBrk="0" hangingPunct="1">
+              <a:lnSpc>
+                <a:spcPct val="90000"/>
+              </a:lnSpc>
+              <a:spcBef>
+                <a:spcPts val="500"/>
+              </a:spcBef>
+              <a:buFont typeface="Arial" panose="020B0604020202020204" pitchFamily="34" charset="0"/>
+              <a:buChar char="•"/>
+              <a:defRPr sz="1800" kern="1200">
+                <a:solidFill>
+                  <a:schemeClr val="tx1"/>
+                </a:solidFill>
+                <a:latin typeface="+mn-lt"/>
+                <a:ea typeface="+mn-ea"/>
+                <a:cs typeface="+mn-cs"/>
+              </a:defRPr>
+            </a:lvl4pPr>
+            <a:lvl5pPr marL="2057400" indent="-228600" algn="l" defTabSz="914400" rtl="0" eaLnBrk="1" latinLnBrk="0" hangingPunct="1">
+              <a:lnSpc>
+                <a:spcPct val="90000"/>
+              </a:lnSpc>
+              <a:spcBef>
+                <a:spcPts val="500"/>
+              </a:spcBef>
+              <a:buFont typeface="Arial" panose="020B0604020202020204" pitchFamily="34" charset="0"/>
+              <a:buChar char="•"/>
+              <a:defRPr sz="1800" kern="1200">
+                <a:solidFill>
+                  <a:schemeClr val="tx1"/>
+                </a:solidFill>
+                <a:latin typeface="+mn-lt"/>
+                <a:ea typeface="+mn-ea"/>
+                <a:cs typeface="+mn-cs"/>
+              </a:defRPr>
+            </a:lvl5pPr>
+            <a:lvl6pPr marL="2514600" indent="-228600" algn="l" defTabSz="914400" rtl="0" eaLnBrk="1" latinLnBrk="0" hangingPunct="1">
+              <a:lnSpc>
+                <a:spcPct val="90000"/>
+              </a:lnSpc>
+              <a:spcBef>
+                <a:spcPts val="500"/>
+              </a:spcBef>
+              <a:buFont typeface="Arial" panose="020B0604020202020204" pitchFamily="34" charset="0"/>
+              <a:buChar char="•"/>
+              <a:defRPr sz="1800" kern="1200">
+                <a:solidFill>
+                  <a:schemeClr val="tx1"/>
+                </a:solidFill>
+                <a:latin typeface="+mn-lt"/>
+                <a:ea typeface="+mn-ea"/>
+                <a:cs typeface="+mn-cs"/>
+              </a:defRPr>
+            </a:lvl6pPr>
+            <a:lvl7pPr marL="2971800" indent="-228600" algn="l" defTabSz="914400" rtl="0" eaLnBrk="1" latinLnBrk="0" hangingPunct="1">
+              <a:lnSpc>
+                <a:spcPct val="90000"/>
+              </a:lnSpc>
+              <a:spcBef>
+                <a:spcPts val="500"/>
+              </a:spcBef>
+              <a:buFont typeface="Arial" panose="020B0604020202020204" pitchFamily="34" charset="0"/>
+              <a:buChar char="•"/>
+              <a:defRPr sz="1800" kern="1200">
+                <a:solidFill>
+                  <a:schemeClr val="tx1"/>
+                </a:solidFill>
+                <a:latin typeface="+mn-lt"/>
+                <a:ea typeface="+mn-ea"/>
+                <a:cs typeface="+mn-cs"/>
+              </a:defRPr>
+            </a:lvl7pPr>
+            <a:lvl8pPr marL="3429000" indent="-228600" algn="l" defTabSz="914400" rtl="0" eaLnBrk="1" latinLnBrk="0" hangingPunct="1">
+              <a:lnSpc>
+                <a:spcPct val="90000"/>
+              </a:lnSpc>
+              <a:spcBef>
+                <a:spcPts val="500"/>
+              </a:spcBef>
+              <a:buFont typeface="Arial" panose="020B0604020202020204" pitchFamily="34" charset="0"/>
+              <a:buChar char="•"/>
+              <a:defRPr sz="1800" kern="1200">
+                <a:solidFill>
+                  <a:schemeClr val="tx1"/>
+                </a:solidFill>
+                <a:latin typeface="+mn-lt"/>
+                <a:ea typeface="+mn-ea"/>
+                <a:cs typeface="+mn-cs"/>
+              </a:defRPr>
+            </a:lvl8pPr>
+            <a:lvl9pPr marL="3886200" indent="-228600" algn="l" defTabSz="914400" rtl="0" eaLnBrk="1" latinLnBrk="0" hangingPunct="1">
+              <a:lnSpc>
+                <a:spcPct val="90000"/>
+              </a:lnSpc>
+              <a:spcBef>
+                <a:spcPts val="500"/>
+              </a:spcBef>
+              <a:buFont typeface="Arial" panose="020B0604020202020204" pitchFamily="34" charset="0"/>
+              <a:buChar char="•"/>
+              <a:defRPr sz="1800" kern="1200">
+                <a:solidFill>
+                  <a:schemeClr val="tx1"/>
+                </a:solidFill>
+                <a:latin typeface="+mn-lt"/>
+                <a:ea typeface="+mn-ea"/>
+                <a:cs typeface="+mn-cs"/>
+              </a:defRPr>
+            </a:lvl9pPr>
+          </a:lstStyle>
+          <a:p>
+            <a:pPr marL="0" indent="0">
+              <a:buFont typeface="Arial" panose="020B0604020202020204" pitchFamily="34" charset="0"/>
+              <a:buNone/>
+            </a:pPr>
+            <a:r>
+              <a:rPr lang="fr-FR" sz="1600" dirty="0">
+                <a:sym typeface="Wingdings" pitchFamily="2" charset="2"/>
+              </a:rPr>
+              <a:t>Utilisation de </a:t>
+            </a:r>
+            <a:r>
+              <a:rPr lang="fr-FR" sz="1600" dirty="0" err="1">
+                <a:sym typeface="Wingdings" pitchFamily="2" charset="2"/>
+              </a:rPr>
+              <a:t>Spacy</a:t>
+            </a:r>
+            <a:endParaRPr lang="fr-FR" sz="1600" dirty="0">
+              <a:sym typeface="Wingdings" pitchFamily="2" charset="2"/>
+            </a:endParaRPr>
+          </a:p>
+        </p:txBody>
+      </p:sp>
+      <p:cxnSp>
+        <p:nvCxnSpPr>
+          <p:cNvPr id="27" name="Connecteur droit avec flèche 26">
+            <a:extLst>
+              <a:ext uri="{FF2B5EF4-FFF2-40B4-BE49-F238E27FC236}">
+                <a16:creationId xmlns:a16="http://schemas.microsoft.com/office/drawing/2014/main" id="{C2E6D44F-8088-424F-8299-990BA7F5B852}"/>
+              </a:ext>
+            </a:extLst>
+          </p:cNvPr>
+          <p:cNvCxnSpPr>
+            <a:cxnSpLocks/>
+          </p:cNvCxnSpPr>
+          <p:nvPr/>
+        </p:nvCxnSpPr>
+        <p:spPr>
+          <a:xfrm>
+            <a:off x="8294000" y="4496731"/>
+            <a:ext cx="1087608" cy="654084"/>
+          </a:xfrm>
+          <a:prstGeom prst="straightConnector1">
+            <a:avLst/>
+          </a:prstGeom>
+          <a:ln w="104775">
+            <a:tailEnd type="triangle"/>
+          </a:ln>
+          <a:effectLst>
+            <a:outerShdw blurRad="50800" dist="38100" algn="l" rotWithShape="0">
+              <a:prstClr val="black">
+                <a:alpha val="40000"/>
+              </a:prstClr>
+            </a:outerShdw>
+          </a:effectLst>
+          <a:scene3d>
+            <a:camera prst="isometricOffAxis1Right"/>
+            <a:lightRig rig="threePt" dir="t"/>
+          </a:scene3d>
+          <a:sp3d>
+            <a:bevelT/>
+          </a:sp3d>
+        </p:spPr>
+        <p:style>
+          <a:lnRef idx="3">
+            <a:schemeClr val="accent2"/>
+          </a:lnRef>
+          <a:fillRef idx="0">
+            <a:schemeClr val="accent2"/>
+          </a:fillRef>
+          <a:effectRef idx="2">
+            <a:schemeClr val="accent2"/>
+          </a:effectRef>
+          <a:fontRef idx="minor">
+            <a:schemeClr val="tx1"/>
+          </a:fontRef>
+        </p:style>
+      </p:cxnSp>
+      <p:sp>
+        <p:nvSpPr>
+          <p:cNvPr id="29" name="Espace réservé du contenu 2">
+            <a:extLst>
+              <a:ext uri="{FF2B5EF4-FFF2-40B4-BE49-F238E27FC236}">
+                <a16:creationId xmlns:a16="http://schemas.microsoft.com/office/drawing/2014/main" id="{6BF728D6-5AA1-4CEA-894B-984867C5F2BE}"/>
+              </a:ext>
+            </a:extLst>
+          </p:cNvPr>
+          <p:cNvSpPr txBox="1">
+            <a:spLocks/>
+          </p:cNvSpPr>
+          <p:nvPr/>
+        </p:nvSpPr>
+        <p:spPr>
+          <a:xfrm>
+            <a:off x="9497085" y="5010924"/>
+            <a:ext cx="2196221" cy="769441"/>
+          </a:xfrm>
+          <a:prstGeom prst="rect">
+            <a:avLst/>
+          </a:prstGeom>
+        </p:spPr>
+        <p:txBody>
+          <a:bodyPr vert="horz" lIns="91440" tIns="45720" rIns="91440" bIns="45720" rtlCol="0">
+            <a:normAutofit fontScale="85000" lnSpcReduction="10000"/>
+          </a:bodyPr>
+          <a:lstStyle>
+            <a:lvl1pPr marL="228600" indent="-228600" algn="l" defTabSz="914400" rtl="0" eaLnBrk="1" latinLnBrk="0" hangingPunct="1">
+              <a:lnSpc>
+                <a:spcPct val="90000"/>
+              </a:lnSpc>
+              <a:spcBef>
+                <a:spcPts val="1000"/>
+              </a:spcBef>
+              <a:buFont typeface="Arial" panose="020B0604020202020204" pitchFamily="34" charset="0"/>
+              <a:buChar char="•"/>
+              <a:defRPr sz="2800" kern="1200">
+                <a:solidFill>
+                  <a:schemeClr val="tx1"/>
+                </a:solidFill>
+                <a:latin typeface="+mn-lt"/>
+                <a:ea typeface="+mn-ea"/>
+                <a:cs typeface="+mn-cs"/>
+              </a:defRPr>
+            </a:lvl1pPr>
+            <a:lvl2pPr marL="685800" indent="-228600" algn="l" defTabSz="914400" rtl="0" eaLnBrk="1" latinLnBrk="0" hangingPunct="1">
+              <a:lnSpc>
+                <a:spcPct val="90000"/>
+              </a:lnSpc>
+              <a:spcBef>
+                <a:spcPts val="500"/>
+              </a:spcBef>
+              <a:buFont typeface="Arial" panose="020B0604020202020204" pitchFamily="34" charset="0"/>
+              <a:buChar char="•"/>
+              <a:defRPr sz="2400" kern="1200">
+                <a:solidFill>
+                  <a:schemeClr val="tx1"/>
+                </a:solidFill>
+                <a:latin typeface="+mn-lt"/>
+                <a:ea typeface="+mn-ea"/>
+                <a:cs typeface="+mn-cs"/>
+              </a:defRPr>
+            </a:lvl2pPr>
+            <a:lvl3pPr marL="1143000" indent="-228600" algn="l" defTabSz="914400" rtl="0" eaLnBrk="1" latinLnBrk="0" hangingPunct="1">
+              <a:lnSpc>
+                <a:spcPct val="90000"/>
+              </a:lnSpc>
+              <a:spcBef>
+                <a:spcPts val="500"/>
+              </a:spcBef>
+              <a:buFont typeface="Arial" panose="020B0604020202020204" pitchFamily="34" charset="0"/>
+              <a:buChar char="•"/>
+              <a:defRPr sz="2000" kern="1200">
+                <a:solidFill>
+                  <a:schemeClr val="tx1"/>
+                </a:solidFill>
+                <a:latin typeface="+mn-lt"/>
+                <a:ea typeface="+mn-ea"/>
+                <a:cs typeface="+mn-cs"/>
+              </a:defRPr>
+            </a:lvl3pPr>
+            <a:lvl4pPr marL="1600200" indent="-228600" algn="l" defTabSz="914400" rtl="0" eaLnBrk="1" latinLnBrk="0" hangingPunct="1">
+              <a:lnSpc>
+                <a:spcPct val="90000"/>
+              </a:lnSpc>
+              <a:spcBef>
+                <a:spcPts val="500"/>
+              </a:spcBef>
+              <a:buFont typeface="Arial" panose="020B0604020202020204" pitchFamily="34" charset="0"/>
+              <a:buChar char="•"/>
+              <a:defRPr sz="1800" kern="1200">
+                <a:solidFill>
+                  <a:schemeClr val="tx1"/>
+                </a:solidFill>
+                <a:latin typeface="+mn-lt"/>
+                <a:ea typeface="+mn-ea"/>
+                <a:cs typeface="+mn-cs"/>
+              </a:defRPr>
+            </a:lvl4pPr>
+            <a:lvl5pPr marL="2057400" indent="-228600" algn="l" defTabSz="914400" rtl="0" eaLnBrk="1" latinLnBrk="0" hangingPunct="1">
+              <a:lnSpc>
+                <a:spcPct val="90000"/>
+              </a:lnSpc>
+              <a:spcBef>
+                <a:spcPts val="500"/>
+              </a:spcBef>
+              <a:buFont typeface="Arial" panose="020B0604020202020204" pitchFamily="34" charset="0"/>
+              <a:buChar char="•"/>
+              <a:defRPr sz="1800" kern="1200">
+                <a:solidFill>
+                  <a:schemeClr val="tx1"/>
+                </a:solidFill>
+                <a:latin typeface="+mn-lt"/>
+                <a:ea typeface="+mn-ea"/>
+                <a:cs typeface="+mn-cs"/>
+              </a:defRPr>
+            </a:lvl5pPr>
+            <a:lvl6pPr marL="2514600" indent="-228600" algn="l" defTabSz="914400" rtl="0" eaLnBrk="1" latinLnBrk="0" hangingPunct="1">
+              <a:lnSpc>
+                <a:spcPct val="90000"/>
+              </a:lnSpc>
+              <a:spcBef>
+                <a:spcPts val="500"/>
+              </a:spcBef>
+              <a:buFont typeface="Arial" panose="020B0604020202020204" pitchFamily="34" charset="0"/>
+              <a:buChar char="•"/>
+              <a:defRPr sz="1800" kern="1200">
+                <a:solidFill>
+                  <a:schemeClr val="tx1"/>
+                </a:solidFill>
+                <a:latin typeface="+mn-lt"/>
+                <a:ea typeface="+mn-ea"/>
+                <a:cs typeface="+mn-cs"/>
+              </a:defRPr>
+            </a:lvl6pPr>
+            <a:lvl7pPr marL="2971800" indent="-228600" algn="l" defTabSz="914400" rtl="0" eaLnBrk="1" latinLnBrk="0" hangingPunct="1">
+              <a:lnSpc>
+                <a:spcPct val="90000"/>
+              </a:lnSpc>
+              <a:spcBef>
+                <a:spcPts val="500"/>
+              </a:spcBef>
+              <a:buFont typeface="Arial" panose="020B0604020202020204" pitchFamily="34" charset="0"/>
+              <a:buChar char="•"/>
+              <a:defRPr sz="1800" kern="1200">
+                <a:solidFill>
+                  <a:schemeClr val="tx1"/>
+                </a:solidFill>
+                <a:latin typeface="+mn-lt"/>
+                <a:ea typeface="+mn-ea"/>
+                <a:cs typeface="+mn-cs"/>
+              </a:defRPr>
+            </a:lvl7pPr>
+            <a:lvl8pPr marL="3429000" indent="-228600" algn="l" defTabSz="914400" rtl="0" eaLnBrk="1" latinLnBrk="0" hangingPunct="1">
+              <a:lnSpc>
+                <a:spcPct val="90000"/>
+              </a:lnSpc>
+              <a:spcBef>
+                <a:spcPts val="500"/>
+              </a:spcBef>
+              <a:buFont typeface="Arial" panose="020B0604020202020204" pitchFamily="34" charset="0"/>
+              <a:buChar char="•"/>
+              <a:defRPr sz="1800" kern="1200">
+                <a:solidFill>
+                  <a:schemeClr val="tx1"/>
+                </a:solidFill>
+                <a:latin typeface="+mn-lt"/>
+                <a:ea typeface="+mn-ea"/>
+                <a:cs typeface="+mn-cs"/>
+              </a:defRPr>
+            </a:lvl8pPr>
+            <a:lvl9pPr marL="3886200" indent="-228600" algn="l" defTabSz="914400" rtl="0" eaLnBrk="1" latinLnBrk="0" hangingPunct="1">
+              <a:lnSpc>
+                <a:spcPct val="90000"/>
+              </a:lnSpc>
+              <a:spcBef>
+                <a:spcPts val="500"/>
+              </a:spcBef>
+              <a:buFont typeface="Arial" panose="020B0604020202020204" pitchFamily="34" charset="0"/>
+              <a:buChar char="•"/>
+              <a:defRPr sz="1800" kern="1200">
+                <a:solidFill>
+                  <a:schemeClr val="tx1"/>
+                </a:solidFill>
+                <a:latin typeface="+mn-lt"/>
+                <a:ea typeface="+mn-ea"/>
+                <a:cs typeface="+mn-cs"/>
+              </a:defRPr>
+            </a:lvl9pPr>
+          </a:lstStyle>
+          <a:p>
+            <a:pPr marL="0" indent="0">
+              <a:buNone/>
+            </a:pPr>
+            <a:r>
+              <a:rPr lang="fr-FR" sz="2400" dirty="0">
+                <a:sym typeface="Wingdings" pitchFamily="2" charset="2"/>
+              </a:rPr>
+              <a:t>Etiquetage morpho-syntaxique</a:t>
+            </a:r>
+          </a:p>
+        </p:txBody>
+      </p:sp>
+      <p:sp>
+        <p:nvSpPr>
+          <p:cNvPr id="32" name="Espace réservé du contenu 2">
+            <a:extLst>
+              <a:ext uri="{FF2B5EF4-FFF2-40B4-BE49-F238E27FC236}">
+                <a16:creationId xmlns:a16="http://schemas.microsoft.com/office/drawing/2014/main" id="{BCCA3902-4370-4430-ABB0-656FE2817C5A}"/>
+              </a:ext>
+            </a:extLst>
+          </p:cNvPr>
+          <p:cNvSpPr txBox="1">
+            <a:spLocks/>
+          </p:cNvSpPr>
+          <p:nvPr/>
+        </p:nvSpPr>
+        <p:spPr>
+          <a:xfrm>
+            <a:off x="7970767" y="3604007"/>
+            <a:ext cx="2092789" cy="487024"/>
+          </a:xfrm>
+          <a:prstGeom prst="rect">
+            <a:avLst/>
+          </a:prstGeom>
+        </p:spPr>
+        <p:txBody>
+          <a:bodyPr vert="horz" lIns="91440" tIns="45720" rIns="91440" bIns="45720" rtlCol="0">
+            <a:normAutofit/>
+          </a:bodyPr>
+          <a:lstStyle>
+            <a:lvl1pPr marL="228600" indent="-228600" algn="l" defTabSz="914400" rtl="0" eaLnBrk="1" latinLnBrk="0" hangingPunct="1">
+              <a:lnSpc>
+                <a:spcPct val="90000"/>
+              </a:lnSpc>
+              <a:spcBef>
+                <a:spcPts val="1000"/>
+              </a:spcBef>
+              <a:buFont typeface="Arial" panose="020B0604020202020204" pitchFamily="34" charset="0"/>
+              <a:buChar char="•"/>
+              <a:defRPr sz="2800" kern="1200">
+                <a:solidFill>
+                  <a:schemeClr val="tx1"/>
+                </a:solidFill>
+                <a:latin typeface="+mn-lt"/>
+                <a:ea typeface="+mn-ea"/>
+                <a:cs typeface="+mn-cs"/>
+              </a:defRPr>
+            </a:lvl1pPr>
+            <a:lvl2pPr marL="685800" indent="-228600" algn="l" defTabSz="914400" rtl="0" eaLnBrk="1" latinLnBrk="0" hangingPunct="1">
+              <a:lnSpc>
+                <a:spcPct val="90000"/>
+              </a:lnSpc>
+              <a:spcBef>
+                <a:spcPts val="500"/>
+              </a:spcBef>
+              <a:buFont typeface="Arial" panose="020B0604020202020204" pitchFamily="34" charset="0"/>
+              <a:buChar char="•"/>
+              <a:defRPr sz="2400" kern="1200">
+                <a:solidFill>
+                  <a:schemeClr val="tx1"/>
+                </a:solidFill>
+                <a:latin typeface="+mn-lt"/>
+                <a:ea typeface="+mn-ea"/>
+                <a:cs typeface="+mn-cs"/>
+              </a:defRPr>
+            </a:lvl2pPr>
+            <a:lvl3pPr marL="1143000" indent="-228600" algn="l" defTabSz="914400" rtl="0" eaLnBrk="1" latinLnBrk="0" hangingPunct="1">
+              <a:lnSpc>
+                <a:spcPct val="90000"/>
+              </a:lnSpc>
+              <a:spcBef>
+                <a:spcPts val="500"/>
+              </a:spcBef>
+              <a:buFont typeface="Arial" panose="020B0604020202020204" pitchFamily="34" charset="0"/>
+              <a:buChar char="•"/>
+              <a:defRPr sz="2000" kern="1200">
+                <a:solidFill>
+                  <a:schemeClr val="tx1"/>
+                </a:solidFill>
+                <a:latin typeface="+mn-lt"/>
+                <a:ea typeface="+mn-ea"/>
+                <a:cs typeface="+mn-cs"/>
+              </a:defRPr>
+            </a:lvl3pPr>
+            <a:lvl4pPr marL="1600200" indent="-228600" algn="l" defTabSz="914400" rtl="0" eaLnBrk="1" latinLnBrk="0" hangingPunct="1">
+              <a:lnSpc>
+                <a:spcPct val="90000"/>
+              </a:lnSpc>
+              <a:spcBef>
+                <a:spcPts val="500"/>
+              </a:spcBef>
+              <a:buFont typeface="Arial" panose="020B0604020202020204" pitchFamily="34" charset="0"/>
+              <a:buChar char="•"/>
+              <a:defRPr sz="1800" kern="1200">
+                <a:solidFill>
+                  <a:schemeClr val="tx1"/>
+                </a:solidFill>
+                <a:latin typeface="+mn-lt"/>
+                <a:ea typeface="+mn-ea"/>
+                <a:cs typeface="+mn-cs"/>
+              </a:defRPr>
+            </a:lvl4pPr>
+            <a:lvl5pPr marL="2057400" indent="-228600" algn="l" defTabSz="914400" rtl="0" eaLnBrk="1" latinLnBrk="0" hangingPunct="1">
+              <a:lnSpc>
+                <a:spcPct val="90000"/>
+              </a:lnSpc>
+              <a:spcBef>
+                <a:spcPts val="500"/>
+              </a:spcBef>
+              <a:buFont typeface="Arial" panose="020B0604020202020204" pitchFamily="34" charset="0"/>
+              <a:buChar char="•"/>
+              <a:defRPr sz="1800" kern="1200">
+                <a:solidFill>
+                  <a:schemeClr val="tx1"/>
+                </a:solidFill>
+                <a:latin typeface="+mn-lt"/>
+                <a:ea typeface="+mn-ea"/>
+                <a:cs typeface="+mn-cs"/>
+              </a:defRPr>
+            </a:lvl5pPr>
+            <a:lvl6pPr marL="2514600" indent="-228600" algn="l" defTabSz="914400" rtl="0" eaLnBrk="1" latinLnBrk="0" hangingPunct="1">
+              <a:lnSpc>
+                <a:spcPct val="90000"/>
+              </a:lnSpc>
+              <a:spcBef>
+                <a:spcPts val="500"/>
+              </a:spcBef>
+              <a:buFont typeface="Arial" panose="020B0604020202020204" pitchFamily="34" charset="0"/>
+              <a:buChar char="•"/>
+              <a:defRPr sz="1800" kern="1200">
+                <a:solidFill>
+                  <a:schemeClr val="tx1"/>
+                </a:solidFill>
+                <a:latin typeface="+mn-lt"/>
+                <a:ea typeface="+mn-ea"/>
+                <a:cs typeface="+mn-cs"/>
+              </a:defRPr>
+            </a:lvl6pPr>
+            <a:lvl7pPr marL="2971800" indent="-228600" algn="l" defTabSz="914400" rtl="0" eaLnBrk="1" latinLnBrk="0" hangingPunct="1">
+              <a:lnSpc>
+                <a:spcPct val="90000"/>
+              </a:lnSpc>
+              <a:spcBef>
+                <a:spcPts val="500"/>
+              </a:spcBef>
+              <a:buFont typeface="Arial" panose="020B0604020202020204" pitchFamily="34" charset="0"/>
+              <a:buChar char="•"/>
+              <a:defRPr sz="1800" kern="1200">
+                <a:solidFill>
+                  <a:schemeClr val="tx1"/>
+                </a:solidFill>
+                <a:latin typeface="+mn-lt"/>
+                <a:ea typeface="+mn-ea"/>
+                <a:cs typeface="+mn-cs"/>
+              </a:defRPr>
+            </a:lvl7pPr>
+            <a:lvl8pPr marL="3429000" indent="-228600" algn="l" defTabSz="914400" rtl="0" eaLnBrk="1" latinLnBrk="0" hangingPunct="1">
+              <a:lnSpc>
+                <a:spcPct val="90000"/>
+              </a:lnSpc>
+              <a:spcBef>
+                <a:spcPts val="500"/>
+              </a:spcBef>
+              <a:buFont typeface="Arial" panose="020B0604020202020204" pitchFamily="34" charset="0"/>
+              <a:buChar char="•"/>
+              <a:defRPr sz="1800" kern="1200">
+                <a:solidFill>
+                  <a:schemeClr val="tx1"/>
+                </a:solidFill>
+                <a:latin typeface="+mn-lt"/>
+                <a:ea typeface="+mn-ea"/>
+                <a:cs typeface="+mn-cs"/>
+              </a:defRPr>
+            </a:lvl8pPr>
+            <a:lvl9pPr marL="3886200" indent="-228600" algn="l" defTabSz="914400" rtl="0" eaLnBrk="1" latinLnBrk="0" hangingPunct="1">
+              <a:lnSpc>
+                <a:spcPct val="90000"/>
+              </a:lnSpc>
+              <a:spcBef>
+                <a:spcPts val="500"/>
+              </a:spcBef>
+              <a:buFont typeface="Arial" panose="020B0604020202020204" pitchFamily="34" charset="0"/>
+              <a:buChar char="•"/>
+              <a:defRPr sz="1800" kern="1200">
+                <a:solidFill>
+                  <a:schemeClr val="tx1"/>
+                </a:solidFill>
+                <a:latin typeface="+mn-lt"/>
+                <a:ea typeface="+mn-ea"/>
+                <a:cs typeface="+mn-cs"/>
+              </a:defRPr>
+            </a:lvl9pPr>
+          </a:lstStyle>
+          <a:p>
+            <a:pPr marL="0" indent="0">
+              <a:buFont typeface="Arial" panose="020B0604020202020204" pitchFamily="34" charset="0"/>
+              <a:buNone/>
+            </a:pPr>
+            <a:r>
+              <a:rPr lang="fr-FR" sz="1600" dirty="0">
+                <a:sym typeface="Wingdings" pitchFamily="2" charset="2"/>
+              </a:rPr>
+              <a:t>Ponctuation retirée</a:t>
+            </a:r>
+          </a:p>
+        </p:txBody>
+      </p:sp>
+      <p:sp>
+        <p:nvSpPr>
+          <p:cNvPr id="33" name="Espace réservé du contenu 2">
+            <a:extLst>
+              <a:ext uri="{FF2B5EF4-FFF2-40B4-BE49-F238E27FC236}">
+                <a16:creationId xmlns:a16="http://schemas.microsoft.com/office/drawing/2014/main" id="{CB132AF3-4B2A-4099-A69F-811A330B7F84}"/>
+              </a:ext>
+            </a:extLst>
+          </p:cNvPr>
+          <p:cNvSpPr txBox="1">
+            <a:spLocks/>
+          </p:cNvSpPr>
+          <p:nvPr/>
+        </p:nvSpPr>
+        <p:spPr>
+          <a:xfrm>
+            <a:off x="1255786" y="4255129"/>
+            <a:ext cx="2196221" cy="769441"/>
+          </a:xfrm>
+          <a:prstGeom prst="rect">
+            <a:avLst/>
+          </a:prstGeom>
+        </p:spPr>
+        <p:txBody>
+          <a:bodyPr vert="horz" lIns="91440" tIns="45720" rIns="91440" bIns="45720" rtlCol="0">
+            <a:normAutofit fontScale="92500"/>
+          </a:bodyPr>
+          <a:lstStyle>
+            <a:lvl1pPr marL="228600" indent="-228600" algn="l" defTabSz="914400" rtl="0" eaLnBrk="1" latinLnBrk="0" hangingPunct="1">
+              <a:lnSpc>
+                <a:spcPct val="90000"/>
+              </a:lnSpc>
+              <a:spcBef>
+                <a:spcPts val="1000"/>
+              </a:spcBef>
+              <a:buFont typeface="Arial" panose="020B0604020202020204" pitchFamily="34" charset="0"/>
+              <a:buChar char="•"/>
+              <a:defRPr sz="2800" kern="1200">
+                <a:solidFill>
+                  <a:schemeClr val="tx1"/>
+                </a:solidFill>
+                <a:latin typeface="+mn-lt"/>
+                <a:ea typeface="+mn-ea"/>
+                <a:cs typeface="+mn-cs"/>
+              </a:defRPr>
+            </a:lvl1pPr>
+            <a:lvl2pPr marL="685800" indent="-228600" algn="l" defTabSz="914400" rtl="0" eaLnBrk="1" latinLnBrk="0" hangingPunct="1">
+              <a:lnSpc>
+                <a:spcPct val="90000"/>
+              </a:lnSpc>
+              <a:spcBef>
+                <a:spcPts val="500"/>
+              </a:spcBef>
+              <a:buFont typeface="Arial" panose="020B0604020202020204" pitchFamily="34" charset="0"/>
+              <a:buChar char="•"/>
+              <a:defRPr sz="2400" kern="1200">
+                <a:solidFill>
+                  <a:schemeClr val="tx1"/>
+                </a:solidFill>
+                <a:latin typeface="+mn-lt"/>
+                <a:ea typeface="+mn-ea"/>
+                <a:cs typeface="+mn-cs"/>
+              </a:defRPr>
+            </a:lvl2pPr>
+            <a:lvl3pPr marL="1143000" indent="-228600" algn="l" defTabSz="914400" rtl="0" eaLnBrk="1" latinLnBrk="0" hangingPunct="1">
+              <a:lnSpc>
+                <a:spcPct val="90000"/>
+              </a:lnSpc>
+              <a:spcBef>
+                <a:spcPts val="500"/>
+              </a:spcBef>
+              <a:buFont typeface="Arial" panose="020B0604020202020204" pitchFamily="34" charset="0"/>
+              <a:buChar char="•"/>
+              <a:defRPr sz="2000" kern="1200">
+                <a:solidFill>
+                  <a:schemeClr val="tx1"/>
+                </a:solidFill>
+                <a:latin typeface="+mn-lt"/>
+                <a:ea typeface="+mn-ea"/>
+                <a:cs typeface="+mn-cs"/>
+              </a:defRPr>
+            </a:lvl3pPr>
+            <a:lvl4pPr marL="1600200" indent="-228600" algn="l" defTabSz="914400" rtl="0" eaLnBrk="1" latinLnBrk="0" hangingPunct="1">
+              <a:lnSpc>
+                <a:spcPct val="90000"/>
+              </a:lnSpc>
+              <a:spcBef>
+                <a:spcPts val="500"/>
+              </a:spcBef>
+              <a:buFont typeface="Arial" panose="020B0604020202020204" pitchFamily="34" charset="0"/>
+              <a:buChar char="•"/>
+              <a:defRPr sz="1800" kern="1200">
+                <a:solidFill>
+                  <a:schemeClr val="tx1"/>
+                </a:solidFill>
+                <a:latin typeface="+mn-lt"/>
+                <a:ea typeface="+mn-ea"/>
+                <a:cs typeface="+mn-cs"/>
+              </a:defRPr>
+            </a:lvl4pPr>
+            <a:lvl5pPr marL="2057400" indent="-228600" algn="l" defTabSz="914400" rtl="0" eaLnBrk="1" latinLnBrk="0" hangingPunct="1">
+              <a:lnSpc>
+                <a:spcPct val="90000"/>
+              </a:lnSpc>
+              <a:spcBef>
+                <a:spcPts val="500"/>
+              </a:spcBef>
+              <a:buFont typeface="Arial" panose="020B0604020202020204" pitchFamily="34" charset="0"/>
+              <a:buChar char="•"/>
+              <a:defRPr sz="1800" kern="1200">
+                <a:solidFill>
+                  <a:schemeClr val="tx1"/>
+                </a:solidFill>
+                <a:latin typeface="+mn-lt"/>
+                <a:ea typeface="+mn-ea"/>
+                <a:cs typeface="+mn-cs"/>
+              </a:defRPr>
+            </a:lvl5pPr>
+            <a:lvl6pPr marL="2514600" indent="-228600" algn="l" defTabSz="914400" rtl="0" eaLnBrk="1" latinLnBrk="0" hangingPunct="1">
+              <a:lnSpc>
+                <a:spcPct val="90000"/>
+              </a:lnSpc>
+              <a:spcBef>
+                <a:spcPts val="500"/>
+              </a:spcBef>
+              <a:buFont typeface="Arial" panose="020B0604020202020204" pitchFamily="34" charset="0"/>
+              <a:buChar char="•"/>
+              <a:defRPr sz="1800" kern="1200">
+                <a:solidFill>
+                  <a:schemeClr val="tx1"/>
+                </a:solidFill>
+                <a:latin typeface="+mn-lt"/>
+                <a:ea typeface="+mn-ea"/>
+                <a:cs typeface="+mn-cs"/>
+              </a:defRPr>
+            </a:lvl6pPr>
+            <a:lvl7pPr marL="2971800" indent="-228600" algn="l" defTabSz="914400" rtl="0" eaLnBrk="1" latinLnBrk="0" hangingPunct="1">
+              <a:lnSpc>
+                <a:spcPct val="90000"/>
+              </a:lnSpc>
+              <a:spcBef>
+                <a:spcPts val="500"/>
+              </a:spcBef>
+              <a:buFont typeface="Arial" panose="020B0604020202020204" pitchFamily="34" charset="0"/>
+              <a:buChar char="•"/>
+              <a:defRPr sz="1800" kern="1200">
+                <a:solidFill>
+                  <a:schemeClr val="tx1"/>
+                </a:solidFill>
+                <a:latin typeface="+mn-lt"/>
+                <a:ea typeface="+mn-ea"/>
+                <a:cs typeface="+mn-cs"/>
+              </a:defRPr>
+            </a:lvl7pPr>
+            <a:lvl8pPr marL="3429000" indent="-228600" algn="l" defTabSz="914400" rtl="0" eaLnBrk="1" latinLnBrk="0" hangingPunct="1">
+              <a:lnSpc>
+                <a:spcPct val="90000"/>
+              </a:lnSpc>
+              <a:spcBef>
+                <a:spcPts val="500"/>
+              </a:spcBef>
+              <a:buFont typeface="Arial" panose="020B0604020202020204" pitchFamily="34" charset="0"/>
+              <a:buChar char="•"/>
+              <a:defRPr sz="1800" kern="1200">
+                <a:solidFill>
+                  <a:schemeClr val="tx1"/>
+                </a:solidFill>
+                <a:latin typeface="+mn-lt"/>
+                <a:ea typeface="+mn-ea"/>
+                <a:cs typeface="+mn-cs"/>
+              </a:defRPr>
+            </a:lvl8pPr>
+            <a:lvl9pPr marL="3886200" indent="-228600" algn="l" defTabSz="914400" rtl="0" eaLnBrk="1" latinLnBrk="0" hangingPunct="1">
+              <a:lnSpc>
+                <a:spcPct val="90000"/>
+              </a:lnSpc>
+              <a:spcBef>
+                <a:spcPts val="500"/>
+              </a:spcBef>
+              <a:buFont typeface="Arial" panose="020B0604020202020204" pitchFamily="34" charset="0"/>
+              <a:buChar char="•"/>
+              <a:defRPr sz="1800" kern="1200">
+                <a:solidFill>
+                  <a:schemeClr val="tx1"/>
+                </a:solidFill>
+                <a:latin typeface="+mn-lt"/>
+                <a:ea typeface="+mn-ea"/>
+                <a:cs typeface="+mn-cs"/>
+              </a:defRPr>
+            </a:lvl9pPr>
+          </a:lstStyle>
+          <a:p>
+            <a:pPr marL="0" indent="0">
+              <a:buNone/>
+            </a:pPr>
+            <a:r>
+              <a:rPr lang="fr-FR" sz="2400" dirty="0">
+                <a:sym typeface="Wingdings" pitchFamily="2" charset="2"/>
+              </a:rPr>
+              <a:t>Analyse morpho-syntaxique</a:t>
+            </a:r>
+          </a:p>
+        </p:txBody>
+      </p:sp>
+      <p:cxnSp>
+        <p:nvCxnSpPr>
+          <p:cNvPr id="34" name="Connecteur droit avec flèche 33">
+            <a:extLst>
+              <a:ext uri="{FF2B5EF4-FFF2-40B4-BE49-F238E27FC236}">
+                <a16:creationId xmlns:a16="http://schemas.microsoft.com/office/drawing/2014/main" id="{7028B9EF-EF94-4E99-9D8C-7AFAEFA44F58}"/>
+              </a:ext>
+            </a:extLst>
+          </p:cNvPr>
+          <p:cNvCxnSpPr>
+            <a:cxnSpLocks/>
+          </p:cNvCxnSpPr>
+          <p:nvPr/>
+        </p:nvCxnSpPr>
+        <p:spPr>
+          <a:xfrm flipH="1">
+            <a:off x="2857316" y="4036245"/>
+            <a:ext cx="662788" cy="281662"/>
+          </a:xfrm>
+          <a:prstGeom prst="straightConnector1">
+            <a:avLst/>
+          </a:prstGeom>
+          <a:ln w="104775">
+            <a:tailEnd type="triangle"/>
+          </a:ln>
+          <a:effectLst>
+            <a:outerShdw blurRad="50800" dist="38100" algn="l" rotWithShape="0">
+              <a:prstClr val="black">
+                <a:alpha val="40000"/>
+              </a:prstClr>
+            </a:outerShdw>
+          </a:effectLst>
+          <a:scene3d>
+            <a:camera prst="isometricOffAxis1Right"/>
+            <a:lightRig rig="threePt" dir="t"/>
+          </a:scene3d>
+          <a:sp3d>
+            <a:bevelT/>
+          </a:sp3d>
+        </p:spPr>
+        <p:style>
+          <a:lnRef idx="3">
+            <a:schemeClr val="accent2"/>
+          </a:lnRef>
+          <a:fillRef idx="0">
+            <a:schemeClr val="accent2"/>
+          </a:fillRef>
+          <a:effectRef idx="2">
+            <a:schemeClr val="accent2"/>
+          </a:effectRef>
+          <a:fontRef idx="minor">
+            <a:schemeClr val="tx1"/>
+          </a:fontRef>
+        </p:style>
+      </p:cxnSp>
+      <p:sp>
+        <p:nvSpPr>
+          <p:cNvPr id="35" name="Espace réservé du contenu 2">
+            <a:extLst>
+              <a:ext uri="{FF2B5EF4-FFF2-40B4-BE49-F238E27FC236}">
+                <a16:creationId xmlns:a16="http://schemas.microsoft.com/office/drawing/2014/main" id="{1449BB01-9396-4B5B-BE89-CB82F203723F}"/>
+              </a:ext>
+            </a:extLst>
+          </p:cNvPr>
+          <p:cNvSpPr txBox="1">
+            <a:spLocks/>
+          </p:cNvSpPr>
+          <p:nvPr/>
+        </p:nvSpPr>
+        <p:spPr>
+          <a:xfrm>
+            <a:off x="2127665" y="3626897"/>
+            <a:ext cx="1354393" cy="487024"/>
+          </a:xfrm>
+          <a:prstGeom prst="rect">
+            <a:avLst/>
+          </a:prstGeom>
+        </p:spPr>
+        <p:txBody>
+          <a:bodyPr vert="horz" lIns="91440" tIns="45720" rIns="91440" bIns="45720" rtlCol="0">
+            <a:normAutofit lnSpcReduction="10000"/>
+          </a:bodyPr>
+          <a:lstStyle>
+            <a:lvl1pPr marL="228600" indent="-228600" algn="l" defTabSz="914400" rtl="0" eaLnBrk="1" latinLnBrk="0" hangingPunct="1">
+              <a:lnSpc>
+                <a:spcPct val="90000"/>
+              </a:lnSpc>
+              <a:spcBef>
+                <a:spcPts val="1000"/>
+              </a:spcBef>
+              <a:buFont typeface="Arial" panose="020B0604020202020204" pitchFamily="34" charset="0"/>
+              <a:buChar char="•"/>
+              <a:defRPr sz="2800" kern="1200">
+                <a:solidFill>
+                  <a:schemeClr val="tx1"/>
+                </a:solidFill>
+                <a:latin typeface="+mn-lt"/>
+                <a:ea typeface="+mn-ea"/>
+                <a:cs typeface="+mn-cs"/>
+              </a:defRPr>
+            </a:lvl1pPr>
+            <a:lvl2pPr marL="685800" indent="-228600" algn="l" defTabSz="914400" rtl="0" eaLnBrk="1" latinLnBrk="0" hangingPunct="1">
+              <a:lnSpc>
+                <a:spcPct val="90000"/>
+              </a:lnSpc>
+              <a:spcBef>
+                <a:spcPts val="500"/>
+              </a:spcBef>
+              <a:buFont typeface="Arial" panose="020B0604020202020204" pitchFamily="34" charset="0"/>
+              <a:buChar char="•"/>
+              <a:defRPr sz="2400" kern="1200">
+                <a:solidFill>
+                  <a:schemeClr val="tx1"/>
+                </a:solidFill>
+                <a:latin typeface="+mn-lt"/>
+                <a:ea typeface="+mn-ea"/>
+                <a:cs typeface="+mn-cs"/>
+              </a:defRPr>
+            </a:lvl2pPr>
+            <a:lvl3pPr marL="1143000" indent="-228600" algn="l" defTabSz="914400" rtl="0" eaLnBrk="1" latinLnBrk="0" hangingPunct="1">
+              <a:lnSpc>
+                <a:spcPct val="90000"/>
+              </a:lnSpc>
+              <a:spcBef>
+                <a:spcPts val="500"/>
+              </a:spcBef>
+              <a:buFont typeface="Arial" panose="020B0604020202020204" pitchFamily="34" charset="0"/>
+              <a:buChar char="•"/>
+              <a:defRPr sz="2000" kern="1200">
+                <a:solidFill>
+                  <a:schemeClr val="tx1"/>
+                </a:solidFill>
+                <a:latin typeface="+mn-lt"/>
+                <a:ea typeface="+mn-ea"/>
+                <a:cs typeface="+mn-cs"/>
+              </a:defRPr>
+            </a:lvl3pPr>
+            <a:lvl4pPr marL="1600200" indent="-228600" algn="l" defTabSz="914400" rtl="0" eaLnBrk="1" latinLnBrk="0" hangingPunct="1">
+              <a:lnSpc>
+                <a:spcPct val="90000"/>
+              </a:lnSpc>
+              <a:spcBef>
+                <a:spcPts val="500"/>
+              </a:spcBef>
+              <a:buFont typeface="Arial" panose="020B0604020202020204" pitchFamily="34" charset="0"/>
+              <a:buChar char="•"/>
+              <a:defRPr sz="1800" kern="1200">
+                <a:solidFill>
+                  <a:schemeClr val="tx1"/>
+                </a:solidFill>
+                <a:latin typeface="+mn-lt"/>
+                <a:ea typeface="+mn-ea"/>
+                <a:cs typeface="+mn-cs"/>
+              </a:defRPr>
+            </a:lvl4pPr>
+            <a:lvl5pPr marL="2057400" indent="-228600" algn="l" defTabSz="914400" rtl="0" eaLnBrk="1" latinLnBrk="0" hangingPunct="1">
+              <a:lnSpc>
+                <a:spcPct val="90000"/>
+              </a:lnSpc>
+              <a:spcBef>
+                <a:spcPts val="500"/>
+              </a:spcBef>
+              <a:buFont typeface="Arial" panose="020B0604020202020204" pitchFamily="34" charset="0"/>
+              <a:buChar char="•"/>
+              <a:defRPr sz="1800" kern="1200">
+                <a:solidFill>
+                  <a:schemeClr val="tx1"/>
+                </a:solidFill>
+                <a:latin typeface="+mn-lt"/>
+                <a:ea typeface="+mn-ea"/>
+                <a:cs typeface="+mn-cs"/>
+              </a:defRPr>
+            </a:lvl5pPr>
+            <a:lvl6pPr marL="2514600" indent="-228600" algn="l" defTabSz="914400" rtl="0" eaLnBrk="1" latinLnBrk="0" hangingPunct="1">
+              <a:lnSpc>
+                <a:spcPct val="90000"/>
+              </a:lnSpc>
+              <a:spcBef>
+                <a:spcPts val="500"/>
+              </a:spcBef>
+              <a:buFont typeface="Arial" panose="020B0604020202020204" pitchFamily="34" charset="0"/>
+              <a:buChar char="•"/>
+              <a:defRPr sz="1800" kern="1200">
+                <a:solidFill>
+                  <a:schemeClr val="tx1"/>
+                </a:solidFill>
+                <a:latin typeface="+mn-lt"/>
+                <a:ea typeface="+mn-ea"/>
+                <a:cs typeface="+mn-cs"/>
+              </a:defRPr>
+            </a:lvl6pPr>
+            <a:lvl7pPr marL="2971800" indent="-228600" algn="l" defTabSz="914400" rtl="0" eaLnBrk="1" latinLnBrk="0" hangingPunct="1">
+              <a:lnSpc>
+                <a:spcPct val="90000"/>
+              </a:lnSpc>
+              <a:spcBef>
+                <a:spcPts val="500"/>
+              </a:spcBef>
+              <a:buFont typeface="Arial" panose="020B0604020202020204" pitchFamily="34" charset="0"/>
+              <a:buChar char="•"/>
+              <a:defRPr sz="1800" kern="1200">
+                <a:solidFill>
+                  <a:schemeClr val="tx1"/>
+                </a:solidFill>
+                <a:latin typeface="+mn-lt"/>
+                <a:ea typeface="+mn-ea"/>
+                <a:cs typeface="+mn-cs"/>
+              </a:defRPr>
+            </a:lvl7pPr>
+            <a:lvl8pPr marL="3429000" indent="-228600" algn="l" defTabSz="914400" rtl="0" eaLnBrk="1" latinLnBrk="0" hangingPunct="1">
+              <a:lnSpc>
+                <a:spcPct val="90000"/>
+              </a:lnSpc>
+              <a:spcBef>
+                <a:spcPts val="500"/>
+              </a:spcBef>
+              <a:buFont typeface="Arial" panose="020B0604020202020204" pitchFamily="34" charset="0"/>
+              <a:buChar char="•"/>
+              <a:defRPr sz="1800" kern="1200">
+                <a:solidFill>
+                  <a:schemeClr val="tx1"/>
+                </a:solidFill>
+                <a:latin typeface="+mn-lt"/>
+                <a:ea typeface="+mn-ea"/>
+                <a:cs typeface="+mn-cs"/>
+              </a:defRPr>
+            </a:lvl8pPr>
+            <a:lvl9pPr marL="3886200" indent="-228600" algn="l" defTabSz="914400" rtl="0" eaLnBrk="1" latinLnBrk="0" hangingPunct="1">
+              <a:lnSpc>
+                <a:spcPct val="90000"/>
+              </a:lnSpc>
+              <a:spcBef>
+                <a:spcPts val="500"/>
+              </a:spcBef>
+              <a:buFont typeface="Arial" panose="020B0604020202020204" pitchFamily="34" charset="0"/>
+              <a:buChar char="•"/>
+              <a:defRPr sz="1800" kern="1200">
+                <a:solidFill>
+                  <a:schemeClr val="tx1"/>
+                </a:solidFill>
+                <a:latin typeface="+mn-lt"/>
+                <a:ea typeface="+mn-ea"/>
+                <a:cs typeface="+mn-cs"/>
+              </a:defRPr>
+            </a:lvl9pPr>
+          </a:lstStyle>
+          <a:p>
+            <a:pPr marL="0" indent="0">
+              <a:buFont typeface="Arial" panose="020B0604020202020204" pitchFamily="34" charset="0"/>
+              <a:buNone/>
+            </a:pPr>
+            <a:r>
+              <a:rPr lang="fr-FR" sz="1600" dirty="0">
+                <a:sym typeface="Wingdings" pitchFamily="2" charset="2"/>
+              </a:rPr>
+              <a:t>Utilisation 1 </a:t>
+            </a:r>
+            <a:r>
+              <a:rPr lang="fr-FR" sz="1600" dirty="0" err="1">
+                <a:sym typeface="Wingdings" pitchFamily="2" charset="2"/>
+              </a:rPr>
+              <a:t>bigrame</a:t>
+            </a:r>
+            <a:endParaRPr lang="fr-FR" sz="1600" dirty="0">
+              <a:sym typeface="Wingdings" pitchFamily="2" charset="2"/>
+            </a:endParaRPr>
+          </a:p>
+        </p:txBody>
+      </p:sp>
+      <p:sp>
+        <p:nvSpPr>
+          <p:cNvPr id="36" name="Espace réservé du contenu 2">
+            <a:extLst>
+              <a:ext uri="{FF2B5EF4-FFF2-40B4-BE49-F238E27FC236}">
+                <a16:creationId xmlns:a16="http://schemas.microsoft.com/office/drawing/2014/main" id="{8E53ADDE-E296-4297-9A00-5D5007572C54}"/>
+              </a:ext>
+            </a:extLst>
+          </p:cNvPr>
+          <p:cNvSpPr txBox="1">
+            <a:spLocks/>
+          </p:cNvSpPr>
+          <p:nvPr/>
+        </p:nvSpPr>
+        <p:spPr>
+          <a:xfrm>
+            <a:off x="1421200" y="5427436"/>
+            <a:ext cx="2776113" cy="1054845"/>
+          </a:xfrm>
+          <a:prstGeom prst="rect">
+            <a:avLst/>
+          </a:prstGeom>
+        </p:spPr>
+        <p:txBody>
+          <a:bodyPr vert="horz" lIns="91440" tIns="45720" rIns="91440" bIns="45720" rtlCol="0">
+            <a:normAutofit fontScale="92500"/>
+          </a:bodyPr>
+          <a:lstStyle>
+            <a:lvl1pPr marL="228600" indent="-228600" algn="l" defTabSz="914400" rtl="0" eaLnBrk="1" latinLnBrk="0" hangingPunct="1">
+              <a:lnSpc>
+                <a:spcPct val="90000"/>
+              </a:lnSpc>
+              <a:spcBef>
+                <a:spcPts val="1000"/>
+              </a:spcBef>
+              <a:buFont typeface="Arial" panose="020B0604020202020204" pitchFamily="34" charset="0"/>
+              <a:buChar char="•"/>
+              <a:defRPr sz="2800" kern="1200">
+                <a:solidFill>
+                  <a:schemeClr val="tx1"/>
+                </a:solidFill>
+                <a:latin typeface="+mn-lt"/>
+                <a:ea typeface="+mn-ea"/>
+                <a:cs typeface="+mn-cs"/>
+              </a:defRPr>
+            </a:lvl1pPr>
+            <a:lvl2pPr marL="685800" indent="-228600" algn="l" defTabSz="914400" rtl="0" eaLnBrk="1" latinLnBrk="0" hangingPunct="1">
+              <a:lnSpc>
+                <a:spcPct val="90000"/>
+              </a:lnSpc>
+              <a:spcBef>
+                <a:spcPts val="500"/>
+              </a:spcBef>
+              <a:buFont typeface="Arial" panose="020B0604020202020204" pitchFamily="34" charset="0"/>
+              <a:buChar char="•"/>
+              <a:defRPr sz="2400" kern="1200">
+                <a:solidFill>
+                  <a:schemeClr val="tx1"/>
+                </a:solidFill>
+                <a:latin typeface="+mn-lt"/>
+                <a:ea typeface="+mn-ea"/>
+                <a:cs typeface="+mn-cs"/>
+              </a:defRPr>
+            </a:lvl2pPr>
+            <a:lvl3pPr marL="1143000" indent="-228600" algn="l" defTabSz="914400" rtl="0" eaLnBrk="1" latinLnBrk="0" hangingPunct="1">
+              <a:lnSpc>
+                <a:spcPct val="90000"/>
+              </a:lnSpc>
+              <a:spcBef>
+                <a:spcPts val="500"/>
+              </a:spcBef>
+              <a:buFont typeface="Arial" panose="020B0604020202020204" pitchFamily="34" charset="0"/>
+              <a:buChar char="•"/>
+              <a:defRPr sz="2000" kern="1200">
+                <a:solidFill>
+                  <a:schemeClr val="tx1"/>
+                </a:solidFill>
+                <a:latin typeface="+mn-lt"/>
+                <a:ea typeface="+mn-ea"/>
+                <a:cs typeface="+mn-cs"/>
+              </a:defRPr>
+            </a:lvl3pPr>
+            <a:lvl4pPr marL="1600200" indent="-228600" algn="l" defTabSz="914400" rtl="0" eaLnBrk="1" latinLnBrk="0" hangingPunct="1">
+              <a:lnSpc>
+                <a:spcPct val="90000"/>
+              </a:lnSpc>
+              <a:spcBef>
+                <a:spcPts val="500"/>
+              </a:spcBef>
+              <a:buFont typeface="Arial" panose="020B0604020202020204" pitchFamily="34" charset="0"/>
+              <a:buChar char="•"/>
+              <a:defRPr sz="1800" kern="1200">
+                <a:solidFill>
+                  <a:schemeClr val="tx1"/>
+                </a:solidFill>
+                <a:latin typeface="+mn-lt"/>
+                <a:ea typeface="+mn-ea"/>
+                <a:cs typeface="+mn-cs"/>
+              </a:defRPr>
+            </a:lvl4pPr>
+            <a:lvl5pPr marL="2057400" indent="-228600" algn="l" defTabSz="914400" rtl="0" eaLnBrk="1" latinLnBrk="0" hangingPunct="1">
+              <a:lnSpc>
+                <a:spcPct val="90000"/>
+              </a:lnSpc>
+              <a:spcBef>
+                <a:spcPts val="500"/>
+              </a:spcBef>
+              <a:buFont typeface="Arial" panose="020B0604020202020204" pitchFamily="34" charset="0"/>
+              <a:buChar char="•"/>
+              <a:defRPr sz="1800" kern="1200">
+                <a:solidFill>
+                  <a:schemeClr val="tx1"/>
+                </a:solidFill>
+                <a:latin typeface="+mn-lt"/>
+                <a:ea typeface="+mn-ea"/>
+                <a:cs typeface="+mn-cs"/>
+              </a:defRPr>
+            </a:lvl5pPr>
+            <a:lvl6pPr marL="2514600" indent="-228600" algn="l" defTabSz="914400" rtl="0" eaLnBrk="1" latinLnBrk="0" hangingPunct="1">
+              <a:lnSpc>
+                <a:spcPct val="90000"/>
+              </a:lnSpc>
+              <a:spcBef>
+                <a:spcPts val="500"/>
+              </a:spcBef>
+              <a:buFont typeface="Arial" panose="020B0604020202020204" pitchFamily="34" charset="0"/>
+              <a:buChar char="•"/>
+              <a:defRPr sz="1800" kern="1200">
+                <a:solidFill>
+                  <a:schemeClr val="tx1"/>
+                </a:solidFill>
+                <a:latin typeface="+mn-lt"/>
+                <a:ea typeface="+mn-ea"/>
+                <a:cs typeface="+mn-cs"/>
+              </a:defRPr>
+            </a:lvl6pPr>
+            <a:lvl7pPr marL="2971800" indent="-228600" algn="l" defTabSz="914400" rtl="0" eaLnBrk="1" latinLnBrk="0" hangingPunct="1">
+              <a:lnSpc>
+                <a:spcPct val="90000"/>
+              </a:lnSpc>
+              <a:spcBef>
+                <a:spcPts val="500"/>
+              </a:spcBef>
+              <a:buFont typeface="Arial" panose="020B0604020202020204" pitchFamily="34" charset="0"/>
+              <a:buChar char="•"/>
+              <a:defRPr sz="1800" kern="1200">
+                <a:solidFill>
+                  <a:schemeClr val="tx1"/>
+                </a:solidFill>
+                <a:latin typeface="+mn-lt"/>
+                <a:ea typeface="+mn-ea"/>
+                <a:cs typeface="+mn-cs"/>
+              </a:defRPr>
+            </a:lvl7pPr>
+            <a:lvl8pPr marL="3429000" indent="-228600" algn="l" defTabSz="914400" rtl="0" eaLnBrk="1" latinLnBrk="0" hangingPunct="1">
+              <a:lnSpc>
+                <a:spcPct val="90000"/>
+              </a:lnSpc>
+              <a:spcBef>
+                <a:spcPts val="500"/>
+              </a:spcBef>
+              <a:buFont typeface="Arial" panose="020B0604020202020204" pitchFamily="34" charset="0"/>
+              <a:buChar char="•"/>
+              <a:defRPr sz="1800" kern="1200">
+                <a:solidFill>
+                  <a:schemeClr val="tx1"/>
+                </a:solidFill>
+                <a:latin typeface="+mn-lt"/>
+                <a:ea typeface="+mn-ea"/>
+                <a:cs typeface="+mn-cs"/>
+              </a:defRPr>
+            </a:lvl8pPr>
+            <a:lvl9pPr marL="3886200" indent="-228600" algn="l" defTabSz="914400" rtl="0" eaLnBrk="1" latinLnBrk="0" hangingPunct="1">
+              <a:lnSpc>
+                <a:spcPct val="90000"/>
+              </a:lnSpc>
+              <a:spcBef>
+                <a:spcPts val="500"/>
+              </a:spcBef>
+              <a:buFont typeface="Arial" panose="020B0604020202020204" pitchFamily="34" charset="0"/>
+              <a:buChar char="•"/>
+              <a:defRPr sz="1800" kern="1200">
+                <a:solidFill>
+                  <a:schemeClr val="tx1"/>
+                </a:solidFill>
+                <a:latin typeface="+mn-lt"/>
+                <a:ea typeface="+mn-ea"/>
+                <a:cs typeface="+mn-cs"/>
+              </a:defRPr>
+            </a:lvl9pPr>
+          </a:lstStyle>
+          <a:p>
+            <a:pPr marL="0" indent="0">
+              <a:buNone/>
+            </a:pPr>
+            <a:r>
+              <a:rPr lang="fr-FR" sz="2400" dirty="0">
+                <a:sym typeface="Wingdings" pitchFamily="2" charset="2"/>
+              </a:rPr>
+              <a:t>Polarité des phrases en fonction des mots et de leur étiquetage</a:t>
+            </a:r>
+          </a:p>
+        </p:txBody>
+      </p:sp>
+      <p:cxnSp>
+        <p:nvCxnSpPr>
+          <p:cNvPr id="37" name="Connecteur droit avec flèche 36">
+            <a:extLst>
+              <a:ext uri="{FF2B5EF4-FFF2-40B4-BE49-F238E27FC236}">
+                <a16:creationId xmlns:a16="http://schemas.microsoft.com/office/drawing/2014/main" id="{3A2D3287-737B-4A26-8CF7-AB15E987825C}"/>
+              </a:ext>
+            </a:extLst>
+          </p:cNvPr>
+          <p:cNvCxnSpPr>
+            <a:cxnSpLocks/>
+          </p:cNvCxnSpPr>
+          <p:nvPr/>
+        </p:nvCxnSpPr>
+        <p:spPr>
+          <a:xfrm>
+            <a:off x="2618469" y="4705289"/>
+            <a:ext cx="448899" cy="560028"/>
+          </a:xfrm>
+          <a:prstGeom prst="straightConnector1">
+            <a:avLst/>
+          </a:prstGeom>
+          <a:ln w="104775">
+            <a:tailEnd type="triangle"/>
+          </a:ln>
+          <a:effectLst>
+            <a:outerShdw blurRad="50800" dist="38100" algn="l" rotWithShape="0">
+              <a:prstClr val="black">
+                <a:alpha val="40000"/>
+              </a:prstClr>
+            </a:outerShdw>
+          </a:effectLst>
+          <a:scene3d>
+            <a:camera prst="isometricOffAxis1Right"/>
+            <a:lightRig rig="threePt" dir="t"/>
+          </a:scene3d>
+          <a:sp3d>
+            <a:bevelT/>
+          </a:sp3d>
+        </p:spPr>
+        <p:style>
+          <a:lnRef idx="3">
+            <a:schemeClr val="accent2"/>
+          </a:lnRef>
+          <a:fillRef idx="0">
+            <a:schemeClr val="accent2"/>
+          </a:fillRef>
+          <a:effectRef idx="2">
+            <a:schemeClr val="accent2"/>
+          </a:effectRef>
+          <a:fontRef idx="minor">
+            <a:schemeClr val="tx1"/>
+          </a:fontRef>
+        </p:style>
+      </p:cxnSp>
     </p:spTree>
     <p:extLst>
       <p:ext uri="{BB962C8B-B14F-4D97-AF65-F5344CB8AC3E}">
@@ -7516,6 +11882,198 @@
 </file>
 
 <file path=ppt/slides/slide7.xml><?xml version="1.0" encoding="utf-8"?>
+<p:sld xmlns:a="http://schemas.openxmlformats.org/drawingml/2006/main" xmlns:r="http://schemas.openxmlformats.org/officeDocument/2006/relationships" xmlns:p="http://schemas.openxmlformats.org/presentationml/2006/main">
+  <p:cSld>
+    <p:spTree>
+      <p:nvGrpSpPr>
+        <p:cNvPr id="1" name=""/>
+        <p:cNvGrpSpPr/>
+        <p:nvPr/>
+      </p:nvGrpSpPr>
+      <p:grpSpPr>
+        <a:xfrm>
+          <a:off x="0" y="0"/>
+          <a:ext cx="0" cy="0"/>
+          <a:chOff x="0" y="0"/>
+          <a:chExt cx="0" cy="0"/>
+        </a:xfrm>
+      </p:grpSpPr>
+      <p:sp>
+        <p:nvSpPr>
+          <p:cNvPr id="3" name="Espace réservé du contenu 2">
+            <a:extLst>
+              <a:ext uri="{FF2B5EF4-FFF2-40B4-BE49-F238E27FC236}">
+                <a16:creationId xmlns:a16="http://schemas.microsoft.com/office/drawing/2014/main" id="{38A1447F-8BC5-E148-9979-96CFBA546E9E}"/>
+              </a:ext>
+            </a:extLst>
+          </p:cNvPr>
+          <p:cNvSpPr>
+            <a:spLocks noGrp="1"/>
+          </p:cNvSpPr>
+          <p:nvPr>
+            <p:ph idx="1"/>
+          </p:nvPr>
+        </p:nvSpPr>
+        <p:spPr/>
+        <p:txBody>
+          <a:bodyPr/>
+          <a:lstStyle/>
+          <a:p>
+            <a:r>
+              <a:rPr lang="fr-FR" dirty="0"/>
+              <a:t>Constitution du </a:t>
+            </a:r>
+            <a:r>
+              <a:rPr lang="fr-FR" dirty="0" err="1"/>
+              <a:t>dataset</a:t>
+            </a:r>
+            <a:r>
+              <a:rPr lang="fr-FR" dirty="0"/>
+              <a:t> </a:t>
+            </a:r>
+            <a:endParaRPr lang="fr-FR" dirty="0">
+              <a:sym typeface="Wingdings" pitchFamily="2" charset="2"/>
+            </a:endParaRPr>
+          </a:p>
+          <a:p>
+            <a:r>
+              <a:rPr lang="fr-FR" dirty="0"/>
+              <a:t>Extraction des conversations dans un fichier </a:t>
+            </a:r>
+            <a:r>
+              <a:rPr lang="fr-FR" dirty="0" err="1"/>
+              <a:t>json</a:t>
+            </a:r>
+            <a:r>
+              <a:rPr lang="fr-FR" dirty="0"/>
+              <a:t> ou </a:t>
+            </a:r>
+            <a:r>
+              <a:rPr lang="fr-FR" dirty="0" err="1"/>
+              <a:t>excel</a:t>
+            </a:r>
+            <a:r>
+              <a:rPr lang="fr-FR" dirty="0"/>
+              <a:t> (un </a:t>
+            </a:r>
+            <a:r>
+              <a:rPr lang="fr-FR" dirty="0" err="1"/>
+              <a:t>dataset</a:t>
+            </a:r>
+            <a:r>
+              <a:rPr lang="fr-FR" dirty="0"/>
+              <a:t> pour chaque thématique )</a:t>
+            </a:r>
+          </a:p>
+          <a:p>
+            <a:r>
+              <a:rPr lang="fr-FR" dirty="0" err="1"/>
+              <a:t>P</a:t>
+            </a:r>
+            <a:r>
+              <a:rPr lang="fr-FR" dirty="0" err="1">
+                <a:sym typeface="Wingdings" pitchFamily="2" charset="2"/>
+              </a:rPr>
+              <a:t>ré-traitement</a:t>
+            </a:r>
+            <a:r>
+              <a:rPr lang="fr-FR" dirty="0">
+                <a:sym typeface="Wingdings" pitchFamily="2" charset="2"/>
+              </a:rPr>
+              <a:t> des données</a:t>
+            </a:r>
+          </a:p>
+          <a:p>
+            <a:r>
+              <a:rPr lang="fr-FR" dirty="0" err="1">
+                <a:sym typeface="Wingdings" pitchFamily="2" charset="2"/>
+              </a:rPr>
+              <a:t>Token</a:t>
+            </a:r>
+            <a:endParaRPr lang="fr-FR" dirty="0">
+              <a:sym typeface="Wingdings" pitchFamily="2" charset="2"/>
+            </a:endParaRPr>
+          </a:p>
+          <a:p>
+            <a:r>
+              <a:rPr lang="fr-FR" dirty="0">
+                <a:sym typeface="Wingdings" pitchFamily="2" charset="2"/>
+              </a:rPr>
+              <a:t>Lexique</a:t>
+            </a:r>
+          </a:p>
+          <a:p>
+            <a:endParaRPr lang="fr-FR" dirty="0">
+              <a:sym typeface="Wingdings" pitchFamily="2" charset="2"/>
+            </a:endParaRPr>
+          </a:p>
+          <a:p>
+            <a:endParaRPr lang="fr-FR" dirty="0"/>
+          </a:p>
+        </p:txBody>
+      </p:sp>
+      <p:sp>
+        <p:nvSpPr>
+          <p:cNvPr id="4" name="Rectangle 3">
+            <a:extLst>
+              <a:ext uri="{FF2B5EF4-FFF2-40B4-BE49-F238E27FC236}">
+                <a16:creationId xmlns:a16="http://schemas.microsoft.com/office/drawing/2014/main" id="{6AD4FDDD-152B-954E-BC9B-19B6EB320336}"/>
+              </a:ext>
+            </a:extLst>
+          </p:cNvPr>
+          <p:cNvSpPr/>
+          <p:nvPr/>
+        </p:nvSpPr>
+        <p:spPr>
+          <a:xfrm>
+            <a:off x="391199" y="0"/>
+            <a:ext cx="4545795" cy="769441"/>
+          </a:xfrm>
+          <a:prstGeom prst="rect">
+            <a:avLst/>
+          </a:prstGeom>
+          <a:noFill/>
+        </p:spPr>
+        <p:txBody>
+          <a:bodyPr wrap="none" lIns="91440" tIns="45720" rIns="91440" bIns="45720">
+            <a:spAutoFit/>
+          </a:bodyPr>
+          <a:lstStyle/>
+          <a:p>
+            <a:pPr algn="ctr"/>
+            <a:r>
+              <a:rPr lang="fr-FR" sz="4400" b="0" cap="none" spc="0" dirty="0">
+                <a:ln w="0"/>
+                <a:solidFill>
+                  <a:schemeClr val="accent1"/>
+                </a:solidFill>
+                <a:effectLst>
+                  <a:outerShdw blurRad="38100" dist="25400" dir="5400000" algn="ctr" rotWithShape="0">
+                    <a:srgbClr val="6E747A">
+                      <a:alpha val="43000"/>
+                    </a:srgbClr>
+                  </a:outerShdw>
+                </a:effectLst>
+              </a:rPr>
+              <a:t>Etapes du pipeline:</a:t>
+            </a:r>
+          </a:p>
+        </p:txBody>
+      </p:sp>
+    </p:spTree>
+    <p:extLst>
+      <p:ext uri="{BB962C8B-B14F-4D97-AF65-F5344CB8AC3E}">
+        <p14:creationId xmlns:p14="http://schemas.microsoft.com/office/powerpoint/2010/main" val="643121338"/>
+      </p:ext>
+    </p:extLst>
+  </p:cSld>
+  <p:clrMapOvr>
+    <a:masterClrMapping/>
+  </p:clrMapOvr>
+</p:sld>
+</file>
+
+<file path=ppt/slides/slide8.xml><?xml version="1.0" encoding="utf-8"?>
 <p:sld xmlns:a="http://schemas.openxmlformats.org/drawingml/2006/main" xmlns:r="http://schemas.openxmlformats.org/officeDocument/2006/relationships" xmlns:p="http://schemas.openxmlformats.org/presentationml/2006/main">
   <p:cSld>
     <p:spTree>
@@ -7825,7 +12383,7 @@
 </p:sld>
 </file>
 
-<file path=ppt/slides/slide8.xml><?xml version="1.0" encoding="utf-8"?>
+<file path=ppt/slides/slide9.xml><?xml version="1.0" encoding="utf-8"?>
 <p:sld xmlns:a="http://schemas.openxmlformats.org/drawingml/2006/main" xmlns:r="http://schemas.openxmlformats.org/officeDocument/2006/relationships" xmlns:p="http://schemas.openxmlformats.org/presentationml/2006/main">
   <p:cSld>
     <p:spTree>
@@ -8207,345 +12765,6 @@
     <p:extLst>
       <p:ext uri="{BB962C8B-B14F-4D97-AF65-F5344CB8AC3E}">
         <p14:creationId xmlns:p14="http://schemas.microsoft.com/office/powerpoint/2010/main" val="3858167390"/>
-      </p:ext>
-    </p:extLst>
-  </p:cSld>
-  <p:clrMapOvr>
-    <a:masterClrMapping/>
-  </p:clrMapOvr>
-</p:sld>
-</file>
-
-<file path=ppt/slides/slide9.xml><?xml version="1.0" encoding="utf-8"?>
-<p:sld xmlns:a="http://schemas.openxmlformats.org/drawingml/2006/main" xmlns:r="http://schemas.openxmlformats.org/officeDocument/2006/relationships" xmlns:p="http://schemas.openxmlformats.org/presentationml/2006/main">
-  <p:cSld>
-    <p:spTree>
-      <p:nvGrpSpPr>
-        <p:cNvPr id="1" name=""/>
-        <p:cNvGrpSpPr/>
-        <p:nvPr/>
-      </p:nvGrpSpPr>
-      <p:grpSpPr>
-        <a:xfrm>
-          <a:off x="0" y="0"/>
-          <a:ext cx="0" cy="0"/>
-          <a:chOff x="0" y="0"/>
-          <a:chExt cx="0" cy="0"/>
-        </a:xfrm>
-      </p:grpSpPr>
-      <p:pic>
-        <p:nvPicPr>
-          <p:cNvPr id="6" name="Image 5">
-            <a:extLst>
-              <a:ext uri="{FF2B5EF4-FFF2-40B4-BE49-F238E27FC236}">
-                <a16:creationId xmlns:a16="http://schemas.microsoft.com/office/drawing/2014/main" id="{D5CFB8B8-13B3-4571-B24C-E124537D5A47}"/>
-              </a:ext>
-            </a:extLst>
-          </p:cNvPr>
-          <p:cNvPicPr>
-            <a:picLocks noChangeAspect="1"/>
-          </p:cNvPicPr>
-          <p:nvPr/>
-        </p:nvPicPr>
-        <p:blipFill>
-          <a:blip r:embed="rId2"/>
-          <a:stretch>
-            <a:fillRect/>
-          </a:stretch>
-        </p:blipFill>
-        <p:spPr>
-          <a:xfrm>
-            <a:off x="121036" y="1530203"/>
-            <a:ext cx="6629413" cy="4090424"/>
-          </a:xfrm>
-          <a:prstGeom prst="rect">
-            <a:avLst/>
-          </a:prstGeom>
-        </p:spPr>
-      </p:pic>
-      <p:sp>
-        <p:nvSpPr>
-          <p:cNvPr id="4" name="Rectangle 3">
-            <a:extLst>
-              <a:ext uri="{FF2B5EF4-FFF2-40B4-BE49-F238E27FC236}">
-                <a16:creationId xmlns:a16="http://schemas.microsoft.com/office/drawing/2014/main" id="{D465CE8F-F5E5-0446-A0A1-D215251B2332}"/>
-              </a:ext>
-            </a:extLst>
-          </p:cNvPr>
-          <p:cNvSpPr/>
-          <p:nvPr/>
-        </p:nvSpPr>
-        <p:spPr>
-          <a:xfrm>
-            <a:off x="483306" y="720150"/>
-            <a:ext cx="6954148" cy="646331"/>
-          </a:xfrm>
-          <a:prstGeom prst="rect">
-            <a:avLst/>
-          </a:prstGeom>
-          <a:noFill/>
-        </p:spPr>
-        <p:txBody>
-          <a:bodyPr wrap="none" lIns="91440" tIns="45720" rIns="91440" bIns="45720">
-            <a:spAutoFit/>
-          </a:bodyPr>
-          <a:lstStyle/>
-          <a:p>
-            <a:pPr algn="ctr"/>
-            <a:r>
-              <a:rPr lang="fr-FR" sz="3600" b="0" cap="none" spc="0" dirty="0">
-                <a:ln w="0"/>
-                <a:solidFill>
-                  <a:schemeClr val="accent1"/>
-                </a:solidFill>
-                <a:effectLst>
-                  <a:outerShdw blurRad="38100" dist="25400" dir="5400000" algn="ctr" rotWithShape="0">
-                    <a:srgbClr val="6E747A">
-                      <a:alpha val="43000"/>
-                    </a:srgbClr>
-                  </a:outerShdw>
-                </a:effectLst>
-              </a:rPr>
-              <a:t>Focus sur Igor et </a:t>
-            </a:r>
-            <a:r>
-              <a:rPr lang="fr-FR" sz="3600" dirty="0" err="1">
-                <a:solidFill>
-                  <a:schemeClr val="accent1">
-                    <a:lumMod val="75000"/>
-                  </a:schemeClr>
-                </a:solidFill>
-              </a:rPr>
-              <a:t>Grichka</a:t>
-            </a:r>
-            <a:r>
-              <a:rPr lang="fr-FR" sz="3600" dirty="0">
-                <a:solidFill>
-                  <a:schemeClr val="accent1">
-                    <a:lumMod val="75000"/>
-                  </a:schemeClr>
-                </a:solidFill>
-              </a:rPr>
-              <a:t> </a:t>
-            </a:r>
-            <a:r>
-              <a:rPr lang="fr-FR" sz="3600" dirty="0" err="1">
-                <a:solidFill>
-                  <a:schemeClr val="accent1">
-                    <a:lumMod val="75000"/>
-                  </a:schemeClr>
-                </a:solidFill>
-              </a:rPr>
-              <a:t>Bogdanoff</a:t>
-            </a:r>
-            <a:r>
-              <a:rPr lang="fr-FR" sz="3600" b="0" cap="none" spc="0" dirty="0">
-                <a:ln w="0"/>
-                <a:solidFill>
-                  <a:schemeClr val="accent1">
-                    <a:lumMod val="75000"/>
-                  </a:schemeClr>
-                </a:solidFill>
-                <a:effectLst>
-                  <a:outerShdw blurRad="38100" dist="25400" dir="5400000" algn="ctr" rotWithShape="0">
-                    <a:srgbClr val="6E747A">
-                      <a:alpha val="43000"/>
-                    </a:srgbClr>
-                  </a:outerShdw>
-                </a:effectLst>
-              </a:rPr>
-              <a:t> </a:t>
-            </a:r>
-          </a:p>
-        </p:txBody>
-      </p:sp>
-      <p:sp>
-        <p:nvSpPr>
-          <p:cNvPr id="3" name="Rectangle 2">
-            <a:extLst>
-              <a:ext uri="{FF2B5EF4-FFF2-40B4-BE49-F238E27FC236}">
-                <a16:creationId xmlns:a16="http://schemas.microsoft.com/office/drawing/2014/main" id="{5A36C8C3-B35D-4164-A95A-F58911A3B436}"/>
-              </a:ext>
-            </a:extLst>
-          </p:cNvPr>
-          <p:cNvSpPr/>
-          <p:nvPr/>
-        </p:nvSpPr>
-        <p:spPr>
-          <a:xfrm>
-            <a:off x="265438" y="21524"/>
-            <a:ext cx="3521350" cy="923330"/>
-          </a:xfrm>
-          <a:prstGeom prst="rect">
-            <a:avLst/>
-          </a:prstGeom>
-          <a:noFill/>
-        </p:spPr>
-        <p:txBody>
-          <a:bodyPr wrap="none" lIns="91440" tIns="45720" rIns="91440" bIns="45720">
-            <a:spAutoFit/>
-          </a:bodyPr>
-          <a:lstStyle/>
-          <a:p>
-            <a:pPr algn="ctr"/>
-            <a:r>
-              <a:rPr lang="fr-FR" sz="5400" b="0" cap="none" spc="0" dirty="0">
-                <a:ln w="0"/>
-                <a:solidFill>
-                  <a:schemeClr val="accent1"/>
-                </a:solidFill>
-                <a:effectLst>
-                  <a:outerShdw blurRad="38100" dist="25400" dir="5400000" algn="ctr" rotWithShape="0">
-                    <a:srgbClr val="6E747A">
-                      <a:alpha val="43000"/>
-                    </a:srgbClr>
-                  </a:outerShdw>
-                </a:effectLst>
-              </a:rPr>
-              <a:t>RESULTATS :</a:t>
-            </a:r>
-          </a:p>
-        </p:txBody>
-      </p:sp>
-      <p:pic>
-        <p:nvPicPr>
-          <p:cNvPr id="5" name="Image 4" descr="Une image contenant personne, posant, groupe, gens&#10;&#10;Description générée automatiquement">
-            <a:extLst>
-              <a:ext uri="{FF2B5EF4-FFF2-40B4-BE49-F238E27FC236}">
-                <a16:creationId xmlns:a16="http://schemas.microsoft.com/office/drawing/2014/main" id="{D95A302E-F789-454B-9FB2-CBB02814A932}"/>
-              </a:ext>
-            </a:extLst>
-          </p:cNvPr>
-          <p:cNvPicPr>
-            <a:picLocks noChangeAspect="1"/>
-          </p:cNvPicPr>
-          <p:nvPr/>
-        </p:nvPicPr>
-        <p:blipFill>
-          <a:blip r:embed="rId3"/>
-          <a:stretch>
-            <a:fillRect/>
-          </a:stretch>
-        </p:blipFill>
-        <p:spPr>
-          <a:xfrm>
-            <a:off x="8756258" y="78787"/>
-            <a:ext cx="2298024" cy="1848690"/>
-          </a:xfrm>
-          <a:prstGeom prst="rect">
-            <a:avLst/>
-          </a:prstGeom>
-        </p:spPr>
-      </p:pic>
-      <p:sp>
-        <p:nvSpPr>
-          <p:cNvPr id="10" name="Espace réservé du contenu 2">
-            <a:extLst>
-              <a:ext uri="{FF2B5EF4-FFF2-40B4-BE49-F238E27FC236}">
-                <a16:creationId xmlns:a16="http://schemas.microsoft.com/office/drawing/2014/main" id="{B211AA95-EB79-4D85-82CB-504D64799D4E}"/>
-              </a:ext>
-            </a:extLst>
-          </p:cNvPr>
-          <p:cNvSpPr>
-            <a:spLocks noGrp="1"/>
-          </p:cNvSpPr>
-          <p:nvPr>
-            <p:ph idx="1"/>
-          </p:nvPr>
-        </p:nvSpPr>
-        <p:spPr>
-          <a:xfrm>
-            <a:off x="6840952" y="3848276"/>
-            <a:ext cx="5351048" cy="1425688"/>
-          </a:xfrm>
-        </p:spPr>
-        <p:txBody>
-          <a:bodyPr>
-            <a:normAutofit fontScale="92500"/>
-          </a:bodyPr>
-          <a:lstStyle/>
-          <a:p>
-            <a:r>
-              <a:rPr lang="fr-FR" dirty="0">
-                <a:sym typeface="Wingdings" pitchFamily="2" charset="2"/>
-              </a:rPr>
-              <a:t>Proportion de mots positifs + élevée</a:t>
-            </a:r>
-          </a:p>
-          <a:p>
-            <a:r>
-              <a:rPr lang="fr-FR" dirty="0">
-                <a:sym typeface="Wingdings" pitchFamily="2" charset="2"/>
-              </a:rPr>
-              <a:t>Proportion de mots négatifs - élevée</a:t>
-            </a:r>
-          </a:p>
-          <a:p>
-            <a:endParaRPr lang="fr-FR" dirty="0">
-              <a:sym typeface="Wingdings" pitchFamily="2" charset="2"/>
-            </a:endParaRPr>
-          </a:p>
-        </p:txBody>
-      </p:sp>
-      <p:cxnSp>
-        <p:nvCxnSpPr>
-          <p:cNvPr id="11" name="Connecteur droit avec flèche 10">
-            <a:extLst>
-              <a:ext uri="{FF2B5EF4-FFF2-40B4-BE49-F238E27FC236}">
-                <a16:creationId xmlns:a16="http://schemas.microsoft.com/office/drawing/2014/main" id="{5CC61CD0-59A1-48E5-B523-A84E62DBC533}"/>
-              </a:ext>
-            </a:extLst>
-          </p:cNvPr>
-          <p:cNvCxnSpPr>
-            <a:cxnSpLocks/>
-          </p:cNvCxnSpPr>
-          <p:nvPr/>
-        </p:nvCxnSpPr>
-        <p:spPr>
-          <a:xfrm>
-            <a:off x="6840952" y="3197280"/>
-            <a:ext cx="815993" cy="506502"/>
-          </a:xfrm>
-          <a:prstGeom prst="straightConnector1">
-            <a:avLst/>
-          </a:prstGeom>
-          <a:ln w="104775">
-            <a:tailEnd type="triangle"/>
-          </a:ln>
-          <a:effectLst>
-            <a:outerShdw blurRad="50800" dist="38100" algn="l" rotWithShape="0">
-              <a:prstClr val="black">
-                <a:alpha val="40000"/>
-              </a:prstClr>
-            </a:outerShdw>
-          </a:effectLst>
-          <a:scene3d>
-            <a:camera prst="isometricOffAxis1Right"/>
-            <a:lightRig rig="threePt" dir="t"/>
-          </a:scene3d>
-          <a:sp3d>
-            <a:bevelT/>
-          </a:sp3d>
-        </p:spPr>
-        <p:style>
-          <a:lnRef idx="3">
-            <a:schemeClr val="accent2"/>
-          </a:lnRef>
-          <a:fillRef idx="0">
-            <a:schemeClr val="accent2"/>
-          </a:fillRef>
-          <a:effectRef idx="2">
-            <a:schemeClr val="accent2"/>
-          </a:effectRef>
-          <a:fontRef idx="minor">
-            <a:schemeClr val="tx1"/>
-          </a:fontRef>
-        </p:style>
-      </p:cxnSp>
-    </p:spTree>
-    <p:extLst>
-      <p:ext uri="{BB962C8B-B14F-4D97-AF65-F5344CB8AC3E}">
-        <p14:creationId xmlns:p14="http://schemas.microsoft.com/office/powerpoint/2010/main" val="3560205630"/>
       </p:ext>
     </p:extLst>
   </p:cSld>
